--- a/final presentation/justification and vision.pptx
+++ b/final presentation/justification and vision.pptx
@@ -202,6 +202,7 @@
           <a:p>
             <a:fld id="{20DA1211-E445-4DCA-9CB6-0168075DEB27}" type="datetimeFigureOut">
               <a:rPr lang="en-US" smtClean="0"/>
+              <a:pPr/>
               <a:t>5/6/2010</a:t>
             </a:fld>
             <a:endParaRPr lang="en-US"/>
@@ -363,6 +364,7 @@
           <a:p>
             <a:fld id="{85BFD0CF-73B1-429D-9FAA-54C4EB877BD1}" type="slidenum">
               <a:rPr lang="en-US" smtClean="0"/>
+              <a:pPr/>
               <a:t>‹#›</a:t>
             </a:fld>
             <a:endParaRPr lang="en-US"/>
@@ -534,6 +536,7 @@
           <a:p>
             <a:fld id="{85BFD0CF-73B1-429D-9FAA-54C4EB877BD1}" type="slidenum">
               <a:rPr lang="en-US" smtClean="0"/>
+              <a:pPr/>
               <a:t>2</a:t>
             </a:fld>
             <a:endParaRPr lang="en-US" dirty="0"/>
@@ -615,6 +618,7 @@
           <a:p>
             <a:fld id="{85BFD0CF-73B1-429D-9FAA-54C4EB877BD1}" type="slidenum">
               <a:rPr lang="en-US" smtClean="0"/>
+              <a:pPr/>
               <a:t>4</a:t>
             </a:fld>
             <a:endParaRPr lang="en-US" dirty="0"/>
@@ -720,6 +724,7 @@
           <a:p>
             <a:fld id="{85BFD0CF-73B1-429D-9FAA-54C4EB877BD1}" type="slidenum">
               <a:rPr lang="en-US" smtClean="0"/>
+              <a:pPr/>
               <a:t>11</a:t>
             </a:fld>
             <a:endParaRPr lang="en-US"/>
@@ -915,6 +920,7 @@
           <a:p>
             <a:fld id="{923D7EEA-F044-4B7D-B813-7A1968F94DD8}" type="datetimeFigureOut">
               <a:rPr lang="en-US" smtClean="0"/>
+              <a:pPr/>
               <a:t>5/6/2010</a:t>
             </a:fld>
             <a:endParaRPr lang="en-US"/>
@@ -957,6 +963,7 @@
           <a:p>
             <a:fld id="{CC4A69C8-81CC-406F-915C-D3045852239F}" type="slidenum">
               <a:rPr lang="en-US" smtClean="0"/>
+              <a:pPr/>
               <a:t>‹#›</a:t>
             </a:fld>
             <a:endParaRPr lang="en-US"/>
@@ -1080,6 +1087,7 @@
           <a:p>
             <a:fld id="{923D7EEA-F044-4B7D-B813-7A1968F94DD8}" type="datetimeFigureOut">
               <a:rPr lang="en-US" smtClean="0"/>
+              <a:pPr/>
               <a:t>5/6/2010</a:t>
             </a:fld>
             <a:endParaRPr lang="en-US"/>
@@ -1122,6 +1130,7 @@
           <a:p>
             <a:fld id="{CC4A69C8-81CC-406F-915C-D3045852239F}" type="slidenum">
               <a:rPr lang="en-US" smtClean="0"/>
+              <a:pPr/>
               <a:t>‹#›</a:t>
             </a:fld>
             <a:endParaRPr lang="en-US"/>
@@ -1255,6 +1264,7 @@
           <a:p>
             <a:fld id="{923D7EEA-F044-4B7D-B813-7A1968F94DD8}" type="datetimeFigureOut">
               <a:rPr lang="en-US" smtClean="0"/>
+              <a:pPr/>
               <a:t>5/6/2010</a:t>
             </a:fld>
             <a:endParaRPr lang="en-US"/>
@@ -1297,6 +1307,7 @@
           <a:p>
             <a:fld id="{CC4A69C8-81CC-406F-915C-D3045852239F}" type="slidenum">
               <a:rPr lang="en-US" smtClean="0"/>
+              <a:pPr/>
               <a:t>‹#›</a:t>
             </a:fld>
             <a:endParaRPr lang="en-US"/>
@@ -1420,6 +1431,7 @@
           <a:p>
             <a:fld id="{923D7EEA-F044-4B7D-B813-7A1968F94DD8}" type="datetimeFigureOut">
               <a:rPr lang="en-US" smtClean="0"/>
+              <a:pPr/>
               <a:t>5/6/2010</a:t>
             </a:fld>
             <a:endParaRPr lang="en-US"/>
@@ -1462,6 +1474,7 @@
           <a:p>
             <a:fld id="{CC4A69C8-81CC-406F-915C-D3045852239F}" type="slidenum">
               <a:rPr lang="en-US" smtClean="0"/>
+              <a:pPr/>
               <a:t>‹#›</a:t>
             </a:fld>
             <a:endParaRPr lang="en-US"/>
@@ -1661,6 +1674,7 @@
           <a:p>
             <a:fld id="{923D7EEA-F044-4B7D-B813-7A1968F94DD8}" type="datetimeFigureOut">
               <a:rPr lang="en-US" smtClean="0"/>
+              <a:pPr/>
               <a:t>5/6/2010</a:t>
             </a:fld>
             <a:endParaRPr lang="en-US"/>
@@ -1703,6 +1717,7 @@
           <a:p>
             <a:fld id="{CC4A69C8-81CC-406F-915C-D3045852239F}" type="slidenum">
               <a:rPr lang="en-US" smtClean="0"/>
+              <a:pPr/>
               <a:t>‹#›</a:t>
             </a:fld>
             <a:endParaRPr lang="en-US"/>
@@ -1944,6 +1959,7 @@
           <a:p>
             <a:fld id="{923D7EEA-F044-4B7D-B813-7A1968F94DD8}" type="datetimeFigureOut">
               <a:rPr lang="en-US" smtClean="0"/>
+              <a:pPr/>
               <a:t>5/6/2010</a:t>
             </a:fld>
             <a:endParaRPr lang="en-US"/>
@@ -1986,6 +2002,7 @@
           <a:p>
             <a:fld id="{CC4A69C8-81CC-406F-915C-D3045852239F}" type="slidenum">
               <a:rPr lang="en-US" smtClean="0"/>
+              <a:pPr/>
               <a:t>‹#›</a:t>
             </a:fld>
             <a:endParaRPr lang="en-US"/>
@@ -2361,6 +2378,7 @@
           <a:p>
             <a:fld id="{923D7EEA-F044-4B7D-B813-7A1968F94DD8}" type="datetimeFigureOut">
               <a:rPr lang="en-US" smtClean="0"/>
+              <a:pPr/>
               <a:t>5/6/2010</a:t>
             </a:fld>
             <a:endParaRPr lang="en-US"/>
@@ -2403,6 +2421,7 @@
           <a:p>
             <a:fld id="{CC4A69C8-81CC-406F-915C-D3045852239F}" type="slidenum">
               <a:rPr lang="en-US" smtClean="0"/>
+              <a:pPr/>
               <a:t>‹#›</a:t>
             </a:fld>
             <a:endParaRPr lang="en-US"/>
@@ -2474,6 +2493,7 @@
           <a:p>
             <a:fld id="{923D7EEA-F044-4B7D-B813-7A1968F94DD8}" type="datetimeFigureOut">
               <a:rPr lang="en-US" smtClean="0"/>
+              <a:pPr/>
               <a:t>5/6/2010</a:t>
             </a:fld>
             <a:endParaRPr lang="en-US"/>
@@ -2516,6 +2536,7 @@
           <a:p>
             <a:fld id="{CC4A69C8-81CC-406F-915C-D3045852239F}" type="slidenum">
               <a:rPr lang="en-US" smtClean="0"/>
+              <a:pPr/>
               <a:t>‹#›</a:t>
             </a:fld>
             <a:endParaRPr lang="en-US"/>
@@ -2564,6 +2585,7 @@
           <a:p>
             <a:fld id="{923D7EEA-F044-4B7D-B813-7A1968F94DD8}" type="datetimeFigureOut">
               <a:rPr lang="en-US" smtClean="0"/>
+              <a:pPr/>
               <a:t>5/6/2010</a:t>
             </a:fld>
             <a:endParaRPr lang="en-US"/>
@@ -2606,6 +2628,7 @@
           <a:p>
             <a:fld id="{CC4A69C8-81CC-406F-915C-D3045852239F}" type="slidenum">
               <a:rPr lang="en-US" smtClean="0"/>
+              <a:pPr/>
               <a:t>‹#›</a:t>
             </a:fld>
             <a:endParaRPr lang="en-US"/>
@@ -2836,6 +2859,7 @@
           <a:p>
             <a:fld id="{923D7EEA-F044-4B7D-B813-7A1968F94DD8}" type="datetimeFigureOut">
               <a:rPr lang="en-US" smtClean="0"/>
+              <a:pPr/>
               <a:t>5/6/2010</a:t>
             </a:fld>
             <a:endParaRPr lang="en-US"/>
@@ -2878,6 +2902,7 @@
           <a:p>
             <a:fld id="{CC4A69C8-81CC-406F-915C-D3045852239F}" type="slidenum">
               <a:rPr lang="en-US" smtClean="0"/>
+              <a:pPr/>
               <a:t>‹#›</a:t>
             </a:fld>
             <a:endParaRPr lang="en-US"/>
@@ -3084,6 +3109,7 @@
           <a:p>
             <a:fld id="{923D7EEA-F044-4B7D-B813-7A1968F94DD8}" type="datetimeFigureOut">
               <a:rPr lang="en-US" smtClean="0"/>
+              <a:pPr/>
               <a:t>5/6/2010</a:t>
             </a:fld>
             <a:endParaRPr lang="en-US"/>
@@ -3126,6 +3152,7 @@
           <a:p>
             <a:fld id="{CC4A69C8-81CC-406F-915C-D3045852239F}" type="slidenum">
               <a:rPr lang="en-US" smtClean="0"/>
+              <a:pPr/>
               <a:t>‹#›</a:t>
             </a:fld>
             <a:endParaRPr lang="en-US"/>
@@ -3292,6 +3319,7 @@
           <a:p>
             <a:fld id="{923D7EEA-F044-4B7D-B813-7A1968F94DD8}" type="datetimeFigureOut">
               <a:rPr lang="en-US" smtClean="0"/>
+              <a:pPr/>
               <a:t>5/6/2010</a:t>
             </a:fld>
             <a:endParaRPr lang="en-US"/>
@@ -3370,6 +3398,7 @@
           <a:p>
             <a:fld id="{CC4A69C8-81CC-406F-915C-D3045852239F}" type="slidenum">
               <a:rPr lang="en-US" smtClean="0"/>
+              <a:pPr/>
               <a:t>‹#›</a:t>
             </a:fld>
             <a:endParaRPr lang="en-US"/>
@@ -3679,7 +3708,11 @@
           <a:p>
             <a:r>
               <a:rPr lang="en-US" dirty="0" smtClean="0"/>
-              <a:t>All you need is Imp</a:t>
+              <a:t>All you need is </a:t>
+            </a:r>
+            <a:r>
+              <a:rPr lang="en-US" dirty="0" smtClean="0"/>
+              <a:t>IMP</a:t>
             </a:r>
             <a:endParaRPr lang="en-US" dirty="0"/>
           </a:p>
@@ -3777,7 +3810,11 @@
           <a:p>
             <a:r>
               <a:rPr lang="en-US" dirty="0" smtClean="0"/>
-              <a:t>Imp comes preloaded with a number of algorithms that John can graphically compare using real-time data for whichever stock he’d like.</a:t>
+              <a:t>IMP </a:t>
+            </a:r>
+            <a:r>
+              <a:rPr lang="en-US" dirty="0" smtClean="0"/>
+              <a:t>comes preloaded with a number of algorithms that John can graphically compare using real-time data for whichever stock he’d like.</a:t>
             </a:r>
             <a:endParaRPr lang="en-US" dirty="0"/>
           </a:p>
@@ -3910,7 +3947,11 @@
           <a:p>
             <a:r>
               <a:rPr lang="en-US" dirty="0" smtClean="0"/>
-              <a:t>Meet Johnny</a:t>
+              <a:t>Meet </a:t>
+            </a:r>
+            <a:r>
+              <a:rPr lang="en-US" dirty="0" smtClean="0"/>
+              <a:t>John*</a:t>
             </a:r>
             <a:endParaRPr lang="en-US" dirty="0"/>
           </a:p>
@@ -3929,32 +3970,82 @@
         <p:spPr/>
         <p:txBody>
           <a:bodyPr>
-            <a:normAutofit fontScale="92500" lnSpcReduction="10000"/>
+            <a:normAutofit fontScale="92500"/>
           </a:bodyPr>
           <a:lstStyle/>
           <a:p>
             <a:r>
               <a:rPr lang="en-US" dirty="0" smtClean="0"/>
-              <a:t>Johnny is a hard-working guy with a handle on his finances.</a:t>
-            </a:r>
-          </a:p>
-          <a:p>
-            <a:r>
-              <a:rPr lang="en-US" dirty="0" smtClean="0"/>
-              <a:t>Johnny just got his yearly bonus, and wants to see if he can make some money playing the market.</a:t>
-            </a:r>
-          </a:p>
-          <a:p>
-            <a:r>
-              <a:rPr lang="en-US" dirty="0" smtClean="0"/>
-              <a:t>Johnny has a decent understanding of investments and the stock market, but not quite enough experience to make truly educated stock picks.</a:t>
-            </a:r>
-          </a:p>
-          <a:p>
-            <a:r>
-              <a:rPr lang="en-US" dirty="0" smtClean="0"/>
-              <a:t>What are Johnny’s options?</a:t>
-            </a:r>
+              <a:t>John </a:t>
+            </a:r>
+            <a:r>
+              <a:rPr lang="en-US" dirty="0" smtClean="0"/>
+              <a:t>is a hard-working guy with a handle on his finances.</a:t>
+            </a:r>
+          </a:p>
+          <a:p>
+            <a:r>
+              <a:rPr lang="en-US" dirty="0" smtClean="0"/>
+              <a:t>John </a:t>
+            </a:r>
+            <a:r>
+              <a:rPr lang="en-US" dirty="0" smtClean="0"/>
+              <a:t>just got his yearly bonus, and wants to see if he can make some money playing the market.</a:t>
+            </a:r>
+          </a:p>
+          <a:p>
+            <a:r>
+              <a:rPr lang="en-US" dirty="0" smtClean="0"/>
+              <a:t>John </a:t>
+            </a:r>
+            <a:r>
+              <a:rPr lang="en-US" dirty="0" smtClean="0"/>
+              <a:t>has a decent understanding of investments and the stock market, but not quite enough experience to make truly educated stock picks.</a:t>
+            </a:r>
+          </a:p>
+          <a:p>
+            <a:r>
+              <a:rPr lang="en-US" dirty="0" smtClean="0"/>
+              <a:t>What are </a:t>
+            </a:r>
+            <a:r>
+              <a:rPr lang="en-US" dirty="0" smtClean="0"/>
+              <a:t>John’s </a:t>
+            </a:r>
+            <a:r>
+              <a:rPr lang="en-US" dirty="0" smtClean="0"/>
+              <a:t>options?</a:t>
+            </a:r>
+          </a:p>
+        </p:txBody>
+      </p:sp>
+      <p:sp>
+        <p:nvSpPr>
+          <p:cNvPr id="4" name="TextBox 3"/>
+          <p:cNvSpPr txBox="1"/>
+          <p:nvPr/>
+        </p:nvSpPr>
+        <p:spPr>
+          <a:xfrm>
+            <a:off x="6172200" y="6248400"/>
+            <a:ext cx="2743200" cy="307777"/>
+          </a:xfrm>
+          <a:prstGeom prst="rect">
+            <a:avLst/>
+          </a:prstGeom>
+          <a:noFill/>
+        </p:spPr>
+        <p:txBody>
+          <a:bodyPr wrap="square" rtlCol="0">
+            <a:spAutoFit/>
+          </a:bodyPr>
+          <a:lstStyle/>
+          <a:p>
+            <a:r>
+              <a:rPr lang="en-US" sz="1400" dirty="0" smtClean="0"/>
+              <a:t>*He knows what you did last IMP</a:t>
+            </a:r>
+            <a:endParaRPr lang="en-US" sz="1400" dirty="0"/>
           </a:p>
         </p:txBody>
       </p:sp>
@@ -4046,13 +4137,29 @@
           <a:p>
             <a:r>
               <a:rPr lang="en-US" dirty="0" smtClean="0"/>
-              <a:t>Safe: mutual or index funds are among the safest investments that Johnny could make</a:t>
-            </a:r>
-          </a:p>
-          <a:p>
-            <a:r>
-              <a:rPr lang="en-US" dirty="0" smtClean="0"/>
-              <a:t>Hands-off: Johnny doesn’t touch the money once the fund has it.</a:t>
+              <a:t>Safe: mutual or index funds are among the safest investments that </a:t>
+            </a:r>
+            <a:r>
+              <a:rPr lang="en-US" dirty="0" smtClean="0"/>
+              <a:t>John </a:t>
+            </a:r>
+            <a:r>
+              <a:rPr lang="en-US" dirty="0" smtClean="0"/>
+              <a:t>could make</a:t>
+            </a:r>
+          </a:p>
+          <a:p>
+            <a:r>
+              <a:rPr lang="en-US" dirty="0" smtClean="0"/>
+              <a:t>Hands-off: </a:t>
+            </a:r>
+            <a:r>
+              <a:rPr lang="en-US" dirty="0" smtClean="0"/>
+              <a:t>John </a:t>
+            </a:r>
+            <a:r>
+              <a:rPr lang="en-US" dirty="0" smtClean="0"/>
+              <a:t>doesn’t touch the money once the fund has it.</a:t>
             </a:r>
           </a:p>
           <a:p>
@@ -4098,7 +4205,9 @@
         </p:nvSpPr>
         <p:spPr/>
         <p:txBody>
-          <a:bodyPr/>
+          <a:bodyPr>
+            <a:normAutofit fontScale="92500"/>
+          </a:bodyPr>
           <a:lstStyle/>
           <a:p>
             <a:r>
@@ -4109,13 +4218,39 @@
           <a:p>
             <a:r>
               <a:rPr lang="en-US" dirty="0" smtClean="0"/>
-              <a:t>Fund managers take a cut, and this comes out of Johnny’s profit (or pocket if the fund doesn’t make enough money)</a:t>
-            </a:r>
-          </a:p>
-          <a:p>
-            <a:r>
-              <a:rPr lang="en-US" dirty="0" smtClean="0"/>
-              <a:t>Penalties for liquidating</a:t>
+              <a:t>Fund managers take a cut, and this comes out of </a:t>
+            </a:r>
+            <a:r>
+              <a:rPr lang="en-US" dirty="0" smtClean="0"/>
+              <a:t>John’s </a:t>
+            </a:r>
+            <a:r>
+              <a:rPr lang="en-US" dirty="0" smtClean="0"/>
+              <a:t>profit (or pocket if the fund doesn’t make enough money)</a:t>
+            </a:r>
+          </a:p>
+          <a:p>
+            <a:r>
+              <a:rPr lang="en-US" dirty="0" smtClean="0"/>
+              <a:t>Penalties for </a:t>
+            </a:r>
+            <a:r>
+              <a:rPr lang="en-US" dirty="0" smtClean="0"/>
+              <a:t>liquidating</a:t>
+            </a:r>
+          </a:p>
+          <a:p>
+            <a:r>
+              <a:rPr lang="en-US" dirty="0" smtClean="0"/>
+              <a:t>Nearly </a:t>
+            </a:r>
+            <a:r>
+              <a:rPr lang="en-US" dirty="0" err="1" smtClean="0"/>
+              <a:t>IMPossible</a:t>
+            </a:r>
+            <a:r>
+              <a:rPr lang="en-US" dirty="0" smtClean="0"/>
+              <a:t> to control where his money is invested</a:t>
             </a:r>
             <a:endParaRPr lang="en-US" dirty="0"/>
           </a:p>
@@ -4207,20 +4342,49 @@
         <p:spPr/>
         <p:txBody>
           <a:bodyPr>
-            <a:normAutofit lnSpcReduction="10000"/>
+            <a:normAutofit/>
           </a:bodyPr>
           <a:lstStyle/>
           <a:p>
             <a:r>
               <a:rPr lang="en-US" dirty="0" smtClean="0"/>
-              <a:t>Relatively safe, and Johnny’s portfolio be able to beat the returns of slow-but-safe large funds.</a:t>
-            </a:r>
-          </a:p>
-          <a:p>
-            <a:r>
-              <a:rPr lang="en-US" dirty="0" smtClean="0"/>
-              <a:t>Easy: Johnny pays his broker to worry about his investments, although Johnny can be more hands on with a broker than he could investing in a mutual fund</a:t>
-            </a:r>
+              <a:t>Relatively safe, and </a:t>
+            </a:r>
+            <a:r>
+              <a:rPr lang="en-US" dirty="0" smtClean="0"/>
+              <a:t>John’s </a:t>
+            </a:r>
+            <a:r>
+              <a:rPr lang="en-US" dirty="0" smtClean="0"/>
+              <a:t>portfolio be able to beat the returns of slow-but-safe large funds.</a:t>
+            </a:r>
+          </a:p>
+          <a:p>
+            <a:r>
+              <a:rPr lang="en-US" dirty="0" smtClean="0"/>
+              <a:t>Easy: </a:t>
+            </a:r>
+            <a:r>
+              <a:rPr lang="en-US" dirty="0" smtClean="0"/>
+              <a:t>John </a:t>
+            </a:r>
+            <a:r>
+              <a:rPr lang="en-US" dirty="0" smtClean="0"/>
+              <a:t>pays his broker to worry about his investments, although </a:t>
+            </a:r>
+            <a:r>
+              <a:rPr lang="en-US" dirty="0" smtClean="0"/>
+              <a:t>John has </a:t>
+            </a:r>
+            <a:r>
+              <a:rPr lang="en-US" dirty="0" err="1" smtClean="0"/>
+              <a:t>IMProved</a:t>
+            </a:r>
+            <a:r>
+              <a:rPr lang="en-US" dirty="0" smtClean="0"/>
+              <a:t> control over his portfolio, more so than with a fund.</a:t>
+            </a:r>
+            <a:endParaRPr lang="en-US" dirty="0" smtClean="0"/>
           </a:p>
         </p:txBody>
       </p:sp>
@@ -4264,15 +4428,26 @@
           <a:p>
             <a:r>
               <a:rPr lang="en-US" dirty="0" smtClean="0"/>
-              <a:t>Johnny has little direct control of his portfolio.</a:t>
-            </a:r>
-          </a:p>
-          <a:p>
-            <a:r>
-              <a:rPr lang="en-US" dirty="0" smtClean="0"/>
-              <a:t>Professional brokers make their money from somewhere: Johnny’s profit and pocket.</a:t>
-            </a:r>
-            <a:endParaRPr lang="en-US" dirty="0" smtClean="0"/>
+              <a:t>John doesn’t have much </a:t>
+            </a:r>
+            <a:r>
+              <a:rPr lang="en-US" dirty="0" smtClean="0"/>
+              <a:t>direct control of his portfolio.</a:t>
+            </a:r>
+          </a:p>
+          <a:p>
+            <a:r>
+              <a:rPr lang="en-US" dirty="0" smtClean="0"/>
+              <a:t>Professional brokers make their money from somewhere: </a:t>
+            </a:r>
+            <a:r>
+              <a:rPr lang="en-US" dirty="0" smtClean="0"/>
+              <a:t>John’s </a:t>
+            </a:r>
+            <a:r>
+              <a:rPr lang="en-US" dirty="0" smtClean="0"/>
+              <a:t>profit and pocket.</a:t>
+            </a:r>
           </a:p>
           <a:p>
             <a:endParaRPr lang="en-US" dirty="0"/>
@@ -4373,7 +4548,15 @@
           <a:p>
             <a:r>
               <a:rPr lang="en-US" dirty="0" smtClean="0"/>
-              <a:t>Control: Nobody is telling Johnny where he should invest his money</a:t>
+              <a:t>Control: Nobody is telling </a:t>
+            </a:r>
+            <a:r>
+              <a:rPr lang="en-US" dirty="0" smtClean="0"/>
+              <a:t>John </a:t>
+            </a:r>
+            <a:r>
+              <a:rPr lang="en-US" dirty="0" smtClean="0"/>
+              <a:t>where he should invest his money</a:t>
             </a:r>
             <a:endParaRPr lang="en-US" dirty="0"/>
           </a:p>
@@ -4414,19 +4597,64 @@
         </p:nvSpPr>
         <p:spPr/>
         <p:txBody>
-          <a:bodyPr/>
-          <a:lstStyle/>
-          <a:p>
-            <a:r>
-              <a:rPr lang="en-US" dirty="0" smtClean="0"/>
-              <a:t>No one is telling Johnny where he should invest his Money!</a:t>
-            </a:r>
-          </a:p>
-          <a:p>
-            <a:r>
-              <a:rPr lang="en-US" dirty="0" smtClean="0"/>
-              <a:t>If Johnny is only as good at picking stocks as the average investor, he will only make money if the market improves, he won’t be beating other investors.</a:t>
-            </a:r>
+          <a:bodyPr>
+            <a:normAutofit fontScale="92500" lnSpcReduction="10000"/>
+          </a:bodyPr>
+          <a:lstStyle/>
+          <a:p>
+            <a:r>
+              <a:rPr lang="en-US" dirty="0" smtClean="0"/>
+              <a:t>No one is telling </a:t>
+            </a:r>
+            <a:r>
+              <a:rPr lang="en-US" dirty="0" smtClean="0"/>
+              <a:t>John </a:t>
+            </a:r>
+            <a:r>
+              <a:rPr lang="en-US" dirty="0" smtClean="0"/>
+              <a:t>where he should invest his </a:t>
+            </a:r>
+            <a:r>
+              <a:rPr lang="en-US" dirty="0" smtClean="0"/>
+              <a:t>money</a:t>
+            </a:r>
+            <a:r>
+              <a:rPr lang="en-US" dirty="0" smtClean="0"/>
+              <a:t>!</a:t>
+            </a:r>
+          </a:p>
+          <a:p>
+            <a:r>
+              <a:rPr lang="en-US" dirty="0" smtClean="0"/>
+              <a:t>If </a:t>
+            </a:r>
+            <a:r>
+              <a:rPr lang="en-US" dirty="0" smtClean="0"/>
+              <a:t>John </a:t>
+            </a:r>
+            <a:r>
+              <a:rPr lang="en-US" dirty="0" smtClean="0"/>
+              <a:t>is only as good at picking stocks as the average investor, he will only make money if the market improves, he won’t be beating other investors</a:t>
+            </a:r>
+            <a:r>
+              <a:rPr lang="en-US" dirty="0" smtClean="0"/>
+              <a:t>.</a:t>
+            </a:r>
+          </a:p>
+          <a:p>
+            <a:r>
+              <a:rPr lang="en-US" dirty="0" smtClean="0"/>
+              <a:t>Relatively small errors in prediction can have a large negative </a:t>
+            </a:r>
+            <a:r>
+              <a:rPr lang="en-US" dirty="0" err="1" smtClean="0"/>
+              <a:t>IMPact</a:t>
+            </a:r>
+            <a:r>
+              <a:rPr lang="en-US" dirty="0" smtClean="0"/>
+              <a:t> on his finances</a:t>
+            </a:r>
+            <a:endParaRPr lang="en-US" dirty="0" smtClean="0"/>
           </a:p>
           <a:p>
             <a:endParaRPr lang="en-US" dirty="0"/>
@@ -4475,7 +4703,11 @@
           <a:p>
             <a:r>
               <a:rPr lang="en-US" dirty="0" smtClean="0"/>
-              <a:t>Johnny has problems</a:t>
+              <a:t>John </a:t>
+            </a:r>
+            <a:r>
+              <a:rPr lang="en-US" dirty="0" smtClean="0"/>
+              <a:t>has problems</a:t>
             </a:r>
             <a:endParaRPr lang="en-US" dirty="0"/>
           </a:p>
@@ -4498,15 +4730,126 @@
           <a:p>
             <a:r>
               <a:rPr lang="en-US" dirty="0" smtClean="0"/>
-              <a:t>Johnny’s options are either to pay a fund manager or broker to take control of his money away, or to make arbitrary stock picks, and sink any money he makes into trade fees for an online brokerage</a:t>
-            </a:r>
-          </a:p>
-          <a:p>
-            <a:r>
-              <a:rPr lang="en-US" dirty="0" smtClean="0"/>
-              <a:t>What can Johnny do?</a:t>
+              <a:t>John’s </a:t>
+            </a:r>
+            <a:r>
+              <a:rPr lang="en-US" dirty="0" smtClean="0"/>
+              <a:t>options </a:t>
+            </a:r>
+            <a:endParaRPr lang="en-US" dirty="0" smtClean="0"/>
+          </a:p>
+          <a:p>
+            <a:pPr lvl="1"/>
+            <a:r>
+              <a:rPr lang="en-US" dirty="0" smtClean="0"/>
+              <a:t>Pay </a:t>
+            </a:r>
+            <a:r>
+              <a:rPr lang="en-US" dirty="0" smtClean="0"/>
+              <a:t>a fund manager or broker to take control of his money </a:t>
+            </a:r>
+            <a:r>
+              <a:rPr lang="en-US" dirty="0" smtClean="0"/>
+              <a:t>away</a:t>
+            </a:r>
+          </a:p>
+          <a:p>
+            <a:pPr lvl="1"/>
+            <a:r>
+              <a:rPr lang="en-US" dirty="0" smtClean="0"/>
+              <a:t>Make mostly arbitrary stock </a:t>
+            </a:r>
+            <a:r>
+              <a:rPr lang="en-US" dirty="0" smtClean="0"/>
+              <a:t>picks, and sink any money he </a:t>
+            </a:r>
+            <a:r>
+              <a:rPr lang="en-US" dirty="0" smtClean="0"/>
+              <a:t>might make into </a:t>
+            </a:r>
+            <a:r>
+              <a:rPr lang="en-US" dirty="0" smtClean="0"/>
+              <a:t>trade fees </a:t>
+            </a:r>
+            <a:r>
+              <a:rPr lang="en-US" dirty="0" smtClean="0"/>
+              <a:t>with an </a:t>
+            </a:r>
+            <a:r>
+              <a:rPr lang="en-US" dirty="0" smtClean="0"/>
+              <a:t>online </a:t>
+            </a:r>
+            <a:r>
+              <a:rPr lang="en-US" dirty="0" smtClean="0"/>
+              <a:t>brokerage</a:t>
+            </a:r>
+          </a:p>
+          <a:p>
+            <a:r>
+              <a:rPr lang="en-US" dirty="0" smtClean="0"/>
+              <a:t>These options aren’t that good</a:t>
+            </a:r>
+          </a:p>
+          <a:p>
+            <a:r>
+              <a:rPr lang="en-US" dirty="0" smtClean="0"/>
+              <a:t>What </a:t>
+            </a:r>
+            <a:r>
+              <a:rPr lang="en-US" dirty="0" smtClean="0"/>
+              <a:t>can </a:t>
+            </a:r>
+            <a:r>
+              <a:rPr lang="en-US" dirty="0" smtClean="0"/>
+              <a:t>John </a:t>
+            </a:r>
+            <a:r>
+              <a:rPr lang="en-US" dirty="0" smtClean="0"/>
+              <a:t>do?</a:t>
             </a:r>
             <a:endParaRPr lang="en-US" dirty="0"/>
+          </a:p>
+        </p:txBody>
+      </p:sp>
+      <p:sp>
+        <p:nvSpPr>
+          <p:cNvPr id="4" name="TextBox 3"/>
+          <p:cNvSpPr txBox="1"/>
+          <p:nvPr/>
+        </p:nvSpPr>
+        <p:spPr>
+          <a:xfrm>
+            <a:off x="1600200" y="5562600"/>
+            <a:ext cx="2286000" cy="338554"/>
+          </a:xfrm>
+          <a:prstGeom prst="rect">
+            <a:avLst/>
+          </a:prstGeom>
+          <a:noFill/>
+        </p:spPr>
+        <p:txBody>
+          <a:bodyPr wrap="square" rtlCol="0">
+            <a:spAutoFit/>
+          </a:bodyPr>
+          <a:lstStyle/>
+          <a:p>
+            <a:r>
+              <a:rPr lang="en-US" sz="1600" dirty="0" smtClean="0">
+                <a:solidFill>
+                  <a:schemeClr val="bg1">
+                    <a:lumMod val="65000"/>
+                  </a:schemeClr>
+                </a:solidFill>
+              </a:rPr>
+              <a:t>Did somebody say IMP?</a:t>
+            </a:r>
+            <a:endParaRPr lang="en-US" sz="1600" dirty="0">
+              <a:solidFill>
+                <a:schemeClr val="bg1">
+                  <a:lumMod val="65000"/>
+                </a:schemeClr>
+              </a:solidFill>
+            </a:endParaRPr>
           </a:p>
         </p:txBody>
       </p:sp>
@@ -4552,7 +4895,15 @@
           <a:p>
             <a:r>
               <a:rPr lang="en-US" dirty="0" smtClean="0"/>
-              <a:t>IMP: Imp for Market Prediction</a:t>
+              <a:t>IMP: </a:t>
+            </a:r>
+            <a:r>
+              <a:rPr lang="en-US" dirty="0" smtClean="0"/>
+              <a:t>IMP </a:t>
+            </a:r>
+            <a:r>
+              <a:rPr lang="en-US" dirty="0" smtClean="0"/>
+              <a:t>for Market Prediction</a:t>
             </a:r>
             <a:endParaRPr lang="en-US" dirty="0"/>
           </a:p>
@@ -4575,7 +4926,11 @@
           <a:p>
             <a:r>
               <a:rPr lang="en-US" dirty="0" smtClean="0"/>
-              <a:t>Got Imp?</a:t>
+              <a:t>Got </a:t>
+            </a:r>
+            <a:r>
+              <a:rPr lang="en-US" dirty="0" smtClean="0"/>
+              <a:t>IMP?</a:t>
             </a:r>
             <a:endParaRPr lang="en-US" dirty="0"/>
           </a:p>
@@ -4623,7 +4978,7 @@
           <a:p>
             <a:r>
               <a:rPr lang="en-US" dirty="0" smtClean="0"/>
-              <a:t>Let There Be IMP</a:t>
+              <a:t>More IMP please!</a:t>
             </a:r>
             <a:endParaRPr lang="en-US" dirty="0"/>
           </a:p>
@@ -4646,13 +5001,29 @@
           <a:p>
             <a:r>
               <a:rPr lang="en-US" dirty="0" smtClean="0"/>
-              <a:t>IMP enables Johnny to use his knowledge of economics and investments to his advantage, while not relying on fallible hunches</a:t>
-            </a:r>
-          </a:p>
-          <a:p>
-            <a:r>
-              <a:rPr lang="en-US" dirty="0" smtClean="0"/>
-              <a:t>IMP allows the average investor access to deeper analyses of stock data than the stock page in the newspaper. P/E ratios don’t cut it when Johnny can use Markov Chaining and Bayesian Inference</a:t>
+              <a:t>IMP enables </a:t>
+            </a:r>
+            <a:r>
+              <a:rPr lang="en-US" dirty="0" smtClean="0"/>
+              <a:t>John </a:t>
+            </a:r>
+            <a:r>
+              <a:rPr lang="en-US" dirty="0" smtClean="0"/>
+              <a:t>to use his knowledge of economics and investments to his advantage, while not relying on fallible hunches</a:t>
+            </a:r>
+          </a:p>
+          <a:p>
+            <a:r>
+              <a:rPr lang="en-US" dirty="0" smtClean="0"/>
+              <a:t>IMP allows the average investor access to deeper analyses of stock data than the stock page in the newspaper. P/E ratios don’t cut it when </a:t>
+            </a:r>
+            <a:r>
+              <a:rPr lang="en-US" dirty="0" smtClean="0"/>
+              <a:t>John </a:t>
+            </a:r>
+            <a:r>
+              <a:rPr lang="en-US" dirty="0" smtClean="0"/>
+              <a:t>can use Markov Chaining and Bayesian Inference</a:t>
             </a:r>
             <a:endParaRPr lang="en-US" dirty="0"/>
           </a:p>
@@ -4729,13 +5100,21 @@
           <a:p>
             <a:r>
               <a:rPr lang="en-US" dirty="0" smtClean="0"/>
-              <a:t>Johnny can write his own methods for combining commonly known algorithms for market prediction, giving John unique predictions for the market</a:t>
-            </a:r>
-          </a:p>
-          <a:p>
-            <a:r>
-              <a:rPr lang="en-US" dirty="0" smtClean="0"/>
-              <a:t>Johnny can even write his own algorithms if he feels ambitious or inspired enough, and IMP will integrate and test the performance of his algorithm.</a:t>
+              <a:t>John </a:t>
+            </a:r>
+            <a:r>
+              <a:rPr lang="en-US" dirty="0" smtClean="0"/>
+              <a:t>can write his own methods for combining commonly known algorithms for market prediction, giving John unique predictions for the market</a:t>
+            </a:r>
+          </a:p>
+          <a:p>
+            <a:r>
+              <a:rPr lang="en-US" dirty="0" smtClean="0"/>
+              <a:t>John </a:t>
+            </a:r>
+            <a:r>
+              <a:rPr lang="en-US" dirty="0" smtClean="0"/>
+              <a:t>can even write his own algorithms if he feels ambitious or inspired enough, and IMP will integrate and test the performance of his algorithm.</a:t>
             </a:r>
           </a:p>
         </p:txBody>

--- a/final presentation/justification and vision.pptx
+++ b/final presentation/justification and vision.pptx
@@ -4256,6 +4256,78 @@
           </a:p>
         </p:txBody>
       </p:sp>
+      <p:sp>
+        <p:nvSpPr>
+          <p:cNvPr id="7" name="TextBox 6"/>
+          <p:cNvSpPr txBox="1"/>
+          <p:nvPr/>
+        </p:nvSpPr>
+        <p:spPr>
+          <a:xfrm>
+            <a:off x="152400" y="5791200"/>
+            <a:ext cx="3886200" cy="338554"/>
+          </a:xfrm>
+          <a:prstGeom prst="rect">
+            <a:avLst/>
+          </a:prstGeom>
+          <a:noFill/>
+        </p:spPr>
+        <p:txBody>
+          <a:bodyPr wrap="square" rtlCol="0">
+            <a:spAutoFit/>
+          </a:bodyPr>
+          <a:lstStyle/>
+          <a:p>
+            <a:r>
+              <a:rPr lang="en-US" sz="1600" dirty="0" err="1" smtClean="0">
+                <a:solidFill>
+                  <a:schemeClr val="bg1">
+                    <a:lumMod val="65000"/>
+                  </a:schemeClr>
+                </a:solidFill>
+              </a:rPr>
+              <a:t>Crispety</a:t>
+            </a:r>
+            <a:r>
+              <a:rPr lang="en-US" sz="1600" dirty="0" smtClean="0">
+                <a:solidFill>
+                  <a:schemeClr val="bg1">
+                    <a:lumMod val="65000"/>
+                  </a:schemeClr>
+                </a:solidFill>
+              </a:rPr>
+              <a:t> </a:t>
+            </a:r>
+            <a:r>
+              <a:rPr lang="en-US" sz="1600" dirty="0" err="1" smtClean="0">
+                <a:solidFill>
+                  <a:schemeClr val="bg1">
+                    <a:lumMod val="65000"/>
+                  </a:schemeClr>
+                </a:solidFill>
+              </a:rPr>
+              <a:t>Crunchety</a:t>
+            </a:r>
+            <a:r>
+              <a:rPr lang="en-US" sz="1600" dirty="0" smtClean="0">
+                <a:solidFill>
+                  <a:schemeClr val="bg1">
+                    <a:lumMod val="65000"/>
+                  </a:schemeClr>
+                </a:solidFill>
+              </a:rPr>
+              <a:t> Peanut-Buttery IMP</a:t>
+            </a:r>
+            <a:endParaRPr lang="en-US" sz="1600" dirty="0">
+              <a:solidFill>
+                <a:schemeClr val="bg1">
+                  <a:lumMod val="65000"/>
+                </a:schemeClr>
+              </a:solidFill>
+            </a:endParaRPr>
+          </a:p>
+        </p:txBody>
+      </p:sp>
     </p:spTree>
   </p:cSld>
   <p:clrMapOvr>
@@ -4454,6 +4526,78 @@
           </a:p>
         </p:txBody>
       </p:sp>
+      <p:sp>
+        <p:nvSpPr>
+          <p:cNvPr id="7" name="TextBox 6"/>
+          <p:cNvSpPr txBox="1"/>
+          <p:nvPr/>
+        </p:nvSpPr>
+        <p:spPr>
+          <a:xfrm>
+            <a:off x="4419600" y="6096000"/>
+            <a:ext cx="3352800" cy="338554"/>
+          </a:xfrm>
+          <a:prstGeom prst="rect">
+            <a:avLst/>
+          </a:prstGeom>
+          <a:noFill/>
+        </p:spPr>
+        <p:txBody>
+          <a:bodyPr wrap="square" rtlCol="0">
+            <a:spAutoFit/>
+          </a:bodyPr>
+          <a:lstStyle/>
+          <a:p>
+            <a:r>
+              <a:rPr lang="en-US" sz="1600" dirty="0" err="1" smtClean="0">
+                <a:solidFill>
+                  <a:schemeClr val="bg1">
+                    <a:lumMod val="65000"/>
+                  </a:schemeClr>
+                </a:solidFill>
+              </a:rPr>
+              <a:t>Yo</a:t>
+            </a:r>
+            <a:r>
+              <a:rPr lang="en-US" sz="1600" dirty="0" smtClean="0">
+                <a:solidFill>
+                  <a:schemeClr val="bg1">
+                    <a:lumMod val="65000"/>
+                  </a:schemeClr>
+                </a:solidFill>
+              </a:rPr>
+              <a:t> </a:t>
+            </a:r>
+            <a:r>
+              <a:rPr lang="en-US" sz="1600" dirty="0" err="1" smtClean="0">
+                <a:solidFill>
+                  <a:schemeClr val="bg1">
+                    <a:lumMod val="65000"/>
+                  </a:schemeClr>
+                </a:solidFill>
+              </a:rPr>
+              <a:t>quiero</a:t>
+            </a:r>
+            <a:r>
+              <a:rPr lang="en-US" sz="1600" dirty="0" smtClean="0">
+                <a:solidFill>
+                  <a:schemeClr val="bg1">
+                    <a:lumMod val="65000"/>
+                  </a:schemeClr>
+                </a:solidFill>
+              </a:rPr>
+              <a:t> IMP</a:t>
+            </a:r>
+            <a:endParaRPr lang="en-US" sz="1600" dirty="0">
+              <a:solidFill>
+                <a:schemeClr val="bg1">
+                  <a:lumMod val="65000"/>
+                </a:schemeClr>
+              </a:solidFill>
+            </a:endParaRPr>
+          </a:p>
+        </p:txBody>
+      </p:sp>
     </p:spTree>
   </p:cSld>
   <p:clrMapOvr>
@@ -4658,6 +4802,41 @@
           </a:p>
           <a:p>
             <a:endParaRPr lang="en-US" dirty="0"/>
+          </a:p>
+        </p:txBody>
+      </p:sp>
+      <p:sp>
+        <p:nvSpPr>
+          <p:cNvPr id="7" name="TextBox 6"/>
+          <p:cNvSpPr txBox="1"/>
+          <p:nvPr/>
+        </p:nvSpPr>
+        <p:spPr>
+          <a:xfrm>
+            <a:off x="1371600" y="5638800"/>
+            <a:ext cx="3276600" cy="338554"/>
+          </a:xfrm>
+          <a:prstGeom prst="rect">
+            <a:avLst/>
+          </a:prstGeom>
+          <a:noFill/>
+        </p:spPr>
+        <p:txBody>
+          <a:bodyPr wrap="square" rtlCol="0">
+            <a:spAutoFit/>
+          </a:bodyPr>
+          <a:lstStyle/>
+          <a:p>
+            <a:r>
+              <a:rPr lang="en-US" sz="1600" dirty="0" smtClean="0">
+                <a:solidFill>
+                  <a:schemeClr val="bg1">
+                    <a:lumMod val="65000"/>
+                  </a:schemeClr>
+                </a:solidFill>
+              </a:rPr>
+              <a:t>In IMP we trust</a:t>
+            </a:r>
           </a:p>
         </p:txBody>
       </p:sp>

--- a/final presentation/justification and vision.pptx
+++ b/final presentation/justification and vision.pptx
@@ -3762,6 +3762,38 @@
           <a:chExt cx="0" cy="0"/>
         </a:xfrm>
       </p:grpSpPr>
+      <p:pic>
+        <p:nvPicPr>
+          <p:cNvPr id="6148" name="Picture 4"/>
+          <p:cNvPicPr>
+            <a:picLocks noChangeAspect="1" noChangeArrowheads="1"/>
+          </p:cNvPicPr>
+          <p:nvPr/>
+        </p:nvPicPr>
+        <p:blipFill>
+          <a:blip r:embed="rId2" cstate="print"/>
+          <a:srcRect/>
+          <a:stretch>
+            <a:fillRect/>
+          </a:stretch>
+        </p:blipFill>
+        <p:spPr bwMode="auto">
+          <a:xfrm>
+            <a:off x="6705600" y="0"/>
+            <a:ext cx="1828800" cy="1828800"/>
+          </a:xfrm>
+          <a:prstGeom prst="rect">
+            <a:avLst/>
+          </a:prstGeom>
+          <a:noFill/>
+          <a:ln w="9525">
+            <a:noFill/>
+            <a:miter lim="800000"/>
+            <a:headEnd/>
+            <a:tailEnd/>
+          </a:ln>
+        </p:spPr>
+      </p:pic>
       <p:sp>
         <p:nvSpPr>
           <p:cNvPr id="2" name="Title 1"/>
@@ -3967,10 +3999,15 @@
             <p:ph idx="1"/>
           </p:nvPr>
         </p:nvSpPr>
-        <p:spPr/>
+        <p:spPr>
+          <a:xfrm>
+            <a:off x="457200" y="1600200"/>
+            <a:ext cx="4495800" cy="4525963"/>
+          </a:xfrm>
+        </p:spPr>
         <p:txBody>
           <a:bodyPr>
-            <a:normAutofit fontScale="92500"/>
+            <a:normAutofit/>
           </a:bodyPr>
           <a:lstStyle/>
           <a:p>
@@ -3986,22 +4023,9 @@
           <a:p>
             <a:r>
               <a:rPr lang="en-US" dirty="0" smtClean="0"/>
-              <a:t>John </a:t>
-            </a:r>
-            <a:r>
-              <a:rPr lang="en-US" dirty="0" smtClean="0"/>
-              <a:t>just got his yearly bonus, and wants to see if he can make some money playing the market.</a:t>
-            </a:r>
-          </a:p>
-          <a:p>
-            <a:r>
-              <a:rPr lang="en-US" dirty="0" smtClean="0"/>
-              <a:t>John </a:t>
-            </a:r>
-            <a:r>
-              <a:rPr lang="en-US" dirty="0" smtClean="0"/>
-              <a:t>has a decent understanding of investments and the stock market, but not quite enough experience to make truly educated stock picks.</a:t>
-            </a:r>
+              <a:t>John has some extra capital, and wants to invest</a:t>
+            </a:r>
+            <a:endParaRPr lang="en-US" dirty="0" smtClean="0"/>
           </a:p>
           <a:p>
             <a:r>
@@ -4049,6 +4073,38 @@
           </a:p>
         </p:txBody>
       </p:sp>
+      <p:pic>
+        <p:nvPicPr>
+          <p:cNvPr id="1026" name="Picture 2"/>
+          <p:cNvPicPr>
+            <a:picLocks noChangeAspect="1" noChangeArrowheads="1"/>
+          </p:cNvPicPr>
+          <p:nvPr/>
+        </p:nvPicPr>
+        <p:blipFill>
+          <a:blip r:embed="rId3" cstate="print"/>
+          <a:srcRect/>
+          <a:stretch>
+            <a:fillRect/>
+          </a:stretch>
+        </p:blipFill>
+        <p:spPr bwMode="auto">
+          <a:xfrm>
+            <a:off x="4724400" y="1676400"/>
+            <a:ext cx="3505200" cy="3505200"/>
+          </a:xfrm>
+          <a:prstGeom prst="rect">
+            <a:avLst/>
+          </a:prstGeom>
+          <a:noFill/>
+          <a:ln w="9525">
+            <a:noFill/>
+            <a:miter lim="800000"/>
+            <a:headEnd/>
+            <a:tailEnd/>
+          </a:ln>
+        </p:spPr>
+      </p:pic>
     </p:spTree>
   </p:cSld>
   <p:clrMapOvr>
@@ -4328,6 +4384,38 @@
           </a:p>
         </p:txBody>
       </p:sp>
+      <p:pic>
+        <p:nvPicPr>
+          <p:cNvPr id="3074" name="Picture 2"/>
+          <p:cNvPicPr>
+            <a:picLocks noChangeAspect="1" noChangeArrowheads="1"/>
+          </p:cNvPicPr>
+          <p:nvPr/>
+        </p:nvPicPr>
+        <p:blipFill>
+          <a:blip r:embed="rId2" cstate="print"/>
+          <a:srcRect/>
+          <a:stretch>
+            <a:fillRect/>
+          </a:stretch>
+        </p:blipFill>
+        <p:spPr bwMode="auto">
+          <a:xfrm>
+            <a:off x="7162800" y="381000"/>
+            <a:ext cx="1619250" cy="1619250"/>
+          </a:xfrm>
+          <a:prstGeom prst="rect">
+            <a:avLst/>
+          </a:prstGeom>
+          <a:noFill/>
+          <a:ln w="9525">
+            <a:noFill/>
+            <a:miter lim="800000"/>
+            <a:headEnd/>
+            <a:tailEnd/>
+          </a:ln>
+        </p:spPr>
+      </p:pic>
     </p:spTree>
   </p:cSld>
   <p:clrMapOvr>
@@ -4598,6 +4686,38 @@
           </a:p>
         </p:txBody>
       </p:sp>
+      <p:pic>
+        <p:nvPicPr>
+          <p:cNvPr id="2051" name="Picture 3"/>
+          <p:cNvPicPr>
+            <a:picLocks noChangeAspect="1" noChangeArrowheads="1"/>
+          </p:cNvPicPr>
+          <p:nvPr/>
+        </p:nvPicPr>
+        <p:blipFill>
+          <a:blip r:embed="rId3" cstate="print"/>
+          <a:srcRect/>
+          <a:stretch>
+            <a:fillRect/>
+          </a:stretch>
+        </p:blipFill>
+        <p:spPr bwMode="auto">
+          <a:xfrm>
+            <a:off x="6934200" y="4648200"/>
+            <a:ext cx="1752600" cy="1869440"/>
+          </a:xfrm>
+          <a:prstGeom prst="rect">
+            <a:avLst/>
+          </a:prstGeom>
+          <a:noFill/>
+          <a:ln w="9525">
+            <a:noFill/>
+            <a:miter lim="800000"/>
+            <a:headEnd/>
+            <a:tailEnd/>
+          </a:ln>
+        </p:spPr>
+      </p:pic>
     </p:spTree>
   </p:cSld>
   <p:clrMapOvr>
@@ -5032,6 +5152,38 @@
           </a:p>
         </p:txBody>
       </p:sp>
+      <p:pic>
+        <p:nvPicPr>
+          <p:cNvPr id="4098" name="Picture 2"/>
+          <p:cNvPicPr>
+            <a:picLocks noChangeAspect="1" noChangeArrowheads="1"/>
+          </p:cNvPicPr>
+          <p:nvPr/>
+        </p:nvPicPr>
+        <p:blipFill>
+          <a:blip r:embed="rId2" cstate="print"/>
+          <a:srcRect/>
+          <a:stretch>
+            <a:fillRect/>
+          </a:stretch>
+        </p:blipFill>
+        <p:spPr bwMode="auto">
+          <a:xfrm>
+            <a:off x="6858000" y="4495800"/>
+            <a:ext cx="1162050" cy="1971675"/>
+          </a:xfrm>
+          <a:prstGeom prst="rect">
+            <a:avLst/>
+          </a:prstGeom>
+          <a:noFill/>
+          <a:ln w="9525">
+            <a:noFill/>
+            <a:miter lim="800000"/>
+            <a:headEnd/>
+            <a:tailEnd/>
+          </a:ln>
+        </p:spPr>
+      </p:pic>
     </p:spTree>
   </p:cSld>
   <p:clrMapOvr>
@@ -5140,6 +5292,41 @@
           <a:chExt cx="0" cy="0"/>
         </a:xfrm>
       </p:grpSpPr>
+      <p:pic>
+        <p:nvPicPr>
+          <p:cNvPr id="5122" name="Picture 2"/>
+          <p:cNvPicPr>
+            <a:picLocks noChangeAspect="1" noChangeArrowheads="1"/>
+          </p:cNvPicPr>
+          <p:nvPr/>
+        </p:nvPicPr>
+        <p:blipFill>
+          <a:blip r:embed="rId2" cstate="print">
+            <a:lum/>
+          </a:blip>
+          <a:srcRect/>
+          <a:stretch>
+            <a:fillRect/>
+          </a:stretch>
+        </p:blipFill>
+        <p:spPr bwMode="auto">
+          <a:xfrm>
+            <a:off x="6934200" y="2362200"/>
+            <a:ext cx="2098059" cy="2686050"/>
+          </a:xfrm>
+          <a:prstGeom prst="rect">
+            <a:avLst/>
+          </a:prstGeom>
+          <a:noFill/>
+          <a:ln w="9525">
+            <a:noFill/>
+            <a:miter lim="800000"/>
+            <a:headEnd/>
+            <a:tailEnd/>
+          </a:ln>
+          <a:effectLst/>
+        </p:spPr>
+      </p:pic>
       <p:sp>
         <p:nvSpPr>
           <p:cNvPr id="2" name="Title 1"/>
@@ -5173,9 +5360,16 @@
             <p:ph idx="1"/>
           </p:nvPr>
         </p:nvSpPr>
-        <p:spPr/>
-        <p:txBody>
-          <a:bodyPr/>
+        <p:spPr>
+          <a:xfrm>
+            <a:off x="457200" y="1600200"/>
+            <a:ext cx="6858000" cy="4525963"/>
+          </a:xfrm>
+        </p:spPr>
+        <p:txBody>
+          <a:bodyPr>
+            <a:normAutofit fontScale="92500"/>
+          </a:bodyPr>
           <a:lstStyle/>
           <a:p>
             <a:r>

--- a/final presentation/justification and vision.pptx
+++ b/final presentation/justification and vision.pptx
@@ -2,7 +2,7 @@
 <file path=ppt/presentation.xml><?xml version="1.0" encoding="utf-8"?>
 <p:presentation xmlns:a="http://schemas.openxmlformats.org/drawingml/2006/main" xmlns:r="http://schemas.openxmlformats.org/officeDocument/2006/relationships" xmlns:p="http://schemas.openxmlformats.org/presentationml/2006/main" saveSubsetFonts="1">
   <p:sldMasterIdLst>
-    <p:sldMasterId id="2147483648" r:id="rId1"/>
+    <p:sldMasterId id="2147483660" r:id="rId1"/>
   </p:sldMasterIdLst>
   <p:notesMasterIdLst>
     <p:notesMasterId r:id="rId13"/>
@@ -740,8 +740,13 @@
 </file>
 
 <file path=ppt/slideLayouts/slideLayout1.xml><?xml version="1.0" encoding="utf-8"?>
-<p:sldLayout xmlns:a="http://schemas.openxmlformats.org/drawingml/2006/main" xmlns:r="http://schemas.openxmlformats.org/officeDocument/2006/relationships" xmlns:p="http://schemas.openxmlformats.org/presentationml/2006/main" type="title" preserve="1">
+<p:sldLayout xmlns:a="http://schemas.openxmlformats.org/drawingml/2006/main" xmlns:r="http://schemas.openxmlformats.org/officeDocument/2006/relationships" xmlns:p="http://schemas.openxmlformats.org/presentationml/2006/main" showMasterSp="0" type="title" preserve="1">
   <p:cSld name="Title Slide">
+    <p:bg>
+      <p:bgRef idx="1001">
+        <a:schemeClr val="bg2"/>
+      </p:bgRef>
+    </p:bg>
     <p:spTree>
       <p:nvGrpSpPr>
         <p:cNvPr id="1" name=""/>
@@ -758,45 +763,197 @@
       </p:grpSpPr>
       <p:sp>
         <p:nvSpPr>
-          <p:cNvPr id="2" name="Title 1"/>
-          <p:cNvSpPr>
-            <a:spLocks noGrp="1"/>
-          </p:cNvSpPr>
-          <p:nvPr>
-            <p:ph type="ctrTitle"/>
+          <p:cNvPr id="15" name="Rectangle 14"/>
+          <p:cNvSpPr>
+            <a:spLocks noChangeArrowheads="1"/>
+          </p:cNvSpPr>
+          <p:nvPr/>
+        </p:nvSpPr>
+        <p:spPr bwMode="white">
+          <a:xfrm>
+            <a:off x="0" y="6705600"/>
+            <a:ext cx="9144000" cy="152400"/>
+          </a:xfrm>
+          <a:prstGeom prst="rect">
+            <a:avLst/>
+          </a:prstGeom>
+          <a:solidFill>
+            <a:srgbClr val="FFFFFF"/>
+          </a:solidFill>
+          <a:ln w="9525" cap="flat" cmpd="sng" algn="ctr">
+            <a:noFill/>
+            <a:prstDash val="solid"/>
+            <a:miter lim="800000"/>
+            <a:headEnd type="none" w="med" len="med"/>
+            <a:tailEnd type="none" w="med" len="med"/>
+          </a:ln>
+          <a:effectLst/>
+        </p:spPr>
+        <p:txBody>
+          <a:bodyPr vert="horz" wrap="none" lIns="91440" tIns="45720" rIns="91440" bIns="45720" anchor="ctr" compatLnSpc="1"/>
+          <a:lstStyle/>
+          <a:p>
+            <a:endParaRPr kumimoji="0" lang="en-US"/>
+          </a:p>
+        </p:txBody>
+      </p:sp>
+      <p:sp>
+        <p:nvSpPr>
+          <p:cNvPr id="19" name="Rectangle 18"/>
+          <p:cNvSpPr>
+            <a:spLocks noChangeArrowheads="1"/>
+          </p:cNvSpPr>
+          <p:nvPr/>
+        </p:nvSpPr>
+        <p:spPr bwMode="white">
+          <a:xfrm>
+            <a:off x="8991600" y="3048"/>
+            <a:ext cx="152400" cy="6858000"/>
+          </a:xfrm>
+          <a:prstGeom prst="rect">
+            <a:avLst/>
+          </a:prstGeom>
+          <a:solidFill>
+            <a:srgbClr val="FFFFFF"/>
+          </a:solidFill>
+          <a:ln w="9525" cap="flat" cmpd="sng" algn="ctr">
+            <a:noFill/>
+            <a:prstDash val="solid"/>
+            <a:miter lim="800000"/>
+            <a:headEnd type="none" w="med" len="med"/>
+            <a:tailEnd type="none" w="med" len="med"/>
+          </a:ln>
+          <a:effectLst/>
+        </p:spPr>
+        <p:txBody>
+          <a:bodyPr vert="horz" wrap="none" lIns="91440" tIns="45720" rIns="91440" bIns="45720" anchor="ctr" compatLnSpc="1"/>
+          <a:lstStyle/>
+          <a:p>
+            <a:endParaRPr kumimoji="0" lang="en-US"/>
+          </a:p>
+        </p:txBody>
+      </p:sp>
+      <p:sp>
+        <p:nvSpPr>
+          <p:cNvPr id="18" name="Rectangle 17"/>
+          <p:cNvSpPr>
+            <a:spLocks noChangeArrowheads="1"/>
+          </p:cNvSpPr>
+          <p:nvPr/>
+        </p:nvSpPr>
+        <p:spPr bwMode="white">
+          <a:xfrm>
+            <a:off x="0" y="0"/>
+            <a:ext cx="152400" cy="6858000"/>
+          </a:xfrm>
+          <a:prstGeom prst="rect">
+            <a:avLst/>
+          </a:prstGeom>
+          <a:solidFill>
+            <a:srgbClr val="FFFFFF"/>
+          </a:solidFill>
+          <a:ln w="9525" cap="flat" cmpd="sng" algn="ctr">
+            <a:noFill/>
+            <a:prstDash val="solid"/>
+            <a:miter lim="800000"/>
+            <a:headEnd type="none" w="med" len="med"/>
+            <a:tailEnd type="none" w="med" len="med"/>
+          </a:ln>
+          <a:effectLst/>
+        </p:spPr>
+        <p:txBody>
+          <a:bodyPr vert="horz" wrap="none" lIns="91440" tIns="45720" rIns="91440" bIns="45720" anchor="ctr" compatLnSpc="1"/>
+          <a:lstStyle/>
+          <a:p>
+            <a:endParaRPr kumimoji="0" lang="en-US"/>
+          </a:p>
+        </p:txBody>
+      </p:sp>
+      <p:sp>
+        <p:nvSpPr>
+          <p:cNvPr id="16" name="Rectangle 15"/>
+          <p:cNvSpPr>
+            <a:spLocks noChangeArrowheads="1"/>
+          </p:cNvSpPr>
+          <p:nvPr/>
+        </p:nvSpPr>
+        <p:spPr bwMode="white">
+          <a:xfrm>
+            <a:off x="0" y="0"/>
+            <a:ext cx="9144000" cy="2514600"/>
+          </a:xfrm>
+          <a:prstGeom prst="rect">
+            <a:avLst/>
+          </a:prstGeom>
+          <a:solidFill>
+            <a:srgbClr val="FFFFFF"/>
+          </a:solidFill>
+          <a:ln w="9525" cap="flat" cmpd="sng" algn="ctr">
+            <a:noFill/>
+            <a:prstDash val="solid"/>
+            <a:miter lim="800000"/>
+            <a:headEnd type="none" w="med" len="med"/>
+            <a:tailEnd type="none" w="med" len="med"/>
+          </a:ln>
+          <a:effectLst/>
+        </p:spPr>
+        <p:txBody>
+          <a:bodyPr vert="horz" wrap="none" lIns="91440" tIns="45720" rIns="91440" bIns="45720" anchor="ctr" compatLnSpc="1"/>
+          <a:lstStyle/>
+          <a:p>
+            <a:endParaRPr kumimoji="0" lang="en-US"/>
+          </a:p>
+        </p:txBody>
+      </p:sp>
+      <p:sp>
+        <p:nvSpPr>
+          <p:cNvPr id="12" name="Rectangle 11"/>
+          <p:cNvSpPr>
+            <a:spLocks noChangeArrowheads="1"/>
+          </p:cNvSpPr>
+          <p:nvPr/>
+        </p:nvSpPr>
+        <p:spPr bwMode="auto">
+          <a:xfrm>
+            <a:off x="146304" y="6391656"/>
+            <a:ext cx="8833104" cy="309563"/>
+          </a:xfrm>
+          <a:prstGeom prst="rect">
+            <a:avLst/>
+          </a:prstGeom>
+          <a:solidFill>
+            <a:schemeClr val="accent3"/>
+          </a:solidFill>
+          <a:ln w="9525" cap="flat" cmpd="sng" algn="ctr">
+            <a:noFill/>
+            <a:prstDash val="solid"/>
+            <a:miter lim="800000"/>
+            <a:headEnd type="none" w="med" len="med"/>
+            <a:tailEnd type="none" w="med" len="med"/>
+          </a:ln>
+          <a:effectLst/>
+        </p:spPr>
+        <p:txBody>
+          <a:bodyPr vert="horz" wrap="none" lIns="91440" tIns="45720" rIns="91440" bIns="45720" anchor="ctr" compatLnSpc="1"/>
+          <a:lstStyle/>
+          <a:p>
+            <a:endParaRPr kumimoji="0" lang="en-US"/>
+          </a:p>
+        </p:txBody>
+      </p:sp>
+      <p:sp>
+        <p:nvSpPr>
+          <p:cNvPr id="9" name="Subtitle 8"/>
+          <p:cNvSpPr>
+            <a:spLocks noGrp="1"/>
+          </p:cNvSpPr>
+          <p:nvPr>
+            <p:ph type="subTitle" idx="1"/>
           </p:nvPr>
         </p:nvSpPr>
         <p:spPr>
           <a:xfrm>
-            <a:off x="685800" y="2130425"/>
-            <a:ext cx="7772400" cy="1470025"/>
-          </a:xfrm>
-        </p:spPr>
-        <p:txBody>
-          <a:bodyPr/>
-          <a:lstStyle/>
-          <a:p>
-            <a:r>
-              <a:rPr lang="en-US" smtClean="0"/>
-              <a:t>Click to edit Master title style</a:t>
-            </a:r>
-            <a:endParaRPr lang="en-US"/>
-          </a:p>
-        </p:txBody>
-      </p:sp>
-      <p:sp>
-        <p:nvSpPr>
-          <p:cNvPr id="3" name="Subtitle 2"/>
-          <p:cNvSpPr>
-            <a:spLocks noGrp="1"/>
-          </p:cNvSpPr>
-          <p:nvPr>
-            <p:ph type="subTitle" idx="1"/>
-          </p:nvPr>
-        </p:nvSpPr>
-        <p:spPr>
-          <a:xfrm>
-            <a:off x="1371600" y="3886200"/>
+            <a:off x="1371600" y="2819400"/>
             <a:ext cx="6400800" cy="1752600"/>
           </a:xfrm>
         </p:spPr>
@@ -805,107 +962,49 @@
           <a:lstStyle>
             <a:lvl1pPr marL="0" indent="0" algn="ctr">
               <a:buNone/>
-              <a:defRPr>
+              <a:defRPr sz="1600" b="1" cap="all" spc="250" baseline="0">
                 <a:solidFill>
-                  <a:schemeClr val="tx1">
-                    <a:tint val="75000"/>
-                  </a:schemeClr>
+                  <a:schemeClr val="tx2"/>
                 </a:solidFill>
               </a:defRPr>
             </a:lvl1pPr>
             <a:lvl2pPr marL="457200" indent="0" algn="ctr">
               <a:buNone/>
-              <a:defRPr>
-                <a:solidFill>
-                  <a:schemeClr val="tx1">
-                    <a:tint val="75000"/>
-                  </a:schemeClr>
-                </a:solidFill>
-              </a:defRPr>
             </a:lvl2pPr>
             <a:lvl3pPr marL="914400" indent="0" algn="ctr">
               <a:buNone/>
-              <a:defRPr>
-                <a:solidFill>
-                  <a:schemeClr val="tx1">
-                    <a:tint val="75000"/>
-                  </a:schemeClr>
-                </a:solidFill>
-              </a:defRPr>
             </a:lvl3pPr>
             <a:lvl4pPr marL="1371600" indent="0" algn="ctr">
               <a:buNone/>
-              <a:defRPr>
-                <a:solidFill>
-                  <a:schemeClr val="tx1">
-                    <a:tint val="75000"/>
-                  </a:schemeClr>
-                </a:solidFill>
-              </a:defRPr>
             </a:lvl4pPr>
             <a:lvl5pPr marL="1828800" indent="0" algn="ctr">
               <a:buNone/>
-              <a:defRPr>
-                <a:solidFill>
-                  <a:schemeClr val="tx1">
-                    <a:tint val="75000"/>
-                  </a:schemeClr>
-                </a:solidFill>
-              </a:defRPr>
             </a:lvl5pPr>
             <a:lvl6pPr marL="2286000" indent="0" algn="ctr">
               <a:buNone/>
-              <a:defRPr>
-                <a:solidFill>
-                  <a:schemeClr val="tx1">
-                    <a:tint val="75000"/>
-                  </a:schemeClr>
-                </a:solidFill>
-              </a:defRPr>
             </a:lvl6pPr>
             <a:lvl7pPr marL="2743200" indent="0" algn="ctr">
               <a:buNone/>
-              <a:defRPr>
-                <a:solidFill>
-                  <a:schemeClr val="tx1">
-                    <a:tint val="75000"/>
-                  </a:schemeClr>
-                </a:solidFill>
-              </a:defRPr>
             </a:lvl7pPr>
             <a:lvl8pPr marL="3200400" indent="0" algn="ctr">
               <a:buNone/>
-              <a:defRPr>
-                <a:solidFill>
-                  <a:schemeClr val="tx1">
-                    <a:tint val="75000"/>
-                  </a:schemeClr>
-                </a:solidFill>
-              </a:defRPr>
             </a:lvl8pPr>
             <a:lvl9pPr marL="3657600" indent="0" algn="ctr">
               <a:buNone/>
-              <a:defRPr>
-                <a:solidFill>
-                  <a:schemeClr val="tx1">
-                    <a:tint val="75000"/>
-                  </a:schemeClr>
-                </a:solidFill>
-              </a:defRPr>
             </a:lvl9pPr>
           </a:lstStyle>
           <a:p>
             <a:r>
-              <a:rPr lang="en-US" smtClean="0"/>
+              <a:rPr kumimoji="0" lang="en-US" smtClean="0"/>
               <a:t>Click to edit Master subtitle style</a:t>
             </a:r>
-            <a:endParaRPr lang="en-US"/>
-          </a:p>
-        </p:txBody>
-      </p:sp>
-      <p:sp>
-        <p:nvSpPr>
-          <p:cNvPr id="4" name="Date Placeholder 3"/>
+            <a:endParaRPr kumimoji="0" lang="en-US"/>
+          </a:p>
+        </p:txBody>
+      </p:sp>
+      <p:sp>
+        <p:nvSpPr>
+          <p:cNvPr id="28" name="Date Placeholder 27"/>
           <p:cNvSpPr>
             <a:spLocks noGrp="1"/>
           </p:cNvSpPr>
@@ -929,7 +1028,7 @@
       </p:sp>
       <p:sp>
         <p:nvSpPr>
-          <p:cNvPr id="5" name="Footer Placeholder 4"/>
+          <p:cNvPr id="17" name="Footer Placeholder 16"/>
           <p:cNvSpPr>
             <a:spLocks noGrp="1"/>
           </p:cNvSpPr>
@@ -948,7 +1047,179 @@
       </p:sp>
       <p:sp>
         <p:nvSpPr>
-          <p:cNvPr id="6" name="Slide Number Placeholder 5"/>
+          <p:cNvPr id="7" name="Straight Connector 6"/>
+          <p:cNvSpPr>
+            <a:spLocks noChangeShapeType="1"/>
+          </p:cNvSpPr>
+          <p:nvPr/>
+        </p:nvSpPr>
+        <p:spPr bwMode="auto">
+          <a:xfrm>
+            <a:off x="155448" y="2420112"/>
+            <a:ext cx="8833104" cy="0"/>
+          </a:xfrm>
+          <a:prstGeom prst="line">
+            <a:avLst/>
+          </a:prstGeom>
+          <a:noFill/>
+          <a:ln w="11430" cap="flat" cmpd="sng" algn="ctr">
+            <a:solidFill>
+              <a:schemeClr val="accent3">
+                <a:shade val="75000"/>
+              </a:schemeClr>
+            </a:solidFill>
+            <a:prstDash val="sysDash"/>
+            <a:round/>
+            <a:headEnd type="none" w="med" len="med"/>
+            <a:tailEnd type="none" w="med" len="med"/>
+          </a:ln>
+          <a:effectLst/>
+        </p:spPr>
+        <p:txBody>
+          <a:bodyPr vert="horz" wrap="none" lIns="91440" tIns="45720" rIns="91440" bIns="45720" anchor="ctr" compatLnSpc="1"/>
+          <a:lstStyle/>
+          <a:p>
+            <a:endParaRPr kumimoji="0" lang="en-US"/>
+          </a:p>
+        </p:txBody>
+      </p:sp>
+      <p:sp>
+        <p:nvSpPr>
+          <p:cNvPr id="10" name="Rectangle 9"/>
+          <p:cNvSpPr>
+            <a:spLocks noChangeArrowheads="1"/>
+          </p:cNvSpPr>
+          <p:nvPr/>
+        </p:nvSpPr>
+        <p:spPr bwMode="auto">
+          <a:xfrm>
+            <a:off x="152400" y="152400"/>
+            <a:ext cx="8833104" cy="6547104"/>
+          </a:xfrm>
+          <a:prstGeom prst="rect">
+            <a:avLst/>
+          </a:prstGeom>
+          <a:noFill/>
+          <a:ln w="9525" cap="flat" cmpd="sng" algn="ctr">
+            <a:solidFill>
+              <a:schemeClr val="accent3">
+                <a:shade val="75000"/>
+              </a:schemeClr>
+            </a:solidFill>
+            <a:prstDash val="solid"/>
+            <a:miter lim="800000"/>
+            <a:headEnd type="none" w="med" len="med"/>
+            <a:tailEnd type="none" w="med" len="med"/>
+          </a:ln>
+          <a:effectLst/>
+        </p:spPr>
+        <p:txBody>
+          <a:bodyPr vert="horz" wrap="none" lIns="91440" tIns="45720" rIns="91440" bIns="45720" anchor="ctr" compatLnSpc="1"/>
+          <a:lstStyle/>
+          <a:p>
+            <a:endParaRPr kumimoji="0" lang="en-US" dirty="0"/>
+          </a:p>
+        </p:txBody>
+      </p:sp>
+      <p:sp>
+        <p:nvSpPr>
+          <p:cNvPr id="13" name="Oval 12"/>
+          <p:cNvSpPr/>
+          <p:nvPr/>
+        </p:nvSpPr>
+        <p:spPr>
+          <a:xfrm>
+            <a:off x="4267200" y="2115312"/>
+            <a:ext cx="609600" cy="609600"/>
+          </a:xfrm>
+          <a:prstGeom prst="ellipse">
+            <a:avLst/>
+          </a:prstGeom>
+          <a:solidFill>
+            <a:srgbClr val="FFFFFF"/>
+          </a:solidFill>
+          <a:ln w="15875" cap="rnd" cmpd="sng" algn="ctr">
+            <a:noFill/>
+            <a:prstDash val="solid"/>
+          </a:ln>
+          <a:effectLst/>
+        </p:spPr>
+        <p:style>
+          <a:lnRef idx="3">
+            <a:schemeClr val="lt1"/>
+          </a:lnRef>
+          <a:fillRef idx="1">
+            <a:schemeClr val="accent1"/>
+          </a:fillRef>
+          <a:effectRef idx="1">
+            <a:schemeClr val="accent1"/>
+          </a:effectRef>
+          <a:fontRef idx="minor">
+            <a:schemeClr val="lt1"/>
+          </a:fontRef>
+        </p:style>
+        <p:txBody>
+          <a:bodyPr anchor="ctr"/>
+          <a:lstStyle/>
+          <a:p>
+            <a:pPr algn="ctr" eaLnBrk="1" latinLnBrk="0" hangingPunct="1"/>
+            <a:endParaRPr kumimoji="0" lang="en-US"/>
+          </a:p>
+        </p:txBody>
+      </p:sp>
+      <p:sp>
+        <p:nvSpPr>
+          <p:cNvPr id="14" name="Oval 13"/>
+          <p:cNvSpPr/>
+          <p:nvPr/>
+        </p:nvSpPr>
+        <p:spPr>
+          <a:xfrm>
+            <a:off x="4361688" y="2209800"/>
+            <a:ext cx="420624" cy="420624"/>
+          </a:xfrm>
+          <a:prstGeom prst="ellipse">
+            <a:avLst/>
+          </a:prstGeom>
+          <a:solidFill>
+            <a:srgbClr val="FFFFFF"/>
+          </a:solidFill>
+          <a:ln w="50800" cap="rnd" cmpd="dbl" algn="ctr">
+            <a:solidFill>
+              <a:schemeClr val="accent3">
+                <a:shade val="75000"/>
+              </a:schemeClr>
+            </a:solidFill>
+            <a:prstDash val="solid"/>
+          </a:ln>
+          <a:effectLst/>
+        </p:spPr>
+        <p:style>
+          <a:lnRef idx="3">
+            <a:schemeClr val="lt1"/>
+          </a:lnRef>
+          <a:fillRef idx="1">
+            <a:schemeClr val="accent1"/>
+          </a:fillRef>
+          <a:effectRef idx="1">
+            <a:schemeClr val="accent1"/>
+          </a:effectRef>
+          <a:fontRef idx="minor">
+            <a:schemeClr val="lt1"/>
+          </a:fontRef>
+        </p:style>
+        <p:txBody>
+          <a:bodyPr anchor="ctr"/>
+          <a:lstStyle/>
+          <a:p>
+            <a:pPr algn="ctr" eaLnBrk="1" latinLnBrk="0" hangingPunct="1"/>
+            <a:endParaRPr kumimoji="0" lang="en-US"/>
+          </a:p>
+        </p:txBody>
+      </p:sp>
+      <p:sp>
+        <p:nvSpPr>
+          <p:cNvPr id="29" name="Slide Number Placeholder 28"/>
           <p:cNvSpPr>
             <a:spLocks noGrp="1"/>
           </p:cNvSpPr>
@@ -956,10 +1227,25 @@
             <p:ph type="sldNum" sz="quarter" idx="12"/>
           </p:nvPr>
         </p:nvSpPr>
-        <p:spPr/>
+        <p:spPr>
+          <a:xfrm>
+            <a:off x="4343400" y="2199450"/>
+            <a:ext cx="457200" cy="441325"/>
+          </a:xfrm>
+        </p:spPr>
         <p:txBody>
           <a:bodyPr/>
-          <a:lstStyle/>
+          <a:lstStyle>
+            <a:lvl1pPr>
+              <a:defRPr>
+                <a:solidFill>
+                  <a:schemeClr val="accent3">
+                    <a:shade val="75000"/>
+                  </a:schemeClr>
+                </a:solidFill>
+              </a:defRPr>
+            </a:lvl1pPr>
+          </a:lstStyle>
           <a:p>
             <a:fld id="{CC4A69C8-81CC-406F-915C-D3045852239F}" type="slidenum">
               <a:rPr lang="en-US" smtClean="0"/>
@@ -970,10 +1256,46 @@
           </a:p>
         </p:txBody>
       </p:sp>
+      <p:sp>
+        <p:nvSpPr>
+          <p:cNvPr id="8" name="Title 7"/>
+          <p:cNvSpPr>
+            <a:spLocks noGrp="1"/>
+          </p:cNvSpPr>
+          <p:nvPr>
+            <p:ph type="ctrTitle"/>
+          </p:nvPr>
+        </p:nvSpPr>
+        <p:spPr>
+          <a:xfrm>
+            <a:off x="685800" y="381000"/>
+            <a:ext cx="7772400" cy="1752600"/>
+          </a:xfrm>
+        </p:spPr>
+        <p:txBody>
+          <a:bodyPr anchor="b"/>
+          <a:lstStyle>
+            <a:lvl1pPr>
+              <a:defRPr sz="4200">
+                <a:solidFill>
+                  <a:schemeClr val="accent1"/>
+                </a:solidFill>
+              </a:defRPr>
+            </a:lvl1pPr>
+          </a:lstStyle>
+          <a:p>
+            <a:r>
+              <a:rPr kumimoji="0" lang="en-US" smtClean="0"/>
+              <a:t>Click to edit Master title style</a:t>
+            </a:r>
+            <a:endParaRPr kumimoji="0" lang="en-US"/>
+          </a:p>
+        </p:txBody>
+      </p:sp>
     </p:spTree>
   </p:cSld>
   <p:clrMapOvr>
-    <a:masterClrMapping/>
+    <a:overrideClrMapping bg1="lt1" tx1="dk1" bg2="lt2" tx2="dk2" accent1="accent1" accent2="accent2" accent3="accent3" accent4="accent4" accent5="accent5" accent6="accent6" hlink="hlink" folHlink="folHlink"/>
   </p:clrMapOvr>
 </p:sldLayout>
 </file>
@@ -981,6 +1303,11 @@
 <file path=ppt/slideLayouts/slideLayout10.xml><?xml version="1.0" encoding="utf-8"?>
 <p:sldLayout xmlns:a="http://schemas.openxmlformats.org/drawingml/2006/main" xmlns:r="http://schemas.openxmlformats.org/officeDocument/2006/relationships" xmlns:p="http://schemas.openxmlformats.org/presentationml/2006/main" type="vertTx" preserve="1">
   <p:cSld name="Title and Vertical Text">
+    <p:bg>
+      <p:bgRef idx="1001">
+        <a:schemeClr val="bg2"/>
+      </p:bgRef>
+    </p:bg>
     <p:spTree>
       <p:nvGrpSpPr>
         <p:cNvPr id="1" name=""/>
@@ -1011,10 +1338,10 @@
           <a:lstStyle/>
           <a:p>
             <a:r>
-              <a:rPr lang="en-US" smtClean="0"/>
+              <a:rPr kumimoji="0" lang="en-US" smtClean="0"/>
               <a:t>Click to edit Master title style</a:t>
             </a:r>
-            <a:endParaRPr lang="en-US"/>
+            <a:endParaRPr kumimoji="0" lang="en-US"/>
           </a:p>
         </p:txBody>
       </p:sp>
@@ -1033,40 +1360,40 @@
           <a:bodyPr vert="eaVert"/>
           <a:lstStyle/>
           <a:p>
-            <a:pPr lvl="0"/>
+            <a:pPr lvl="0" eaLnBrk="1" latinLnBrk="0" hangingPunct="1"/>
             <a:r>
               <a:rPr lang="en-US" smtClean="0"/>
               <a:t>Click to edit Master text styles</a:t>
             </a:r>
           </a:p>
           <a:p>
-            <a:pPr lvl="1"/>
+            <a:pPr lvl="1" eaLnBrk="1" latinLnBrk="0" hangingPunct="1"/>
             <a:r>
               <a:rPr lang="en-US" smtClean="0"/>
               <a:t>Second level</a:t>
             </a:r>
           </a:p>
           <a:p>
-            <a:pPr lvl="2"/>
+            <a:pPr lvl="2" eaLnBrk="1" latinLnBrk="0" hangingPunct="1"/>
             <a:r>
               <a:rPr lang="en-US" smtClean="0"/>
               <a:t>Third level</a:t>
             </a:r>
           </a:p>
           <a:p>
-            <a:pPr lvl="3"/>
+            <a:pPr lvl="3" eaLnBrk="1" latinLnBrk="0" hangingPunct="1"/>
             <a:r>
               <a:rPr lang="en-US" smtClean="0"/>
               <a:t>Fourth level</a:t>
             </a:r>
           </a:p>
           <a:p>
-            <a:pPr lvl="4"/>
+            <a:pPr lvl="4" eaLnBrk="1" latinLnBrk="0" hangingPunct="1"/>
             <a:r>
               <a:rPr lang="en-US" smtClean="0"/>
               <a:t>Fifth level</a:t>
             </a:r>
-            <a:endParaRPr lang="en-US"/>
+            <a:endParaRPr kumimoji="0" lang="en-US"/>
           </a:p>
         </p:txBody>
       </p:sp>
@@ -1140,14 +1467,19 @@
     </p:spTree>
   </p:cSld>
   <p:clrMapOvr>
-    <a:masterClrMapping/>
+    <a:overrideClrMapping bg1="lt1" tx1="dk1" bg2="lt2" tx2="dk2" accent1="accent1" accent2="accent2" accent3="accent3" accent4="accent4" accent5="accent5" accent6="accent6" hlink="hlink" folHlink="folHlink"/>
   </p:clrMapOvr>
 </p:sldLayout>
 </file>
 
 <file path=ppt/slideLayouts/slideLayout11.xml><?xml version="1.0" encoding="utf-8"?>
-<p:sldLayout xmlns:a="http://schemas.openxmlformats.org/drawingml/2006/main" xmlns:r="http://schemas.openxmlformats.org/officeDocument/2006/relationships" xmlns:p="http://schemas.openxmlformats.org/presentationml/2006/main" type="vertTitleAndTx" preserve="1">
+<p:sldLayout xmlns:a="http://schemas.openxmlformats.org/drawingml/2006/main" xmlns:r="http://schemas.openxmlformats.org/officeDocument/2006/relationships" xmlns:p="http://schemas.openxmlformats.org/presentationml/2006/main" showMasterSp="0" type="vertTitleAndTx" preserve="1">
   <p:cSld name="Vertical Title and Text">
+    <p:bg>
+      <p:bgRef idx="1001">
+        <a:schemeClr val="bg2"/>
+      </p:bgRef>
+    </p:bg>
     <p:spTree>
       <p:nvGrpSpPr>
         <p:cNvPr id="1" name=""/>
@@ -1164,86 +1496,439 @@
       </p:grpSpPr>
       <p:sp>
         <p:nvSpPr>
-          <p:cNvPr id="2" name="Vertical Title 1"/>
-          <p:cNvSpPr>
-            <a:spLocks noGrp="1"/>
-          </p:cNvSpPr>
-          <p:nvPr>
-            <p:ph type="title" orient="vert"/>
-          </p:nvPr>
+          <p:cNvPr id="7" name="Rectangle 6"/>
+          <p:cNvSpPr>
+            <a:spLocks noChangeArrowheads="1"/>
+          </p:cNvSpPr>
+          <p:nvPr/>
+        </p:nvSpPr>
+        <p:spPr bwMode="white">
+          <a:xfrm>
+            <a:off x="0" y="6705600"/>
+            <a:ext cx="9144000" cy="152400"/>
+          </a:xfrm>
+          <a:prstGeom prst="rect">
+            <a:avLst/>
+          </a:prstGeom>
+          <a:solidFill>
+            <a:srgbClr val="FFFFFF"/>
+          </a:solidFill>
+          <a:ln w="9525" cap="flat" cmpd="sng" algn="ctr">
+            <a:noFill/>
+            <a:prstDash val="solid"/>
+            <a:miter lim="800000"/>
+            <a:headEnd type="none" w="med" len="med"/>
+            <a:tailEnd type="none" w="med" len="med"/>
+          </a:ln>
+          <a:effectLst/>
+        </p:spPr>
+        <p:txBody>
+          <a:bodyPr vert="horz" wrap="none" lIns="91440" tIns="45720" rIns="91440" bIns="45720" anchor="ctr" compatLnSpc="1"/>
+          <a:lstStyle/>
+          <a:p>
+            <a:endParaRPr kumimoji="0" lang="en-US"/>
+          </a:p>
+        </p:txBody>
+      </p:sp>
+      <p:sp>
+        <p:nvSpPr>
+          <p:cNvPr id="8" name="Rectangle 7"/>
+          <p:cNvSpPr>
+            <a:spLocks noChangeArrowheads="1"/>
+          </p:cNvSpPr>
+          <p:nvPr/>
+        </p:nvSpPr>
+        <p:spPr bwMode="white">
+          <a:xfrm>
+            <a:off x="7010400" y="0"/>
+            <a:ext cx="2133600" cy="6858000"/>
+          </a:xfrm>
+          <a:prstGeom prst="rect">
+            <a:avLst/>
+          </a:prstGeom>
+          <a:solidFill>
+            <a:srgbClr val="FFFFFF"/>
+          </a:solidFill>
+          <a:ln w="9525" cap="flat" cmpd="sng" algn="ctr">
+            <a:noFill/>
+            <a:prstDash val="solid"/>
+            <a:miter lim="800000"/>
+            <a:headEnd type="none" w="med" len="med"/>
+            <a:tailEnd type="none" w="med" len="med"/>
+          </a:ln>
+          <a:effectLst/>
+        </p:spPr>
+        <p:txBody>
+          <a:bodyPr vert="horz" wrap="none" lIns="91440" tIns="45720" rIns="91440" bIns="45720" anchor="ctr" compatLnSpc="1"/>
+          <a:lstStyle/>
+          <a:p>
+            <a:endParaRPr kumimoji="0" lang="en-US"/>
+          </a:p>
+        </p:txBody>
+      </p:sp>
+      <p:sp>
+        <p:nvSpPr>
+          <p:cNvPr id="9" name="Rectangle 8"/>
+          <p:cNvSpPr>
+            <a:spLocks noChangeArrowheads="1"/>
+          </p:cNvSpPr>
+          <p:nvPr/>
+        </p:nvSpPr>
+        <p:spPr bwMode="white">
+          <a:xfrm>
+            <a:off x="0" y="0"/>
+            <a:ext cx="9144000" cy="155448"/>
+          </a:xfrm>
+          <a:prstGeom prst="rect">
+            <a:avLst/>
+          </a:prstGeom>
+          <a:solidFill>
+            <a:srgbClr val="FFFFFF"/>
+          </a:solidFill>
+          <a:ln w="9525" cap="flat" cmpd="sng" algn="ctr">
+            <a:noFill/>
+            <a:prstDash val="solid"/>
+            <a:miter lim="800000"/>
+            <a:headEnd type="none" w="med" len="med"/>
+            <a:tailEnd type="none" w="med" len="med"/>
+          </a:ln>
+          <a:effectLst/>
+        </p:spPr>
+        <p:txBody>
+          <a:bodyPr vert="horz" wrap="none" lIns="91440" tIns="45720" rIns="91440" bIns="45720" anchor="ctr" compatLnSpc="1"/>
+          <a:lstStyle/>
+          <a:p>
+            <a:endParaRPr kumimoji="0" lang="en-US"/>
+          </a:p>
+        </p:txBody>
+      </p:sp>
+      <p:sp>
+        <p:nvSpPr>
+          <p:cNvPr id="10" name="Rectangle 9"/>
+          <p:cNvSpPr>
+            <a:spLocks noChangeArrowheads="1"/>
+          </p:cNvSpPr>
+          <p:nvPr/>
+        </p:nvSpPr>
+        <p:spPr bwMode="white">
+          <a:xfrm>
+            <a:off x="0" y="0"/>
+            <a:ext cx="152400" cy="6858000"/>
+          </a:xfrm>
+          <a:prstGeom prst="rect">
+            <a:avLst/>
+          </a:prstGeom>
+          <a:solidFill>
+            <a:srgbClr val="FFFFFF"/>
+          </a:solidFill>
+          <a:ln w="9525" cap="flat" cmpd="sng" algn="ctr">
+            <a:noFill/>
+            <a:prstDash val="solid"/>
+            <a:miter lim="800000"/>
+            <a:headEnd type="none" w="med" len="med"/>
+            <a:tailEnd type="none" w="med" len="med"/>
+          </a:ln>
+          <a:effectLst/>
+        </p:spPr>
+        <p:txBody>
+          <a:bodyPr vert="horz" wrap="none" lIns="91440" tIns="45720" rIns="91440" bIns="45720" anchor="ctr" compatLnSpc="1"/>
+          <a:lstStyle/>
+          <a:p>
+            <a:endParaRPr kumimoji="0" lang="en-US"/>
+          </a:p>
+        </p:txBody>
+      </p:sp>
+      <p:sp>
+        <p:nvSpPr>
+          <p:cNvPr id="11" name="Rectangle 10"/>
+          <p:cNvSpPr>
+            <a:spLocks noChangeArrowheads="1"/>
+          </p:cNvSpPr>
+          <p:nvPr/>
+        </p:nvSpPr>
+        <p:spPr bwMode="auto">
+          <a:xfrm>
+            <a:off x="146304" y="6391656"/>
+            <a:ext cx="8833104" cy="309563"/>
+          </a:xfrm>
+          <a:prstGeom prst="rect">
+            <a:avLst/>
+          </a:prstGeom>
+          <a:solidFill>
+            <a:schemeClr val="accent3"/>
+          </a:solidFill>
+          <a:ln w="9525" cap="flat" cmpd="sng" algn="ctr">
+            <a:noFill/>
+            <a:prstDash val="solid"/>
+            <a:miter lim="800000"/>
+            <a:headEnd type="none" w="med" len="med"/>
+            <a:tailEnd type="none" w="med" len="med"/>
+          </a:ln>
+          <a:effectLst/>
+        </p:spPr>
+        <p:txBody>
+          <a:bodyPr vert="horz" wrap="none" lIns="91440" tIns="45720" rIns="91440" bIns="45720" anchor="ctr" compatLnSpc="1"/>
+          <a:lstStyle/>
+          <a:p>
+            <a:endParaRPr kumimoji="0" lang="en-US"/>
+          </a:p>
+        </p:txBody>
+      </p:sp>
+      <p:sp>
+        <p:nvSpPr>
+          <p:cNvPr id="12" name="Rectangle 11"/>
+          <p:cNvSpPr>
+            <a:spLocks noChangeArrowheads="1"/>
+          </p:cNvSpPr>
+          <p:nvPr/>
+        </p:nvSpPr>
+        <p:spPr bwMode="auto">
+          <a:xfrm>
+            <a:off x="152400" y="155448"/>
+            <a:ext cx="8833104" cy="6547104"/>
+          </a:xfrm>
+          <a:prstGeom prst="rect">
+            <a:avLst/>
+          </a:prstGeom>
+          <a:noFill/>
+          <a:ln w="9525" cap="flat" cmpd="sng" algn="ctr">
+            <a:solidFill>
+              <a:schemeClr val="accent3">
+                <a:shade val="75000"/>
+              </a:schemeClr>
+            </a:solidFill>
+            <a:prstDash val="solid"/>
+            <a:miter lim="800000"/>
+            <a:headEnd type="none" w="med" len="med"/>
+            <a:tailEnd type="none" w="med" len="med"/>
+          </a:ln>
+          <a:effectLst/>
+        </p:spPr>
+        <p:txBody>
+          <a:bodyPr vert="horz" wrap="none" lIns="91440" tIns="45720" rIns="91440" bIns="45720" anchor="ctr" compatLnSpc="1"/>
+          <a:lstStyle/>
+          <a:p>
+            <a:endParaRPr kumimoji="0" lang="en-US" dirty="0"/>
+          </a:p>
+        </p:txBody>
+      </p:sp>
+      <p:sp>
+        <p:nvSpPr>
+          <p:cNvPr id="13" name="Straight Connector 12"/>
+          <p:cNvSpPr>
+            <a:spLocks noChangeShapeType="1"/>
+          </p:cNvSpPr>
+          <p:nvPr/>
+        </p:nvSpPr>
+        <p:spPr bwMode="auto">
+          <a:xfrm rot="5400000">
+            <a:off x="4021836" y="3278124"/>
+            <a:ext cx="6245352" cy="0"/>
+          </a:xfrm>
+          <a:prstGeom prst="line">
+            <a:avLst/>
+          </a:prstGeom>
+          <a:noFill/>
+          <a:ln w="9525" cap="flat" cmpd="sng" algn="ctr">
+            <a:solidFill>
+              <a:schemeClr val="accent3">
+                <a:shade val="75000"/>
+              </a:schemeClr>
+            </a:solidFill>
+            <a:prstDash val="sysDash"/>
+            <a:round/>
+            <a:headEnd type="none" w="med" len="med"/>
+            <a:tailEnd type="none" w="med" len="med"/>
+          </a:ln>
+          <a:effectLst/>
+        </p:spPr>
+        <p:txBody>
+          <a:bodyPr vert="horz" wrap="none" lIns="91440" tIns="45720" rIns="91440" bIns="45720" anchor="ctr" compatLnSpc="1"/>
+          <a:lstStyle/>
+          <a:p>
+            <a:endParaRPr kumimoji="0" lang="en-US"/>
+          </a:p>
+        </p:txBody>
+      </p:sp>
+      <p:sp>
+        <p:nvSpPr>
+          <p:cNvPr id="14" name="Oval 13"/>
+          <p:cNvSpPr/>
+          <p:nvPr/>
         </p:nvSpPr>
         <p:spPr>
           <a:xfrm>
-            <a:off x="6629400" y="274638"/>
-            <a:ext cx="2057400" cy="5851525"/>
+            <a:off x="6839712" y="2925763"/>
+            <a:ext cx="609600" cy="609600"/>
+          </a:xfrm>
+          <a:prstGeom prst="ellipse">
+            <a:avLst/>
+          </a:prstGeom>
+          <a:solidFill>
+            <a:srgbClr val="FFFFFF"/>
+          </a:solidFill>
+          <a:ln w="15875" cap="rnd" cmpd="sng" algn="ctr">
+            <a:noFill/>
+            <a:prstDash val="solid"/>
+          </a:ln>
+          <a:effectLst/>
+        </p:spPr>
+        <p:style>
+          <a:lnRef idx="3">
+            <a:schemeClr val="lt1"/>
+          </a:lnRef>
+          <a:fillRef idx="1">
+            <a:schemeClr val="accent1"/>
+          </a:fillRef>
+          <a:effectRef idx="1">
+            <a:schemeClr val="accent1"/>
+          </a:effectRef>
+          <a:fontRef idx="minor">
+            <a:schemeClr val="lt1"/>
+          </a:fontRef>
+        </p:style>
+        <p:txBody>
+          <a:bodyPr anchor="ctr"/>
+          <a:lstStyle/>
+          <a:p>
+            <a:pPr algn="ctr" eaLnBrk="1" latinLnBrk="0" hangingPunct="1"/>
+            <a:endParaRPr kumimoji="0" lang="en-US"/>
+          </a:p>
+        </p:txBody>
+      </p:sp>
+      <p:sp>
+        <p:nvSpPr>
+          <p:cNvPr id="15" name="Oval 14"/>
+          <p:cNvSpPr/>
+          <p:nvPr/>
+        </p:nvSpPr>
+        <p:spPr>
+          <a:xfrm>
+            <a:off x="6934200" y="3020251"/>
+            <a:ext cx="420624" cy="420624"/>
+          </a:xfrm>
+          <a:prstGeom prst="ellipse">
+            <a:avLst/>
+          </a:prstGeom>
+          <a:solidFill>
+            <a:srgbClr val="FFFFFF"/>
+          </a:solidFill>
+          <a:ln w="50800" cap="rnd" cmpd="dbl" algn="ctr">
+            <a:solidFill>
+              <a:schemeClr val="accent3">
+                <a:shade val="75000"/>
+              </a:schemeClr>
+            </a:solidFill>
+            <a:prstDash val="solid"/>
+          </a:ln>
+          <a:effectLst/>
+        </p:spPr>
+        <p:style>
+          <a:lnRef idx="3">
+            <a:schemeClr val="lt1"/>
+          </a:lnRef>
+          <a:fillRef idx="1">
+            <a:schemeClr val="accent1"/>
+          </a:fillRef>
+          <a:effectRef idx="1">
+            <a:schemeClr val="accent1"/>
+          </a:effectRef>
+          <a:fontRef idx="minor">
+            <a:schemeClr val="lt1"/>
+          </a:fontRef>
+        </p:style>
+        <p:txBody>
+          <a:bodyPr anchor="ctr"/>
+          <a:lstStyle/>
+          <a:p>
+            <a:pPr algn="ctr" eaLnBrk="1" latinLnBrk="0" hangingPunct="1"/>
+            <a:endParaRPr kumimoji="0" lang="en-US"/>
+          </a:p>
+        </p:txBody>
+      </p:sp>
+      <p:sp>
+        <p:nvSpPr>
+          <p:cNvPr id="6" name="Slide Number Placeholder 5"/>
+          <p:cNvSpPr>
+            <a:spLocks noGrp="1"/>
+          </p:cNvSpPr>
+          <p:nvPr>
+            <p:ph type="sldNum" sz="quarter" idx="12"/>
+          </p:nvPr>
+        </p:nvSpPr>
+        <p:spPr>
+          <a:xfrm>
+            <a:off x="6915912" y="3009901"/>
+            <a:ext cx="457200" cy="441325"/>
+          </a:xfrm>
+        </p:spPr>
+        <p:txBody>
+          <a:bodyPr/>
+          <a:lstStyle/>
+          <a:p>
+            <a:fld id="{CC4A69C8-81CC-406F-915C-D3045852239F}" type="slidenum">
+              <a:rPr lang="en-US" smtClean="0"/>
+              <a:pPr/>
+              <a:t>‹#›</a:t>
+            </a:fld>
+            <a:endParaRPr lang="en-US"/>
+          </a:p>
+        </p:txBody>
+      </p:sp>
+      <p:sp>
+        <p:nvSpPr>
+          <p:cNvPr id="3" name="Vertical Text Placeholder 2"/>
+          <p:cNvSpPr>
+            <a:spLocks noGrp="1"/>
+          </p:cNvSpPr>
+          <p:nvPr>
+            <p:ph type="body" orient="vert" idx="1"/>
+          </p:nvPr>
+        </p:nvSpPr>
+        <p:spPr>
+          <a:xfrm>
+            <a:off x="304800" y="304800"/>
+            <a:ext cx="6553200" cy="5821366"/>
           </a:xfrm>
         </p:spPr>
         <p:txBody>
           <a:bodyPr vert="eaVert"/>
           <a:lstStyle/>
           <a:p>
-            <a:r>
-              <a:rPr lang="en-US" smtClean="0"/>
-              <a:t>Click to edit Master title style</a:t>
-            </a:r>
-            <a:endParaRPr lang="en-US"/>
-          </a:p>
-        </p:txBody>
-      </p:sp>
-      <p:sp>
-        <p:nvSpPr>
-          <p:cNvPr id="3" name="Vertical Text Placeholder 2"/>
-          <p:cNvSpPr>
-            <a:spLocks noGrp="1"/>
-          </p:cNvSpPr>
-          <p:nvPr>
-            <p:ph type="body" orient="vert" idx="1"/>
-          </p:nvPr>
-        </p:nvSpPr>
-        <p:spPr>
-          <a:xfrm>
-            <a:off x="457200" y="274638"/>
-            <a:ext cx="6019800" cy="5851525"/>
-          </a:xfrm>
-        </p:spPr>
-        <p:txBody>
-          <a:bodyPr vert="eaVert"/>
-          <a:lstStyle/>
-          <a:p>
-            <a:pPr lvl="0"/>
+            <a:pPr lvl="0" eaLnBrk="1" latinLnBrk="0" hangingPunct="1"/>
             <a:r>
               <a:rPr lang="en-US" smtClean="0"/>
               <a:t>Click to edit Master text styles</a:t>
             </a:r>
           </a:p>
           <a:p>
-            <a:pPr lvl="1"/>
+            <a:pPr lvl="1" eaLnBrk="1" latinLnBrk="0" hangingPunct="1"/>
             <a:r>
               <a:rPr lang="en-US" smtClean="0"/>
               <a:t>Second level</a:t>
             </a:r>
           </a:p>
           <a:p>
-            <a:pPr lvl="2"/>
+            <a:pPr lvl="2" eaLnBrk="1" latinLnBrk="0" hangingPunct="1"/>
             <a:r>
               <a:rPr lang="en-US" smtClean="0"/>
               <a:t>Third level</a:t>
             </a:r>
           </a:p>
           <a:p>
-            <a:pPr lvl="3"/>
+            <a:pPr lvl="3" eaLnBrk="1" latinLnBrk="0" hangingPunct="1"/>
             <a:r>
               <a:rPr lang="en-US" smtClean="0"/>
               <a:t>Fourth level</a:t>
             </a:r>
           </a:p>
           <a:p>
-            <a:pPr lvl="4"/>
+            <a:pPr lvl="4" eaLnBrk="1" latinLnBrk="0" hangingPunct="1"/>
             <a:r>
               <a:rPr lang="en-US" smtClean="0"/>
               <a:t>Fifth level</a:t>
             </a:r>
-            <a:endParaRPr lang="en-US"/>
+            <a:endParaRPr kumimoji="0" lang="en-US"/>
           </a:p>
         </p:txBody>
       </p:sp>
@@ -1292,32 +1977,36 @@
       </p:sp>
       <p:sp>
         <p:nvSpPr>
-          <p:cNvPr id="6" name="Slide Number Placeholder 5"/>
-          <p:cNvSpPr>
-            <a:spLocks noGrp="1"/>
-          </p:cNvSpPr>
-          <p:nvPr>
-            <p:ph type="sldNum" sz="quarter" idx="12"/>
-          </p:nvPr>
-        </p:nvSpPr>
-        <p:spPr/>
-        <p:txBody>
-          <a:bodyPr/>
-          <a:lstStyle/>
-          <a:p>
-            <a:fld id="{CC4A69C8-81CC-406F-915C-D3045852239F}" type="slidenum">
-              <a:rPr lang="en-US" smtClean="0"/>
-              <a:pPr/>
-              <a:t>‹#›</a:t>
-            </a:fld>
-            <a:endParaRPr lang="en-US"/>
+          <p:cNvPr id="2" name="Vertical Title 1"/>
+          <p:cNvSpPr>
+            <a:spLocks noGrp="1"/>
+          </p:cNvSpPr>
+          <p:nvPr>
+            <p:ph type="title" orient="vert"/>
+          </p:nvPr>
+        </p:nvSpPr>
+        <p:spPr>
+          <a:xfrm>
+            <a:off x="7391400" y="304801"/>
+            <a:ext cx="1447800" cy="5851525"/>
+          </a:xfrm>
+        </p:spPr>
+        <p:txBody>
+          <a:bodyPr vert="eaVert"/>
+          <a:lstStyle/>
+          <a:p>
+            <a:r>
+              <a:rPr kumimoji="0" lang="en-US" smtClean="0"/>
+              <a:t>Click to edit Master title style</a:t>
+            </a:r>
+            <a:endParaRPr kumimoji="0" lang="en-US"/>
           </a:p>
         </p:txBody>
       </p:sp>
     </p:spTree>
   </p:cSld>
   <p:clrMapOvr>
-    <a:masterClrMapping/>
+    <a:overrideClrMapping bg1="lt1" tx1="dk1" bg2="lt2" tx2="dk2" accent1="accent1" accent2="accent2" accent3="accent3" accent4="accent4" accent5="accent5" accent6="accent6" hlink="hlink" folHlink="folHlink"/>
   </p:clrMapOvr>
 </p:sldLayout>
 </file>
@@ -1325,6 +2014,11 @@
 <file path=ppt/slideLayouts/slideLayout2.xml><?xml version="1.0" encoding="utf-8"?>
 <p:sldLayout xmlns:a="http://schemas.openxmlformats.org/drawingml/2006/main" xmlns:r="http://schemas.openxmlformats.org/officeDocument/2006/relationships" xmlns:p="http://schemas.openxmlformats.org/presentationml/2006/main" type="obj" preserve="1">
   <p:cSld name="Title and Content">
+    <p:bg>
+      <p:bgRef idx="1001">
+        <a:schemeClr val="bg2"/>
+      </p:bgRef>
+    </p:bg>
     <p:spTree>
       <p:nvGrpSpPr>
         <p:cNvPr id="1" name=""/>
@@ -1352,65 +2046,23 @@
         <p:spPr/>
         <p:txBody>
           <a:bodyPr/>
-          <a:lstStyle/>
-          <a:p>
-            <a:r>
-              <a:rPr lang="en-US" smtClean="0"/>
+          <a:lstStyle>
+            <a:lvl1pPr>
+              <a:defRPr>
+                <a:solidFill>
+                  <a:schemeClr val="accent3">
+                    <a:shade val="75000"/>
+                  </a:schemeClr>
+                </a:solidFill>
+              </a:defRPr>
+            </a:lvl1pPr>
+          </a:lstStyle>
+          <a:p>
+            <a:r>
+              <a:rPr kumimoji="0" lang="en-US" smtClean="0"/>
               <a:t>Click to edit Master title style</a:t>
             </a:r>
-            <a:endParaRPr lang="en-US"/>
-          </a:p>
-        </p:txBody>
-      </p:sp>
-      <p:sp>
-        <p:nvSpPr>
-          <p:cNvPr id="3" name="Content Placeholder 2"/>
-          <p:cNvSpPr>
-            <a:spLocks noGrp="1"/>
-          </p:cNvSpPr>
-          <p:nvPr>
-            <p:ph idx="1"/>
-          </p:nvPr>
-        </p:nvSpPr>
-        <p:spPr/>
-        <p:txBody>
-          <a:bodyPr/>
-          <a:lstStyle/>
-          <a:p>
-            <a:pPr lvl="0"/>
-            <a:r>
-              <a:rPr lang="en-US" smtClean="0"/>
-              <a:t>Click to edit Master text styles</a:t>
-            </a:r>
-          </a:p>
-          <a:p>
-            <a:pPr lvl="1"/>
-            <a:r>
-              <a:rPr lang="en-US" smtClean="0"/>
-              <a:t>Second level</a:t>
-            </a:r>
-          </a:p>
-          <a:p>
-            <a:pPr lvl="2"/>
-            <a:r>
-              <a:rPr lang="en-US" smtClean="0"/>
-              <a:t>Third level</a:t>
-            </a:r>
-          </a:p>
-          <a:p>
-            <a:pPr lvl="3"/>
-            <a:r>
-              <a:rPr lang="en-US" smtClean="0"/>
-              <a:t>Fourth level</a:t>
-            </a:r>
-          </a:p>
-          <a:p>
-            <a:pPr lvl="4"/>
-            <a:r>
-              <a:rPr lang="en-US" smtClean="0"/>
-              <a:t>Fifth level</a:t>
-            </a:r>
-            <a:endParaRPr lang="en-US"/>
+            <a:endParaRPr kumimoji="0" lang="en-US"/>
           </a:p>
         </p:txBody>
       </p:sp>
@@ -1467,7 +2119,12 @@
             <p:ph type="sldNum" sz="quarter" idx="12"/>
           </p:nvPr>
         </p:nvSpPr>
-        <p:spPr/>
+        <p:spPr>
+          <a:xfrm>
+            <a:off x="4361688" y="1026372"/>
+            <a:ext cx="457200" cy="441325"/>
+          </a:xfrm>
+        </p:spPr>
         <p:txBody>
           <a:bodyPr/>
           <a:lstStyle/>
@@ -1481,17 +2138,79 @@
           </a:p>
         </p:txBody>
       </p:sp>
+      <p:sp>
+        <p:nvSpPr>
+          <p:cNvPr id="8" name="Content Placeholder 7"/>
+          <p:cNvSpPr>
+            <a:spLocks noGrp="1"/>
+          </p:cNvSpPr>
+          <p:nvPr>
+            <p:ph sz="quarter" idx="1"/>
+          </p:nvPr>
+        </p:nvSpPr>
+        <p:spPr>
+          <a:xfrm>
+            <a:off x="301752" y="1527048"/>
+            <a:ext cx="8503920" cy="4572000"/>
+          </a:xfrm>
+        </p:spPr>
+        <p:txBody>
+          <a:bodyPr/>
+          <a:lstStyle/>
+          <a:p>
+            <a:pPr lvl="0" eaLnBrk="1" latinLnBrk="0" hangingPunct="1"/>
+            <a:r>
+              <a:rPr lang="en-US" smtClean="0"/>
+              <a:t>Click to edit Master text styles</a:t>
+            </a:r>
+          </a:p>
+          <a:p>
+            <a:pPr lvl="1" eaLnBrk="1" latinLnBrk="0" hangingPunct="1"/>
+            <a:r>
+              <a:rPr lang="en-US" smtClean="0"/>
+              <a:t>Second level</a:t>
+            </a:r>
+          </a:p>
+          <a:p>
+            <a:pPr lvl="2" eaLnBrk="1" latinLnBrk="0" hangingPunct="1"/>
+            <a:r>
+              <a:rPr lang="en-US" smtClean="0"/>
+              <a:t>Third level</a:t>
+            </a:r>
+          </a:p>
+          <a:p>
+            <a:pPr lvl="3" eaLnBrk="1" latinLnBrk="0" hangingPunct="1"/>
+            <a:r>
+              <a:rPr lang="en-US" smtClean="0"/>
+              <a:t>Fourth level</a:t>
+            </a:r>
+          </a:p>
+          <a:p>
+            <a:pPr lvl="4" eaLnBrk="1" latinLnBrk="0" hangingPunct="1"/>
+            <a:r>
+              <a:rPr lang="en-US" smtClean="0"/>
+              <a:t>Fifth level</a:t>
+            </a:r>
+            <a:endParaRPr kumimoji="0" lang="en-US"/>
+          </a:p>
+        </p:txBody>
+      </p:sp>
     </p:spTree>
   </p:cSld>
   <p:clrMapOvr>
-    <a:masterClrMapping/>
+    <a:overrideClrMapping bg1="lt1" tx1="dk1" bg2="lt2" tx2="dk2" accent1="accent1" accent2="accent2" accent3="accent3" accent4="accent4" accent5="accent5" accent6="accent6" hlink="hlink" folHlink="folHlink"/>
   </p:clrMapOvr>
 </p:sldLayout>
 </file>
 
 <file path=ppt/slideLayouts/slideLayout3.xml><?xml version="1.0" encoding="utf-8"?>
-<p:sldLayout xmlns:a="http://schemas.openxmlformats.org/drawingml/2006/main" xmlns:r="http://schemas.openxmlformats.org/officeDocument/2006/relationships" xmlns:p="http://schemas.openxmlformats.org/presentationml/2006/main" type="secHead" preserve="1">
+<p:sldLayout xmlns:a="http://schemas.openxmlformats.org/drawingml/2006/main" xmlns:r="http://schemas.openxmlformats.org/officeDocument/2006/relationships" xmlns:p="http://schemas.openxmlformats.org/presentationml/2006/main" showMasterSp="0" type="secHead" preserve="1">
   <p:cSld name="Section Header">
+    <p:bg>
+      <p:bgRef idx="1001">
+        <a:schemeClr val="bg1"/>
+      </p:bgRef>
+    </p:bg>
     <p:spTree>
       <p:nvGrpSpPr>
         <p:cNvPr id="1" name=""/>
@@ -1508,66 +2227,248 @@
       </p:grpSpPr>
       <p:sp>
         <p:nvSpPr>
-          <p:cNvPr id="2" name="Title 1"/>
-          <p:cNvSpPr>
-            <a:spLocks noGrp="1"/>
-          </p:cNvSpPr>
-          <p:nvPr>
-            <p:ph type="title"/>
+          <p:cNvPr id="17" name="Rectangle 16"/>
+          <p:cNvSpPr>
+            <a:spLocks noChangeArrowheads="1"/>
+          </p:cNvSpPr>
+          <p:nvPr/>
+        </p:nvSpPr>
+        <p:spPr bwMode="white">
+          <a:xfrm>
+            <a:off x="0" y="0"/>
+            <a:ext cx="152400" cy="6858000"/>
+          </a:xfrm>
+          <a:prstGeom prst="rect">
+            <a:avLst/>
+          </a:prstGeom>
+          <a:solidFill>
+            <a:srgbClr val="FFFFFF"/>
+          </a:solidFill>
+          <a:ln w="9525" cap="flat" cmpd="sng" algn="ctr">
+            <a:noFill/>
+            <a:prstDash val="solid"/>
+            <a:miter lim="800000"/>
+            <a:headEnd type="none" w="med" len="med"/>
+            <a:tailEnd type="none" w="med" len="med"/>
+          </a:ln>
+          <a:effectLst/>
+        </p:spPr>
+        <p:txBody>
+          <a:bodyPr vert="horz" wrap="none" lIns="91440" tIns="45720" rIns="91440" bIns="45720" anchor="ctr" compatLnSpc="1"/>
+          <a:lstStyle/>
+          <a:p>
+            <a:endParaRPr kumimoji="0" lang="en-US"/>
+          </a:p>
+        </p:txBody>
+      </p:sp>
+      <p:sp>
+        <p:nvSpPr>
+          <p:cNvPr id="15" name="Rectangle 14"/>
+          <p:cNvSpPr>
+            <a:spLocks noChangeArrowheads="1"/>
+          </p:cNvSpPr>
+          <p:nvPr/>
+        </p:nvSpPr>
+        <p:spPr bwMode="white">
+          <a:xfrm>
+            <a:off x="0" y="6705600"/>
+            <a:ext cx="9144000" cy="152400"/>
+          </a:xfrm>
+          <a:prstGeom prst="rect">
+            <a:avLst/>
+          </a:prstGeom>
+          <a:solidFill>
+            <a:srgbClr val="FFFFFF"/>
+          </a:solidFill>
+          <a:ln w="9525" cap="flat" cmpd="sng" algn="ctr">
+            <a:noFill/>
+            <a:prstDash val="solid"/>
+            <a:miter lim="800000"/>
+            <a:headEnd type="none" w="med" len="med"/>
+            <a:tailEnd type="none" w="med" len="med"/>
+          </a:ln>
+          <a:effectLst/>
+        </p:spPr>
+        <p:txBody>
+          <a:bodyPr vert="horz" wrap="none" lIns="91440" tIns="45720" rIns="91440" bIns="45720" anchor="ctr" compatLnSpc="1"/>
+          <a:lstStyle/>
+          <a:p>
+            <a:endParaRPr kumimoji="0" lang="en-US"/>
+          </a:p>
+        </p:txBody>
+      </p:sp>
+      <p:sp>
+        <p:nvSpPr>
+          <p:cNvPr id="16" name="Rectangle 15"/>
+          <p:cNvSpPr>
+            <a:spLocks noChangeArrowheads="1"/>
+          </p:cNvSpPr>
+          <p:nvPr/>
+        </p:nvSpPr>
+        <p:spPr bwMode="white">
+          <a:xfrm>
+            <a:off x="0" y="0"/>
+            <a:ext cx="9144000" cy="152400"/>
+          </a:xfrm>
+          <a:prstGeom prst="rect">
+            <a:avLst/>
+          </a:prstGeom>
+          <a:solidFill>
+            <a:srgbClr val="FFFFFF"/>
+          </a:solidFill>
+          <a:ln w="9525" cap="flat" cmpd="sng" algn="ctr">
+            <a:noFill/>
+            <a:prstDash val="solid"/>
+            <a:miter lim="800000"/>
+            <a:headEnd type="none" w="med" len="med"/>
+            <a:tailEnd type="none" w="med" len="med"/>
+          </a:ln>
+          <a:effectLst/>
+        </p:spPr>
+        <p:txBody>
+          <a:bodyPr vert="horz" wrap="none" lIns="91440" tIns="45720" rIns="91440" bIns="45720" anchor="ctr" compatLnSpc="1"/>
+          <a:lstStyle/>
+          <a:p>
+            <a:endParaRPr kumimoji="0" lang="en-US"/>
+          </a:p>
+        </p:txBody>
+      </p:sp>
+      <p:sp>
+        <p:nvSpPr>
+          <p:cNvPr id="18" name="Rectangle 17"/>
+          <p:cNvSpPr>
+            <a:spLocks noChangeArrowheads="1"/>
+          </p:cNvSpPr>
+          <p:nvPr/>
+        </p:nvSpPr>
+        <p:spPr bwMode="white">
+          <a:xfrm>
+            <a:off x="8991600" y="19050"/>
+            <a:ext cx="152400" cy="6858000"/>
+          </a:xfrm>
+          <a:prstGeom prst="rect">
+            <a:avLst/>
+          </a:prstGeom>
+          <a:solidFill>
+            <a:srgbClr val="FFFFFF"/>
+          </a:solidFill>
+          <a:ln w="9525" cap="flat" cmpd="sng" algn="ctr">
+            <a:noFill/>
+            <a:prstDash val="solid"/>
+            <a:miter lim="800000"/>
+            <a:headEnd type="none" w="med" len="med"/>
+            <a:tailEnd type="none" w="med" len="med"/>
+          </a:ln>
+          <a:effectLst/>
+        </p:spPr>
+        <p:txBody>
+          <a:bodyPr vert="horz" wrap="none" lIns="91440" tIns="45720" rIns="91440" bIns="45720" anchor="ctr" compatLnSpc="1"/>
+          <a:lstStyle/>
+          <a:p>
+            <a:endParaRPr kumimoji="0" lang="en-US"/>
+          </a:p>
+        </p:txBody>
+      </p:sp>
+      <p:sp>
+        <p:nvSpPr>
+          <p:cNvPr id="19" name="Rectangle 18"/>
+          <p:cNvSpPr>
+            <a:spLocks noChangeArrowheads="1"/>
+          </p:cNvSpPr>
+          <p:nvPr/>
+        </p:nvSpPr>
+        <p:spPr bwMode="white">
+          <a:xfrm>
+            <a:off x="152400" y="2286000"/>
+            <a:ext cx="8833104" cy="304800"/>
+          </a:xfrm>
+          <a:prstGeom prst="rect">
+            <a:avLst/>
+          </a:prstGeom>
+          <a:solidFill>
+            <a:srgbClr val="FFFFFF"/>
+          </a:solidFill>
+          <a:ln w="9525" cap="flat" cmpd="sng" algn="ctr">
+            <a:noFill/>
+            <a:prstDash val="solid"/>
+            <a:miter lim="800000"/>
+            <a:headEnd type="none" w="med" len="med"/>
+            <a:tailEnd type="none" w="med" len="med"/>
+          </a:ln>
+          <a:effectLst/>
+        </p:spPr>
+        <p:txBody>
+          <a:bodyPr vert="horz" wrap="none" lIns="91440" tIns="45720" rIns="91440" bIns="45720" anchor="ctr" compatLnSpc="1"/>
+          <a:lstStyle/>
+          <a:p>
+            <a:endParaRPr kumimoji="0" lang="en-US"/>
+          </a:p>
+        </p:txBody>
+      </p:sp>
+      <p:sp>
+        <p:nvSpPr>
+          <p:cNvPr id="12" name="Rectangle 11"/>
+          <p:cNvSpPr>
+            <a:spLocks noChangeArrowheads="1"/>
+          </p:cNvSpPr>
+          <p:nvPr/>
+        </p:nvSpPr>
+        <p:spPr bwMode="auto">
+          <a:xfrm>
+            <a:off x="155448" y="142352"/>
+            <a:ext cx="8833104" cy="2139696"/>
+          </a:xfrm>
+          <a:prstGeom prst="rect">
+            <a:avLst/>
+          </a:prstGeom>
+          <a:solidFill>
+            <a:schemeClr val="accent1"/>
+          </a:solidFill>
+          <a:ln w="9525" cap="flat" cmpd="sng" algn="ctr">
+            <a:noFill/>
+            <a:prstDash val="solid"/>
+            <a:miter lim="800000"/>
+            <a:headEnd type="none" w="med" len="med"/>
+            <a:tailEnd type="none" w="med" len="med"/>
+          </a:ln>
+          <a:effectLst/>
+        </p:spPr>
+        <p:txBody>
+          <a:bodyPr vert="horz" wrap="none" lIns="91440" tIns="45720" rIns="91440" bIns="45720" anchor="ctr" compatLnSpc="1"/>
+          <a:lstStyle/>
+          <a:p>
+            <a:endParaRPr kumimoji="0" lang="en-US"/>
+          </a:p>
+        </p:txBody>
+      </p:sp>
+      <p:sp>
+        <p:nvSpPr>
+          <p:cNvPr id="3" name="Text Placeholder 2"/>
+          <p:cNvSpPr>
+            <a:spLocks noGrp="1"/>
+          </p:cNvSpPr>
+          <p:nvPr>
+            <p:ph type="body" idx="1"/>
           </p:nvPr>
         </p:nvSpPr>
         <p:spPr>
           <a:xfrm>
-            <a:off x="722313" y="4406900"/>
-            <a:ext cx="7772400" cy="1362075"/>
+            <a:off x="1368426" y="2743200"/>
+            <a:ext cx="6480174" cy="1673225"/>
           </a:xfrm>
         </p:spPr>
         <p:txBody>
           <a:bodyPr anchor="t"/>
           <a:lstStyle>
-            <a:lvl1pPr algn="l">
-              <a:defRPr sz="4000" b="1" cap="all"/>
-            </a:lvl1pPr>
-          </a:lstStyle>
-          <a:p>
-            <a:r>
-              <a:rPr lang="en-US" smtClean="0"/>
-              <a:t>Click to edit Master title style</a:t>
-            </a:r>
-            <a:endParaRPr lang="en-US"/>
-          </a:p>
-        </p:txBody>
-      </p:sp>
-      <p:sp>
-        <p:nvSpPr>
-          <p:cNvPr id="3" name="Text Placeholder 2"/>
-          <p:cNvSpPr>
-            <a:spLocks noGrp="1"/>
-          </p:cNvSpPr>
-          <p:nvPr>
-            <p:ph type="body" idx="1"/>
-          </p:nvPr>
-        </p:nvSpPr>
-        <p:spPr>
-          <a:xfrm>
-            <a:off x="722313" y="2906713"/>
-            <a:ext cx="7772400" cy="1500187"/>
-          </a:xfrm>
-        </p:spPr>
-        <p:txBody>
-          <a:bodyPr anchor="b"/>
-          <a:lstStyle>
-            <a:lvl1pPr marL="0" indent="0">
+            <a:lvl1pPr marL="0" indent="0" algn="ctr">
               <a:buNone/>
-              <a:defRPr sz="2000">
+              <a:defRPr sz="1600" b="1" cap="all" spc="250" baseline="0">
                 <a:solidFill>
-                  <a:schemeClr val="tx1">
-                    <a:tint val="75000"/>
-                  </a:schemeClr>
+                  <a:schemeClr val="tx2"/>
                 </a:solidFill>
               </a:defRPr>
             </a:lvl1pPr>
-            <a:lvl2pPr marL="457200" indent="0">
+            <a:lvl2pPr>
               <a:buNone/>
               <a:defRPr sz="1800">
                 <a:solidFill>
@@ -1577,7 +2478,7 @@
                 </a:solidFill>
               </a:defRPr>
             </a:lvl2pPr>
-            <a:lvl3pPr marL="914400" indent="0">
+            <a:lvl3pPr>
               <a:buNone/>
               <a:defRPr sz="1600">
                 <a:solidFill>
@@ -1587,7 +2488,7 @@
                 </a:solidFill>
               </a:defRPr>
             </a:lvl3pPr>
-            <a:lvl4pPr marL="1371600" indent="0">
+            <a:lvl4pPr>
               <a:buNone/>
               <a:defRPr sz="1400">
                 <a:solidFill>
@@ -1597,7 +2498,7 @@
                 </a:solidFill>
               </a:defRPr>
             </a:lvl4pPr>
-            <a:lvl5pPr marL="1828800" indent="0">
+            <a:lvl5pPr>
               <a:buNone/>
               <a:defRPr sz="1400">
                 <a:solidFill>
@@ -1607,53 +2508,106 @@
                 </a:solidFill>
               </a:defRPr>
             </a:lvl5pPr>
-            <a:lvl6pPr marL="2286000" indent="0">
-              <a:buNone/>
-              <a:defRPr sz="1400">
-                <a:solidFill>
-                  <a:schemeClr val="tx1">
-                    <a:tint val="75000"/>
-                  </a:schemeClr>
-                </a:solidFill>
-              </a:defRPr>
-            </a:lvl6pPr>
-            <a:lvl7pPr marL="2743200" indent="0">
-              <a:buNone/>
-              <a:defRPr sz="1400">
-                <a:solidFill>
-                  <a:schemeClr val="tx1">
-                    <a:tint val="75000"/>
-                  </a:schemeClr>
-                </a:solidFill>
-              </a:defRPr>
-            </a:lvl7pPr>
-            <a:lvl8pPr marL="3200400" indent="0">
-              <a:buNone/>
-              <a:defRPr sz="1400">
-                <a:solidFill>
-                  <a:schemeClr val="tx1">
-                    <a:tint val="75000"/>
-                  </a:schemeClr>
-                </a:solidFill>
-              </a:defRPr>
-            </a:lvl8pPr>
-            <a:lvl9pPr marL="3657600" indent="0">
-              <a:buNone/>
-              <a:defRPr sz="1400">
-                <a:solidFill>
-                  <a:schemeClr val="tx1">
-                    <a:tint val="75000"/>
-                  </a:schemeClr>
-                </a:solidFill>
-              </a:defRPr>
-            </a:lvl9pPr>
           </a:lstStyle>
           <a:p>
-            <a:pPr lvl="0"/>
-            <a:r>
-              <a:rPr lang="en-US" smtClean="0"/>
+            <a:pPr lvl="0" eaLnBrk="1" latinLnBrk="0" hangingPunct="1"/>
+            <a:r>
+              <a:rPr kumimoji="0" lang="en-US" smtClean="0"/>
               <a:t>Click to edit Master text styles</a:t>
             </a:r>
+          </a:p>
+        </p:txBody>
+      </p:sp>
+      <p:sp>
+        <p:nvSpPr>
+          <p:cNvPr id="13" name="Rectangle 12"/>
+          <p:cNvSpPr>
+            <a:spLocks noChangeArrowheads="1"/>
+          </p:cNvSpPr>
+          <p:nvPr/>
+        </p:nvSpPr>
+        <p:spPr bwMode="auto">
+          <a:xfrm>
+            <a:off x="146304" y="6391656"/>
+            <a:ext cx="8833104" cy="309563"/>
+          </a:xfrm>
+          <a:prstGeom prst="rect">
+            <a:avLst/>
+          </a:prstGeom>
+          <a:solidFill>
+            <a:schemeClr val="accent3"/>
+          </a:solidFill>
+          <a:ln w="9525" cap="flat" cmpd="sng" algn="ctr">
+            <a:noFill/>
+            <a:prstDash val="solid"/>
+            <a:miter lim="800000"/>
+            <a:headEnd type="none" w="med" len="med"/>
+            <a:tailEnd type="none" w="med" len="med"/>
+          </a:ln>
+          <a:effectLst/>
+        </p:spPr>
+        <p:txBody>
+          <a:bodyPr vert="horz" wrap="none" lIns="91440" tIns="45720" rIns="91440" bIns="45720" anchor="ctr" compatLnSpc="1"/>
+          <a:lstStyle/>
+          <a:p>
+            <a:endParaRPr kumimoji="0" lang="en-US"/>
+          </a:p>
+        </p:txBody>
+      </p:sp>
+      <p:sp>
+        <p:nvSpPr>
+          <p:cNvPr id="14" name="Rectangle 13"/>
+          <p:cNvSpPr>
+            <a:spLocks noChangeArrowheads="1"/>
+          </p:cNvSpPr>
+          <p:nvPr/>
+        </p:nvSpPr>
+        <p:spPr bwMode="auto">
+          <a:xfrm>
+            <a:off x="152400" y="152400"/>
+            <a:ext cx="8833104" cy="6547104"/>
+          </a:xfrm>
+          <a:prstGeom prst="rect">
+            <a:avLst/>
+          </a:prstGeom>
+          <a:noFill/>
+          <a:ln w="9525" cap="flat" cmpd="sng" algn="ctr">
+            <a:solidFill>
+              <a:schemeClr val="accent3">
+                <a:shade val="75000"/>
+              </a:schemeClr>
+            </a:solidFill>
+            <a:prstDash val="solid"/>
+            <a:miter lim="800000"/>
+            <a:headEnd type="none" w="med" len="med"/>
+            <a:tailEnd type="none" w="med" len="med"/>
+          </a:ln>
+          <a:effectLst/>
+        </p:spPr>
+        <p:txBody>
+          <a:bodyPr vert="horz" wrap="none" lIns="91440" tIns="45720" rIns="91440" bIns="45720" anchor="ctr" compatLnSpc="1"/>
+          <a:lstStyle/>
+          <a:p>
+            <a:endParaRPr kumimoji="0" lang="en-US" dirty="0"/>
+          </a:p>
+        </p:txBody>
+      </p:sp>
+      <p:sp>
+        <p:nvSpPr>
+          <p:cNvPr id="5" name="Footer Placeholder 4"/>
+          <p:cNvSpPr>
+            <a:spLocks noGrp="1"/>
+          </p:cNvSpPr>
+          <p:nvPr>
+            <p:ph type="ftr" sz="quarter" idx="11"/>
+          </p:nvPr>
+        </p:nvSpPr>
+        <p:spPr/>
+        <p:txBody>
+          <a:bodyPr/>
+          <a:lstStyle/>
+          <a:p>
+            <a:endParaRPr lang="en-US"/>
           </a:p>
         </p:txBody>
       </p:sp>
@@ -1683,37 +2637,167 @@
       </p:sp>
       <p:sp>
         <p:nvSpPr>
-          <p:cNvPr id="5" name="Footer Placeholder 4"/>
-          <p:cNvSpPr>
-            <a:spLocks noGrp="1"/>
-          </p:cNvSpPr>
-          <p:nvPr>
-            <p:ph type="ftr" sz="quarter" idx="11"/>
-          </p:nvPr>
-        </p:nvSpPr>
-        <p:spPr/>
+          <p:cNvPr id="8" name="Straight Connector 7"/>
+          <p:cNvSpPr>
+            <a:spLocks noChangeShapeType="1"/>
+          </p:cNvSpPr>
+          <p:nvPr/>
+        </p:nvSpPr>
+        <p:spPr bwMode="auto">
+          <a:xfrm>
+            <a:off x="152400" y="2438400"/>
+            <a:ext cx="8833104" cy="0"/>
+          </a:xfrm>
+          <a:prstGeom prst="line">
+            <a:avLst/>
+          </a:prstGeom>
+          <a:noFill/>
+          <a:ln w="11430" cap="flat" cmpd="sng" algn="ctr">
+            <a:solidFill>
+              <a:schemeClr val="accent3">
+                <a:shade val="75000"/>
+              </a:schemeClr>
+            </a:solidFill>
+            <a:prstDash val="sysDash"/>
+            <a:round/>
+            <a:headEnd type="none" w="med" len="med"/>
+            <a:tailEnd type="none" w="med" len="med"/>
+          </a:ln>
+          <a:effectLst/>
+        </p:spPr>
+        <p:txBody>
+          <a:bodyPr vert="horz" wrap="none" lIns="91440" tIns="45720" rIns="91440" bIns="45720" anchor="ctr" compatLnSpc="1"/>
+          <a:lstStyle/>
+          <a:p>
+            <a:endParaRPr kumimoji="0" lang="en-US"/>
+          </a:p>
+        </p:txBody>
+      </p:sp>
+      <p:sp>
+        <p:nvSpPr>
+          <p:cNvPr id="10" name="Oval 9"/>
+          <p:cNvSpPr/>
+          <p:nvPr/>
+        </p:nvSpPr>
+        <p:spPr>
+          <a:xfrm>
+            <a:off x="4267200" y="2115312"/>
+            <a:ext cx="609600" cy="609600"/>
+          </a:xfrm>
+          <a:prstGeom prst="ellipse">
+            <a:avLst/>
+          </a:prstGeom>
+          <a:solidFill>
+            <a:srgbClr val="FFFFFF"/>
+          </a:solidFill>
+          <a:ln w="15875" cap="rnd" cmpd="sng" algn="ctr">
+            <a:noFill/>
+            <a:prstDash val="solid"/>
+          </a:ln>
+          <a:effectLst/>
+        </p:spPr>
+        <p:style>
+          <a:lnRef idx="3">
+            <a:schemeClr val="lt1"/>
+          </a:lnRef>
+          <a:fillRef idx="1">
+            <a:schemeClr val="accent1"/>
+          </a:fillRef>
+          <a:effectRef idx="1">
+            <a:schemeClr val="accent1"/>
+          </a:effectRef>
+          <a:fontRef idx="minor">
+            <a:schemeClr val="lt1"/>
+          </a:fontRef>
+        </p:style>
+        <p:txBody>
+          <a:bodyPr anchor="ctr"/>
+          <a:lstStyle/>
+          <a:p>
+            <a:pPr algn="ctr" eaLnBrk="1" latinLnBrk="0" hangingPunct="1"/>
+            <a:endParaRPr kumimoji="0" lang="en-US"/>
+          </a:p>
+        </p:txBody>
+      </p:sp>
+      <p:sp>
+        <p:nvSpPr>
+          <p:cNvPr id="11" name="Oval 10"/>
+          <p:cNvSpPr/>
+          <p:nvPr/>
+        </p:nvSpPr>
+        <p:spPr>
+          <a:xfrm>
+            <a:off x="4361688" y="2209800"/>
+            <a:ext cx="420624" cy="420624"/>
+          </a:xfrm>
+          <a:prstGeom prst="ellipse">
+            <a:avLst/>
+          </a:prstGeom>
+          <a:solidFill>
+            <a:srgbClr val="FFFFFF"/>
+          </a:solidFill>
+          <a:ln w="50800" cap="rnd" cmpd="dbl" algn="ctr">
+            <a:solidFill>
+              <a:schemeClr val="accent3">
+                <a:shade val="75000"/>
+              </a:schemeClr>
+            </a:solidFill>
+            <a:prstDash val="solid"/>
+          </a:ln>
+          <a:effectLst/>
+        </p:spPr>
+        <p:style>
+          <a:lnRef idx="3">
+            <a:schemeClr val="lt1"/>
+          </a:lnRef>
+          <a:fillRef idx="1">
+            <a:schemeClr val="accent1"/>
+          </a:fillRef>
+          <a:effectRef idx="1">
+            <a:schemeClr val="accent1"/>
+          </a:effectRef>
+          <a:fontRef idx="minor">
+            <a:schemeClr val="lt1"/>
+          </a:fontRef>
+        </p:style>
+        <p:txBody>
+          <a:bodyPr anchor="ctr"/>
+          <a:lstStyle/>
+          <a:p>
+            <a:pPr algn="ctr" eaLnBrk="1" latinLnBrk="0" hangingPunct="1"/>
+            <a:endParaRPr kumimoji="0" lang="en-US"/>
+          </a:p>
+        </p:txBody>
+      </p:sp>
+      <p:sp>
+        <p:nvSpPr>
+          <p:cNvPr id="6" name="Slide Number Placeholder 5"/>
+          <p:cNvSpPr>
+            <a:spLocks noGrp="1"/>
+          </p:cNvSpPr>
+          <p:nvPr>
+            <p:ph type="sldNum" sz="quarter" idx="12"/>
+          </p:nvPr>
+        </p:nvSpPr>
+        <p:spPr>
+          <a:xfrm>
+            <a:off x="4343400" y="2199450"/>
+            <a:ext cx="457200" cy="441325"/>
+          </a:xfrm>
+        </p:spPr>
         <p:txBody>
           <a:bodyPr/>
-          <a:lstStyle/>
-          <a:p>
-            <a:endParaRPr lang="en-US"/>
-          </a:p>
-        </p:txBody>
-      </p:sp>
-      <p:sp>
-        <p:nvSpPr>
-          <p:cNvPr id="6" name="Slide Number Placeholder 5"/>
-          <p:cNvSpPr>
-            <a:spLocks noGrp="1"/>
-          </p:cNvSpPr>
-          <p:nvPr>
-            <p:ph type="sldNum" sz="quarter" idx="12"/>
-          </p:nvPr>
-        </p:nvSpPr>
-        <p:spPr/>
-        <p:txBody>
-          <a:bodyPr/>
-          <a:lstStyle/>
+          <a:lstStyle>
+            <a:lvl1pPr>
+              <a:defRPr>
+                <a:solidFill>
+                  <a:schemeClr val="accent3">
+                    <a:shade val="75000"/>
+                  </a:schemeClr>
+                </a:solidFill>
+              </a:defRPr>
+            </a:lvl1pPr>
+          </a:lstStyle>
           <a:p>
             <a:fld id="{CC4A69C8-81CC-406F-915C-D3045852239F}" type="slidenum">
               <a:rPr lang="en-US" smtClean="0"/>
@@ -1724,10 +2808,47 @@
           </a:p>
         </p:txBody>
       </p:sp>
+      <p:sp>
+        <p:nvSpPr>
+          <p:cNvPr id="2" name="Title 1"/>
+          <p:cNvSpPr>
+            <a:spLocks noGrp="1"/>
+          </p:cNvSpPr>
+          <p:nvPr>
+            <p:ph type="title"/>
+          </p:nvPr>
+        </p:nvSpPr>
+        <p:spPr>
+          <a:xfrm>
+            <a:off x="722313" y="533400"/>
+            <a:ext cx="7772400" cy="1524000"/>
+          </a:xfrm>
+        </p:spPr>
+        <p:txBody>
+          <a:bodyPr anchor="b"/>
+          <a:lstStyle>
+            <a:lvl1pPr algn="ctr">
+              <a:buNone/>
+              <a:defRPr sz="4200" b="0" cap="none" baseline="0">
+                <a:solidFill>
+                  <a:srgbClr val="FFFFFF"/>
+                </a:solidFill>
+              </a:defRPr>
+            </a:lvl1pPr>
+          </a:lstStyle>
+          <a:p>
+            <a:r>
+              <a:rPr kumimoji="0" lang="en-US" smtClean="0"/>
+              <a:t>Click to edit Master title style</a:t>
+            </a:r>
+            <a:endParaRPr kumimoji="0" lang="en-US"/>
+          </a:p>
+        </p:txBody>
+      </p:sp>
     </p:spTree>
   </p:cSld>
   <p:clrMapOvr>
-    <a:masterClrMapping/>
+    <a:overrideClrMapping bg1="lt1" tx1="dk1" bg2="lt2" tx2="dk2" accent1="accent1" accent2="accent2" accent3="accent3" accent4="accent4" accent5="accent5" accent6="accent6" hlink="hlink" folHlink="folHlink"/>
   </p:clrMapOvr>
 </p:sldLayout>
 </file>
@@ -1735,6 +2856,11 @@
 <file path=ppt/slideLayouts/slideLayout4.xml><?xml version="1.0" encoding="utf-8"?>
 <p:sldLayout xmlns:a="http://schemas.openxmlformats.org/drawingml/2006/main" xmlns:r="http://schemas.openxmlformats.org/officeDocument/2006/relationships" xmlns:p="http://schemas.openxmlformats.org/presentationml/2006/main" type="twoObj" preserve="1">
   <p:cSld name="Two Content">
+    <p:bg>
+      <p:bgRef idx="1001">
+        <a:schemeClr val="bg2"/>
+      </p:bgRef>
+    </p:bg>
     <p:spTree>
       <p:nvGrpSpPr>
         <p:cNvPr id="1" name=""/>
@@ -1759,200 +2885,40 @@
             <p:ph type="title"/>
           </p:nvPr>
         </p:nvSpPr>
-        <p:spPr/>
+        <p:spPr>
+          <a:xfrm>
+            <a:off x="301752" y="228600"/>
+            <a:ext cx="8534400" cy="758952"/>
+          </a:xfrm>
+        </p:spPr>
         <p:txBody>
           <a:bodyPr/>
           <a:lstStyle/>
           <a:p>
             <a:r>
-              <a:rPr lang="en-US" smtClean="0"/>
+              <a:rPr kumimoji="0" lang="en-US" smtClean="0"/>
               <a:t>Click to edit Master title style</a:t>
             </a:r>
-            <a:endParaRPr lang="en-US"/>
-          </a:p>
-        </p:txBody>
-      </p:sp>
-      <p:sp>
-        <p:nvSpPr>
-          <p:cNvPr id="3" name="Content Placeholder 2"/>
-          <p:cNvSpPr>
-            <a:spLocks noGrp="1"/>
-          </p:cNvSpPr>
-          <p:nvPr>
-            <p:ph sz="half" idx="1"/>
+            <a:endParaRPr kumimoji="0" lang="en-US"/>
+          </a:p>
+        </p:txBody>
+      </p:sp>
+      <p:sp>
+        <p:nvSpPr>
+          <p:cNvPr id="5" name="Date Placeholder 4"/>
+          <p:cNvSpPr>
+            <a:spLocks noGrp="1"/>
+          </p:cNvSpPr>
+          <p:nvPr>
+            <p:ph type="dt" sz="half" idx="10"/>
           </p:nvPr>
         </p:nvSpPr>
         <p:spPr>
           <a:xfrm>
-            <a:off x="457200" y="1600200"/>
-            <a:ext cx="4038600" cy="4525963"/>
-          </a:xfrm>
-        </p:spPr>
-        <p:txBody>
-          <a:bodyPr/>
-          <a:lstStyle>
-            <a:lvl1pPr>
-              <a:defRPr sz="2800"/>
-            </a:lvl1pPr>
-            <a:lvl2pPr>
-              <a:defRPr sz="2400"/>
-            </a:lvl2pPr>
-            <a:lvl3pPr>
-              <a:defRPr sz="2000"/>
-            </a:lvl3pPr>
-            <a:lvl4pPr>
-              <a:defRPr sz="1800"/>
-            </a:lvl4pPr>
-            <a:lvl5pPr>
-              <a:defRPr sz="1800"/>
-            </a:lvl5pPr>
-            <a:lvl6pPr>
-              <a:defRPr sz="1800"/>
-            </a:lvl6pPr>
-            <a:lvl7pPr>
-              <a:defRPr sz="1800"/>
-            </a:lvl7pPr>
-            <a:lvl8pPr>
-              <a:defRPr sz="1800"/>
-            </a:lvl8pPr>
-            <a:lvl9pPr>
-              <a:defRPr sz="1800"/>
-            </a:lvl9pPr>
-          </a:lstStyle>
-          <a:p>
-            <a:pPr lvl="0"/>
-            <a:r>
-              <a:rPr lang="en-US" smtClean="0"/>
-              <a:t>Click to edit Master text styles</a:t>
-            </a:r>
-          </a:p>
-          <a:p>
-            <a:pPr lvl="1"/>
-            <a:r>
-              <a:rPr lang="en-US" smtClean="0"/>
-              <a:t>Second level</a:t>
-            </a:r>
-          </a:p>
-          <a:p>
-            <a:pPr lvl="2"/>
-            <a:r>
-              <a:rPr lang="en-US" smtClean="0"/>
-              <a:t>Third level</a:t>
-            </a:r>
-          </a:p>
-          <a:p>
-            <a:pPr lvl="3"/>
-            <a:r>
-              <a:rPr lang="en-US" smtClean="0"/>
-              <a:t>Fourth level</a:t>
-            </a:r>
-          </a:p>
-          <a:p>
-            <a:pPr lvl="4"/>
-            <a:r>
-              <a:rPr lang="en-US" smtClean="0"/>
-              <a:t>Fifth level</a:t>
-            </a:r>
-            <a:endParaRPr lang="en-US"/>
-          </a:p>
-        </p:txBody>
-      </p:sp>
-      <p:sp>
-        <p:nvSpPr>
-          <p:cNvPr id="4" name="Content Placeholder 3"/>
-          <p:cNvSpPr>
-            <a:spLocks noGrp="1"/>
-          </p:cNvSpPr>
-          <p:nvPr>
-            <p:ph sz="half" idx="2"/>
-          </p:nvPr>
-        </p:nvSpPr>
-        <p:spPr>
-          <a:xfrm>
-            <a:off x="4648200" y="1600200"/>
-            <a:ext cx="4038600" cy="4525963"/>
-          </a:xfrm>
-        </p:spPr>
-        <p:txBody>
-          <a:bodyPr/>
-          <a:lstStyle>
-            <a:lvl1pPr>
-              <a:defRPr sz="2800"/>
-            </a:lvl1pPr>
-            <a:lvl2pPr>
-              <a:defRPr sz="2400"/>
-            </a:lvl2pPr>
-            <a:lvl3pPr>
-              <a:defRPr sz="2000"/>
-            </a:lvl3pPr>
-            <a:lvl4pPr>
-              <a:defRPr sz="1800"/>
-            </a:lvl4pPr>
-            <a:lvl5pPr>
-              <a:defRPr sz="1800"/>
-            </a:lvl5pPr>
-            <a:lvl6pPr>
-              <a:defRPr sz="1800"/>
-            </a:lvl6pPr>
-            <a:lvl7pPr>
-              <a:defRPr sz="1800"/>
-            </a:lvl7pPr>
-            <a:lvl8pPr>
-              <a:defRPr sz="1800"/>
-            </a:lvl8pPr>
-            <a:lvl9pPr>
-              <a:defRPr sz="1800"/>
-            </a:lvl9pPr>
-          </a:lstStyle>
-          <a:p>
-            <a:pPr lvl="0"/>
-            <a:r>
-              <a:rPr lang="en-US" smtClean="0"/>
-              <a:t>Click to edit Master text styles</a:t>
-            </a:r>
-          </a:p>
-          <a:p>
-            <a:pPr lvl="1"/>
-            <a:r>
-              <a:rPr lang="en-US" smtClean="0"/>
-              <a:t>Second level</a:t>
-            </a:r>
-          </a:p>
-          <a:p>
-            <a:pPr lvl="2"/>
-            <a:r>
-              <a:rPr lang="en-US" smtClean="0"/>
-              <a:t>Third level</a:t>
-            </a:r>
-          </a:p>
-          <a:p>
-            <a:pPr lvl="3"/>
-            <a:r>
-              <a:rPr lang="en-US" smtClean="0"/>
-              <a:t>Fourth level</a:t>
-            </a:r>
-          </a:p>
-          <a:p>
-            <a:pPr lvl="4"/>
-            <a:r>
-              <a:rPr lang="en-US" smtClean="0"/>
-              <a:t>Fifth level</a:t>
-            </a:r>
-            <a:endParaRPr lang="en-US"/>
-          </a:p>
-        </p:txBody>
-      </p:sp>
-      <p:sp>
-        <p:nvSpPr>
-          <p:cNvPr id="5" name="Date Placeholder 4"/>
-          <p:cNvSpPr>
-            <a:spLocks noGrp="1"/>
-          </p:cNvSpPr>
-          <p:nvPr>
-            <p:ph type="dt" sz="half" idx="10"/>
-          </p:nvPr>
-        </p:nvSpPr>
-        <p:spPr/>
+            <a:off x="5791200" y="6409944"/>
+            <a:ext cx="3044952" cy="365760"/>
+          </a:xfrm>
+        </p:spPr>
         <p:txBody>
           <a:bodyPr/>
           <a:lstStyle/>
@@ -2009,17 +2975,180 @@
           </a:p>
         </p:txBody>
       </p:sp>
+      <p:sp>
+        <p:nvSpPr>
+          <p:cNvPr id="8" name="Straight Connector 7"/>
+          <p:cNvSpPr>
+            <a:spLocks noChangeShapeType="1"/>
+          </p:cNvSpPr>
+          <p:nvPr/>
+        </p:nvSpPr>
+        <p:spPr bwMode="auto">
+          <a:xfrm flipV="1">
+            <a:off x="4563080" y="1575652"/>
+            <a:ext cx="8921" cy="4819557"/>
+          </a:xfrm>
+          <a:prstGeom prst="line">
+            <a:avLst/>
+          </a:prstGeom>
+          <a:noFill/>
+          <a:ln w="9525" cap="flat" cmpd="sng" algn="ctr">
+            <a:solidFill>
+              <a:schemeClr val="tx2"/>
+            </a:solidFill>
+            <a:prstDash val="sysDash"/>
+            <a:round/>
+            <a:headEnd type="none" w="med" len="med"/>
+            <a:tailEnd type="none" w="med" len="med"/>
+          </a:ln>
+          <a:effectLst/>
+        </p:spPr>
+        <p:txBody>
+          <a:bodyPr vert="horz" wrap="none" lIns="91440" tIns="45720" rIns="91440" bIns="45720" anchor="ctr" compatLnSpc="1"/>
+          <a:lstStyle/>
+          <a:p>
+            <a:endParaRPr kumimoji="0" lang="en-US"/>
+          </a:p>
+        </p:txBody>
+      </p:sp>
+      <p:sp>
+        <p:nvSpPr>
+          <p:cNvPr id="10" name="Content Placeholder 9"/>
+          <p:cNvSpPr>
+            <a:spLocks noGrp="1"/>
+          </p:cNvSpPr>
+          <p:nvPr>
+            <p:ph sz="half" idx="1"/>
+          </p:nvPr>
+        </p:nvSpPr>
+        <p:spPr>
+          <a:xfrm>
+            <a:off x="301752" y="1371600"/>
+            <a:ext cx="4038600" cy="4681728"/>
+          </a:xfrm>
+        </p:spPr>
+        <p:txBody>
+          <a:bodyPr/>
+          <a:lstStyle>
+            <a:lvl1pPr>
+              <a:defRPr sz="2500"/>
+            </a:lvl1pPr>
+          </a:lstStyle>
+          <a:p>
+            <a:pPr lvl="0" eaLnBrk="1" latinLnBrk="0" hangingPunct="1"/>
+            <a:r>
+              <a:rPr lang="en-US" smtClean="0"/>
+              <a:t>Click to edit Master text styles</a:t>
+            </a:r>
+          </a:p>
+          <a:p>
+            <a:pPr lvl="1" eaLnBrk="1" latinLnBrk="0" hangingPunct="1"/>
+            <a:r>
+              <a:rPr lang="en-US" smtClean="0"/>
+              <a:t>Second level</a:t>
+            </a:r>
+          </a:p>
+          <a:p>
+            <a:pPr lvl="2" eaLnBrk="1" latinLnBrk="0" hangingPunct="1"/>
+            <a:r>
+              <a:rPr lang="en-US" smtClean="0"/>
+              <a:t>Third level</a:t>
+            </a:r>
+          </a:p>
+          <a:p>
+            <a:pPr lvl="3" eaLnBrk="1" latinLnBrk="0" hangingPunct="1"/>
+            <a:r>
+              <a:rPr lang="en-US" smtClean="0"/>
+              <a:t>Fourth level</a:t>
+            </a:r>
+          </a:p>
+          <a:p>
+            <a:pPr lvl="4" eaLnBrk="1" latinLnBrk="0" hangingPunct="1"/>
+            <a:r>
+              <a:rPr lang="en-US" smtClean="0"/>
+              <a:t>Fifth level</a:t>
+            </a:r>
+            <a:endParaRPr kumimoji="0" lang="en-US"/>
+          </a:p>
+        </p:txBody>
+      </p:sp>
+      <p:sp>
+        <p:nvSpPr>
+          <p:cNvPr id="12" name="Content Placeholder 11"/>
+          <p:cNvSpPr>
+            <a:spLocks noGrp="1"/>
+          </p:cNvSpPr>
+          <p:nvPr>
+            <p:ph sz="half" idx="2"/>
+          </p:nvPr>
+        </p:nvSpPr>
+        <p:spPr>
+          <a:xfrm>
+            <a:off x="4800600" y="1371600"/>
+            <a:ext cx="4038600" cy="4681728"/>
+          </a:xfrm>
+        </p:spPr>
+        <p:txBody>
+          <a:bodyPr/>
+          <a:lstStyle>
+            <a:lvl1pPr>
+              <a:defRPr sz="2500"/>
+            </a:lvl1pPr>
+          </a:lstStyle>
+          <a:p>
+            <a:pPr lvl="0" eaLnBrk="1" latinLnBrk="0" hangingPunct="1"/>
+            <a:r>
+              <a:rPr lang="en-US" smtClean="0"/>
+              <a:t>Click to edit Master text styles</a:t>
+            </a:r>
+          </a:p>
+          <a:p>
+            <a:pPr lvl="1" eaLnBrk="1" latinLnBrk="0" hangingPunct="1"/>
+            <a:r>
+              <a:rPr lang="en-US" smtClean="0"/>
+              <a:t>Second level</a:t>
+            </a:r>
+          </a:p>
+          <a:p>
+            <a:pPr lvl="2" eaLnBrk="1" latinLnBrk="0" hangingPunct="1"/>
+            <a:r>
+              <a:rPr lang="en-US" smtClean="0"/>
+              <a:t>Third level</a:t>
+            </a:r>
+          </a:p>
+          <a:p>
+            <a:pPr lvl="3" eaLnBrk="1" latinLnBrk="0" hangingPunct="1"/>
+            <a:r>
+              <a:rPr lang="en-US" smtClean="0"/>
+              <a:t>Fourth level</a:t>
+            </a:r>
+          </a:p>
+          <a:p>
+            <a:pPr lvl="4" eaLnBrk="1" latinLnBrk="0" hangingPunct="1"/>
+            <a:r>
+              <a:rPr lang="en-US" smtClean="0"/>
+              <a:t>Fifth level</a:t>
+            </a:r>
+            <a:endParaRPr kumimoji="0" lang="en-US"/>
+          </a:p>
+        </p:txBody>
+      </p:sp>
     </p:spTree>
   </p:cSld>
   <p:clrMapOvr>
-    <a:masterClrMapping/>
+    <a:overrideClrMapping bg1="lt1" tx1="dk1" bg2="lt2" tx2="dk2" accent1="accent1" accent2="accent2" accent3="accent3" accent4="accent4" accent5="accent5" accent6="accent6" hlink="hlink" folHlink="folHlink"/>
   </p:clrMapOvr>
 </p:sldLayout>
 </file>
 
 <file path=ppt/slideLayouts/slideLayout5.xml><?xml version="1.0" encoding="utf-8"?>
-<p:sldLayout xmlns:a="http://schemas.openxmlformats.org/drawingml/2006/main" xmlns:r="http://schemas.openxmlformats.org/officeDocument/2006/relationships" xmlns:p="http://schemas.openxmlformats.org/presentationml/2006/main" type="twoTxTwoObj" preserve="1">
+<p:sldLayout xmlns:a="http://schemas.openxmlformats.org/drawingml/2006/main" xmlns:r="http://schemas.openxmlformats.org/officeDocument/2006/relationships" xmlns:p="http://schemas.openxmlformats.org/presentationml/2006/main" showMasterSp="0" type="twoTxTwoObj" preserve="1">
   <p:cSld name="Comparison">
+    <p:bg>
+      <p:bgRef idx="1001">
+        <a:schemeClr val="bg2"/>
+      </p:bgRef>
+    </p:bg>
     <p:spTree>
       <p:nvGrpSpPr>
         <p:cNvPr id="1" name=""/>
@@ -2036,28 +3165,263 @@
       </p:grpSpPr>
       <p:sp>
         <p:nvSpPr>
-          <p:cNvPr id="2" name="Title 1"/>
-          <p:cNvSpPr>
-            <a:spLocks noGrp="1"/>
-          </p:cNvSpPr>
-          <p:nvPr>
-            <p:ph type="title"/>
-          </p:nvPr>
-        </p:nvSpPr>
-        <p:spPr/>
-        <p:txBody>
-          <a:bodyPr/>
-          <a:lstStyle>
-            <a:lvl1pPr>
-              <a:defRPr/>
-            </a:lvl1pPr>
-          </a:lstStyle>
-          <a:p>
-            <a:r>
-              <a:rPr lang="en-US" smtClean="0"/>
-              <a:t>Click to edit Master title style</a:t>
-            </a:r>
-            <a:endParaRPr lang="en-US"/>
+          <p:cNvPr id="10" name="Straight Connector 9"/>
+          <p:cNvSpPr>
+            <a:spLocks noChangeShapeType="1"/>
+          </p:cNvSpPr>
+          <p:nvPr/>
+        </p:nvSpPr>
+        <p:spPr bwMode="auto">
+          <a:xfrm flipV="1">
+            <a:off x="4572000" y="2200275"/>
+            <a:ext cx="0" cy="4187952"/>
+          </a:xfrm>
+          <a:prstGeom prst="line">
+            <a:avLst/>
+          </a:prstGeom>
+          <a:noFill/>
+          <a:ln w="9525" cap="flat" cmpd="sng" algn="ctr">
+            <a:solidFill>
+              <a:schemeClr val="tx2"/>
+            </a:solidFill>
+            <a:prstDash val="sysDash"/>
+            <a:round/>
+            <a:headEnd type="none" w="med" len="med"/>
+            <a:tailEnd type="none" w="med" len="med"/>
+          </a:ln>
+          <a:effectLst/>
+        </p:spPr>
+        <p:txBody>
+          <a:bodyPr vert="horz" wrap="none" lIns="91440" tIns="45720" rIns="91440" bIns="45720" anchor="ctr" compatLnSpc="1"/>
+          <a:lstStyle/>
+          <a:p>
+            <a:endParaRPr kumimoji="0" lang="en-US"/>
+          </a:p>
+        </p:txBody>
+      </p:sp>
+      <p:sp>
+        <p:nvSpPr>
+          <p:cNvPr id="20" name="Rectangle 19"/>
+          <p:cNvSpPr>
+            <a:spLocks noChangeArrowheads="1"/>
+          </p:cNvSpPr>
+          <p:nvPr/>
+        </p:nvSpPr>
+        <p:spPr bwMode="white">
+          <a:xfrm>
+            <a:off x="0" y="0"/>
+            <a:ext cx="9144000" cy="1447800"/>
+          </a:xfrm>
+          <a:prstGeom prst="rect">
+            <a:avLst/>
+          </a:prstGeom>
+          <a:solidFill>
+            <a:srgbClr val="FFFFFF"/>
+          </a:solidFill>
+          <a:ln w="9525" cap="flat" cmpd="sng" algn="ctr">
+            <a:noFill/>
+            <a:prstDash val="solid"/>
+            <a:miter lim="800000"/>
+            <a:headEnd type="none" w="med" len="med"/>
+            <a:tailEnd type="none" w="med" len="med"/>
+          </a:ln>
+          <a:effectLst/>
+        </p:spPr>
+        <p:txBody>
+          <a:bodyPr vert="horz" wrap="none" lIns="91440" tIns="45720" rIns="91440" bIns="45720" anchor="ctr" compatLnSpc="1"/>
+          <a:lstStyle/>
+          <a:p>
+            <a:endParaRPr kumimoji="0" lang="en-US"/>
+          </a:p>
+        </p:txBody>
+      </p:sp>
+      <p:sp>
+        <p:nvSpPr>
+          <p:cNvPr id="19" name="Rectangle 18"/>
+          <p:cNvSpPr>
+            <a:spLocks noChangeArrowheads="1"/>
+          </p:cNvSpPr>
+          <p:nvPr/>
+        </p:nvSpPr>
+        <p:spPr bwMode="white">
+          <a:xfrm>
+            <a:off x="0" y="6705600"/>
+            <a:ext cx="9144000" cy="152400"/>
+          </a:xfrm>
+          <a:prstGeom prst="rect">
+            <a:avLst/>
+          </a:prstGeom>
+          <a:solidFill>
+            <a:srgbClr val="FFFFFF"/>
+          </a:solidFill>
+          <a:ln w="9525" cap="flat" cmpd="sng" algn="ctr">
+            <a:noFill/>
+            <a:prstDash val="solid"/>
+            <a:miter lim="800000"/>
+            <a:headEnd type="none" w="med" len="med"/>
+            <a:tailEnd type="none" w="med" len="med"/>
+          </a:ln>
+          <a:effectLst/>
+        </p:spPr>
+        <p:txBody>
+          <a:bodyPr vert="horz" wrap="none" lIns="91440" tIns="45720" rIns="91440" bIns="45720" anchor="ctr" compatLnSpc="1"/>
+          <a:lstStyle/>
+          <a:p>
+            <a:endParaRPr kumimoji="0" lang="en-US"/>
+          </a:p>
+        </p:txBody>
+      </p:sp>
+      <p:sp>
+        <p:nvSpPr>
+          <p:cNvPr id="21" name="Rectangle 20"/>
+          <p:cNvSpPr>
+            <a:spLocks noChangeArrowheads="1"/>
+          </p:cNvSpPr>
+          <p:nvPr/>
+        </p:nvSpPr>
+        <p:spPr bwMode="white">
+          <a:xfrm>
+            <a:off x="0" y="0"/>
+            <a:ext cx="152400" cy="6858000"/>
+          </a:xfrm>
+          <a:prstGeom prst="rect">
+            <a:avLst/>
+          </a:prstGeom>
+          <a:solidFill>
+            <a:srgbClr val="FFFFFF"/>
+          </a:solidFill>
+          <a:ln w="9525" cap="flat" cmpd="sng" algn="ctr">
+            <a:noFill/>
+            <a:prstDash val="solid"/>
+            <a:miter lim="800000"/>
+            <a:headEnd type="none" w="med" len="med"/>
+            <a:tailEnd type="none" w="med" len="med"/>
+          </a:ln>
+          <a:effectLst/>
+        </p:spPr>
+        <p:txBody>
+          <a:bodyPr vert="horz" wrap="none" lIns="91440" tIns="45720" rIns="91440" bIns="45720" anchor="ctr" compatLnSpc="1"/>
+          <a:lstStyle/>
+          <a:p>
+            <a:endParaRPr kumimoji="0" lang="en-US"/>
+          </a:p>
+        </p:txBody>
+      </p:sp>
+      <p:sp>
+        <p:nvSpPr>
+          <p:cNvPr id="22" name="Rectangle 21"/>
+          <p:cNvSpPr>
+            <a:spLocks noChangeArrowheads="1"/>
+          </p:cNvSpPr>
+          <p:nvPr/>
+        </p:nvSpPr>
+        <p:spPr bwMode="white">
+          <a:xfrm>
+            <a:off x="8991600" y="0"/>
+            <a:ext cx="152400" cy="6858000"/>
+          </a:xfrm>
+          <a:prstGeom prst="rect">
+            <a:avLst/>
+          </a:prstGeom>
+          <a:solidFill>
+            <a:srgbClr val="FFFFFF"/>
+          </a:solidFill>
+          <a:ln w="9525" cap="flat" cmpd="sng" algn="ctr">
+            <a:noFill/>
+            <a:prstDash val="solid"/>
+            <a:miter lim="800000"/>
+            <a:headEnd type="none" w="med" len="med"/>
+            <a:tailEnd type="none" w="med" len="med"/>
+          </a:ln>
+          <a:effectLst/>
+        </p:spPr>
+        <p:txBody>
+          <a:bodyPr vert="horz" wrap="none" lIns="91440" tIns="45720" rIns="91440" bIns="45720" anchor="ctr" compatLnSpc="1"/>
+          <a:lstStyle/>
+          <a:p>
+            <a:endParaRPr kumimoji="0" lang="en-US"/>
+          </a:p>
+        </p:txBody>
+      </p:sp>
+      <p:sp>
+        <p:nvSpPr>
+          <p:cNvPr id="11" name="Rectangle 10"/>
+          <p:cNvSpPr/>
+          <p:nvPr/>
+        </p:nvSpPr>
+        <p:spPr>
+          <a:xfrm>
+            <a:off x="152400" y="1371600"/>
+            <a:ext cx="8833104" cy="914400"/>
+          </a:xfrm>
+          <a:prstGeom prst="rect">
+            <a:avLst/>
+          </a:prstGeom>
+          <a:solidFill>
+            <a:schemeClr val="accent1"/>
+          </a:solidFill>
+          <a:ln w="15875" cap="rnd" cmpd="sng" algn="ctr">
+            <a:noFill/>
+            <a:prstDash val="solid"/>
+          </a:ln>
+          <a:effectLst/>
+        </p:spPr>
+        <p:style>
+          <a:lnRef idx="3">
+            <a:schemeClr val="lt1"/>
+          </a:lnRef>
+          <a:fillRef idx="1">
+            <a:schemeClr val="accent1"/>
+          </a:fillRef>
+          <a:effectRef idx="1">
+            <a:schemeClr val="accent1"/>
+          </a:effectRef>
+          <a:fontRef idx="minor">
+            <a:schemeClr val="lt1"/>
+          </a:fontRef>
+        </p:style>
+        <p:txBody>
+          <a:bodyPr anchor="ctr"/>
+          <a:lstStyle/>
+          <a:p>
+            <a:pPr algn="ctr" eaLnBrk="1" latinLnBrk="0" hangingPunct="1"/>
+            <a:endParaRPr kumimoji="0" lang="en-US"/>
+          </a:p>
+        </p:txBody>
+      </p:sp>
+      <p:sp>
+        <p:nvSpPr>
+          <p:cNvPr id="13" name="Rectangle 12"/>
+          <p:cNvSpPr>
+            <a:spLocks noChangeArrowheads="1"/>
+          </p:cNvSpPr>
+          <p:nvPr/>
+        </p:nvSpPr>
+        <p:spPr bwMode="auto">
+          <a:xfrm>
+            <a:off x="145923" y="6391656"/>
+            <a:ext cx="8833104" cy="310896"/>
+          </a:xfrm>
+          <a:prstGeom prst="rect">
+            <a:avLst/>
+          </a:prstGeom>
+          <a:solidFill>
+            <a:schemeClr val="accent3"/>
+          </a:solidFill>
+          <a:ln w="9525" cap="flat" cmpd="sng" algn="ctr">
+            <a:noFill/>
+            <a:prstDash val="solid"/>
+            <a:miter lim="800000"/>
+            <a:headEnd type="none" w="med" len="med"/>
+            <a:tailEnd type="none" w="med" len="med"/>
+          </a:ln>
+          <a:effectLst/>
+        </p:spPr>
+        <p:txBody>
+          <a:bodyPr vert="horz" wrap="none" lIns="91440" tIns="45720" rIns="91440" bIns="45720" anchor="ctr" compatLnSpc="1"/>
+          <a:lstStyle/>
+          <a:p>
+            <a:endParaRPr kumimoji="0" lang="en-US"/>
           </a:p>
         </p:txBody>
       </p:sp>
@@ -2073,54 +3437,63 @@
         </p:nvSpPr>
         <p:spPr>
           <a:xfrm>
-            <a:off x="457200" y="1535113"/>
-            <a:ext cx="4040188" cy="639762"/>
-          </a:xfrm>
-        </p:spPr>
-        <p:txBody>
-          <a:bodyPr anchor="b"/>
+            <a:off x="301752" y="1524000"/>
+            <a:ext cx="4040188" cy="732974"/>
+          </a:xfrm>
+          <a:noFill/>
+          <a:ln w="15875" cap="rnd" cmpd="sng" algn="ctr">
+            <a:noFill/>
+            <a:prstDash val="solid"/>
+          </a:ln>
+        </p:spPr>
+        <p:style>
+          <a:lnRef idx="3">
+            <a:schemeClr val="lt1"/>
+          </a:lnRef>
+          <a:fillRef idx="1">
+            <a:schemeClr val="accent1"/>
+          </a:fillRef>
+          <a:effectRef idx="1">
+            <a:schemeClr val="accent1"/>
+          </a:effectRef>
+          <a:fontRef idx="minor">
+            <a:schemeClr val="lt1"/>
+          </a:fontRef>
+        </p:style>
+        <p:txBody>
+          <a:bodyPr anchor="ctr">
+            <a:noAutofit/>
+          </a:bodyPr>
           <a:lstStyle>
             <a:lvl1pPr marL="0" indent="0">
               <a:buNone/>
-              <a:defRPr sz="2400" b="1"/>
+              <a:defRPr lang="en-US" sz="2200" b="1" dirty="0" smtClean="0">
+                <a:solidFill>
+                  <a:srgbClr val="FFFFFF"/>
+                </a:solidFill>
+              </a:defRPr>
             </a:lvl1pPr>
-            <a:lvl2pPr marL="457200" indent="0">
+            <a:lvl2pPr>
               <a:buNone/>
               <a:defRPr sz="2000" b="1"/>
             </a:lvl2pPr>
-            <a:lvl3pPr marL="914400" indent="0">
+            <a:lvl3pPr>
               <a:buNone/>
               <a:defRPr sz="1800" b="1"/>
             </a:lvl3pPr>
-            <a:lvl4pPr marL="1371600" indent="0">
+            <a:lvl4pPr>
               <a:buNone/>
               <a:defRPr sz="1600" b="1"/>
             </a:lvl4pPr>
-            <a:lvl5pPr marL="1828800" indent="0">
+            <a:lvl5pPr>
               <a:buNone/>
               <a:defRPr sz="1600" b="1"/>
             </a:lvl5pPr>
-            <a:lvl6pPr marL="2286000" indent="0">
-              <a:buNone/>
-              <a:defRPr sz="1600" b="1"/>
-            </a:lvl6pPr>
-            <a:lvl7pPr marL="2743200" indent="0">
-              <a:buNone/>
-              <a:defRPr sz="1600" b="1"/>
-            </a:lvl7pPr>
-            <a:lvl8pPr marL="3200400" indent="0">
-              <a:buNone/>
-              <a:defRPr sz="1600" b="1"/>
-            </a:lvl8pPr>
-            <a:lvl9pPr marL="3657600" indent="0">
-              <a:buNone/>
-              <a:defRPr sz="1600" b="1"/>
-            </a:lvl9pPr>
           </a:lstStyle>
           <a:p>
-            <a:pPr lvl="0"/>
-            <a:r>
-              <a:rPr lang="en-US" smtClean="0"/>
+            <a:pPr lvl="0" eaLnBrk="1" latinLnBrk="0" hangingPunct="1"/>
+            <a:r>
+              <a:rPr kumimoji="0" lang="en-US" smtClean="0"/>
               <a:t>Click to edit Master text styles</a:t>
             </a:r>
           </a:p>
@@ -2128,236 +3501,71 @@
       </p:sp>
       <p:sp>
         <p:nvSpPr>
-          <p:cNvPr id="4" name="Content Placeholder 3"/>
-          <p:cNvSpPr>
-            <a:spLocks noGrp="1"/>
-          </p:cNvSpPr>
-          <p:nvPr>
-            <p:ph sz="half" idx="2"/>
+          <p:cNvPr id="4" name="Text Placeholder 3"/>
+          <p:cNvSpPr>
+            <a:spLocks noGrp="1"/>
+          </p:cNvSpPr>
+          <p:nvPr>
+            <p:ph type="body" sz="half" idx="3"/>
           </p:nvPr>
         </p:nvSpPr>
         <p:spPr>
           <a:xfrm>
-            <a:off x="457200" y="2174875"/>
-            <a:ext cx="4040188" cy="3951288"/>
-          </a:xfrm>
-        </p:spPr>
-        <p:txBody>
-          <a:bodyPr/>
-          <a:lstStyle>
-            <a:lvl1pPr>
-              <a:defRPr sz="2400"/>
-            </a:lvl1pPr>
-            <a:lvl2pPr>
-              <a:defRPr sz="2000"/>
-            </a:lvl2pPr>
-            <a:lvl3pPr>
-              <a:defRPr sz="1800"/>
-            </a:lvl3pPr>
-            <a:lvl4pPr>
-              <a:defRPr sz="1600"/>
-            </a:lvl4pPr>
-            <a:lvl5pPr>
-              <a:defRPr sz="1600"/>
-            </a:lvl5pPr>
-            <a:lvl6pPr>
-              <a:defRPr sz="1600"/>
-            </a:lvl6pPr>
-            <a:lvl7pPr>
-              <a:defRPr sz="1600"/>
-            </a:lvl7pPr>
-            <a:lvl8pPr>
-              <a:defRPr sz="1600"/>
-            </a:lvl8pPr>
-            <a:lvl9pPr>
-              <a:defRPr sz="1600"/>
-            </a:lvl9pPr>
-          </a:lstStyle>
-          <a:p>
-            <a:pPr lvl="0"/>
-            <a:r>
-              <a:rPr lang="en-US" smtClean="0"/>
-              <a:t>Click to edit Master text styles</a:t>
-            </a:r>
-          </a:p>
-          <a:p>
-            <a:pPr lvl="1"/>
-            <a:r>
-              <a:rPr lang="en-US" smtClean="0"/>
-              <a:t>Second level</a:t>
-            </a:r>
-          </a:p>
-          <a:p>
-            <a:pPr lvl="2"/>
-            <a:r>
-              <a:rPr lang="en-US" smtClean="0"/>
-              <a:t>Third level</a:t>
-            </a:r>
-          </a:p>
-          <a:p>
-            <a:pPr lvl="3"/>
-            <a:r>
-              <a:rPr lang="en-US" smtClean="0"/>
-              <a:t>Fourth level</a:t>
-            </a:r>
-          </a:p>
-          <a:p>
-            <a:pPr lvl="4"/>
-            <a:r>
-              <a:rPr lang="en-US" smtClean="0"/>
-              <a:t>Fifth level</a:t>
-            </a:r>
-            <a:endParaRPr lang="en-US"/>
-          </a:p>
-        </p:txBody>
-      </p:sp>
-      <p:sp>
-        <p:nvSpPr>
-          <p:cNvPr id="5" name="Text Placeholder 4"/>
-          <p:cNvSpPr>
-            <a:spLocks noGrp="1"/>
-          </p:cNvSpPr>
-          <p:nvPr>
-            <p:ph type="body" sz="quarter" idx="3"/>
-          </p:nvPr>
-        </p:nvSpPr>
-        <p:spPr>
-          <a:xfrm>
-            <a:off x="4645025" y="1535113"/>
-            <a:ext cx="4041775" cy="639762"/>
-          </a:xfrm>
-        </p:spPr>
-        <p:txBody>
-          <a:bodyPr anchor="b"/>
+            <a:off x="4791330" y="1524000"/>
+            <a:ext cx="4041775" cy="731520"/>
+          </a:xfrm>
+          <a:noFill/>
+          <a:ln w="15875" cap="rnd" cmpd="sng" algn="ctr">
+            <a:noFill/>
+            <a:prstDash val="solid"/>
+          </a:ln>
+        </p:spPr>
+        <p:style>
+          <a:lnRef idx="3">
+            <a:schemeClr val="lt1"/>
+          </a:lnRef>
+          <a:fillRef idx="1">
+            <a:schemeClr val="accent2"/>
+          </a:fillRef>
+          <a:effectRef idx="1">
+            <a:schemeClr val="accent2"/>
+          </a:effectRef>
+          <a:fontRef idx="minor">
+            <a:schemeClr val="lt1"/>
+          </a:fontRef>
+        </p:style>
+        <p:txBody>
+          <a:bodyPr anchor="ctr">
+            <a:noAutofit/>
+          </a:bodyPr>
           <a:lstStyle>
             <a:lvl1pPr marL="0" indent="0">
               <a:buNone/>
-              <a:defRPr sz="2400" b="1"/>
+              <a:defRPr sz="2200" b="1"/>
             </a:lvl1pPr>
-            <a:lvl2pPr marL="457200" indent="0">
+            <a:lvl2pPr>
               <a:buNone/>
               <a:defRPr sz="2000" b="1"/>
             </a:lvl2pPr>
-            <a:lvl3pPr marL="914400" indent="0">
+            <a:lvl3pPr>
               <a:buNone/>
               <a:defRPr sz="1800" b="1"/>
             </a:lvl3pPr>
-            <a:lvl4pPr marL="1371600" indent="0">
+            <a:lvl4pPr>
               <a:buNone/>
               <a:defRPr sz="1600" b="1"/>
             </a:lvl4pPr>
-            <a:lvl5pPr marL="1828800" indent="0">
+            <a:lvl5pPr>
               <a:buNone/>
               <a:defRPr sz="1600" b="1"/>
             </a:lvl5pPr>
-            <a:lvl6pPr marL="2286000" indent="0">
-              <a:buNone/>
-              <a:defRPr sz="1600" b="1"/>
-            </a:lvl6pPr>
-            <a:lvl7pPr marL="2743200" indent="0">
-              <a:buNone/>
-              <a:defRPr sz="1600" b="1"/>
-            </a:lvl7pPr>
-            <a:lvl8pPr marL="3200400" indent="0">
-              <a:buNone/>
-              <a:defRPr sz="1600" b="1"/>
-            </a:lvl8pPr>
-            <a:lvl9pPr marL="3657600" indent="0">
-              <a:buNone/>
-              <a:defRPr sz="1600" b="1"/>
-            </a:lvl9pPr>
           </a:lstStyle>
           <a:p>
-            <a:pPr lvl="0"/>
-            <a:r>
-              <a:rPr lang="en-US" smtClean="0"/>
+            <a:pPr lvl="0" eaLnBrk="1" latinLnBrk="0" hangingPunct="1"/>
+            <a:r>
+              <a:rPr kumimoji="0" lang="en-US" smtClean="0"/>
               <a:t>Click to edit Master text styles</a:t>
             </a:r>
-          </a:p>
-        </p:txBody>
-      </p:sp>
-      <p:sp>
-        <p:nvSpPr>
-          <p:cNvPr id="6" name="Content Placeholder 5"/>
-          <p:cNvSpPr>
-            <a:spLocks noGrp="1"/>
-          </p:cNvSpPr>
-          <p:nvPr>
-            <p:ph sz="quarter" idx="4"/>
-          </p:nvPr>
-        </p:nvSpPr>
-        <p:spPr>
-          <a:xfrm>
-            <a:off x="4645025" y="2174875"/>
-            <a:ext cx="4041775" cy="3951288"/>
-          </a:xfrm>
-        </p:spPr>
-        <p:txBody>
-          <a:bodyPr/>
-          <a:lstStyle>
-            <a:lvl1pPr>
-              <a:defRPr sz="2400"/>
-            </a:lvl1pPr>
-            <a:lvl2pPr>
-              <a:defRPr sz="2000"/>
-            </a:lvl2pPr>
-            <a:lvl3pPr>
-              <a:defRPr sz="1800"/>
-            </a:lvl3pPr>
-            <a:lvl4pPr>
-              <a:defRPr sz="1600"/>
-            </a:lvl4pPr>
-            <a:lvl5pPr>
-              <a:defRPr sz="1600"/>
-            </a:lvl5pPr>
-            <a:lvl6pPr>
-              <a:defRPr sz="1600"/>
-            </a:lvl6pPr>
-            <a:lvl7pPr>
-              <a:defRPr sz="1600"/>
-            </a:lvl7pPr>
-            <a:lvl8pPr>
-              <a:defRPr sz="1600"/>
-            </a:lvl8pPr>
-            <a:lvl9pPr>
-              <a:defRPr sz="1600"/>
-            </a:lvl9pPr>
-          </a:lstStyle>
-          <a:p>
-            <a:pPr lvl="0"/>
-            <a:r>
-              <a:rPr lang="en-US" smtClean="0"/>
-              <a:t>Click to edit Master text styles</a:t>
-            </a:r>
-          </a:p>
-          <a:p>
-            <a:pPr lvl="1"/>
-            <a:r>
-              <a:rPr lang="en-US" smtClean="0"/>
-              <a:t>Second level</a:t>
-            </a:r>
-          </a:p>
-          <a:p>
-            <a:pPr lvl="2"/>
-            <a:r>
-              <a:rPr lang="en-US" smtClean="0"/>
-              <a:t>Third level</a:t>
-            </a:r>
-          </a:p>
-          <a:p>
-            <a:pPr lvl="3"/>
-            <a:r>
-              <a:rPr lang="en-US" smtClean="0"/>
-              <a:t>Fourth level</a:t>
-            </a:r>
-          </a:p>
-          <a:p>
-            <a:pPr lvl="4"/>
-            <a:r>
-              <a:rPr lang="en-US" smtClean="0"/>
-              <a:t>Fifth level</a:t>
-            </a:r>
-            <a:endParaRPr lang="en-US"/>
           </a:p>
         </p:txBody>
       </p:sp>
@@ -2395,7 +3603,12 @@
             <p:ph type="ftr" sz="quarter" idx="11"/>
           </p:nvPr>
         </p:nvSpPr>
-        <p:spPr/>
+        <p:spPr>
+          <a:xfrm>
+            <a:off x="304800" y="6409944"/>
+            <a:ext cx="3581400" cy="365760"/>
+          </a:xfrm>
+        </p:spPr>
         <p:txBody>
           <a:bodyPr/>
           <a:lstStyle/>
@@ -2406,6 +3619,292 @@
       </p:sp>
       <p:sp>
         <p:nvSpPr>
+          <p:cNvPr id="15" name="Straight Connector 14"/>
+          <p:cNvSpPr>
+            <a:spLocks noChangeShapeType="1"/>
+          </p:cNvSpPr>
+          <p:nvPr/>
+        </p:nvSpPr>
+        <p:spPr bwMode="auto">
+          <a:xfrm>
+            <a:off x="152400" y="1280160"/>
+            <a:ext cx="8833104" cy="0"/>
+          </a:xfrm>
+          <a:prstGeom prst="line">
+            <a:avLst/>
+          </a:prstGeom>
+          <a:noFill/>
+          <a:ln w="11430" cap="flat" cmpd="sng" algn="ctr">
+            <a:solidFill>
+              <a:schemeClr val="accent3">
+                <a:shade val="75000"/>
+              </a:schemeClr>
+            </a:solidFill>
+            <a:prstDash val="sysDash"/>
+            <a:round/>
+            <a:headEnd type="none" w="med" len="med"/>
+            <a:tailEnd type="none" w="med" len="med"/>
+          </a:ln>
+          <a:effectLst/>
+        </p:spPr>
+        <p:txBody>
+          <a:bodyPr vert="horz" wrap="none" lIns="91440" tIns="45720" rIns="91440" bIns="45720" anchor="ctr" compatLnSpc="1"/>
+          <a:lstStyle/>
+          <a:p>
+            <a:endParaRPr kumimoji="0" lang="en-US"/>
+          </a:p>
+        </p:txBody>
+      </p:sp>
+      <p:sp>
+        <p:nvSpPr>
+          <p:cNvPr id="18" name="Rectangle 17"/>
+          <p:cNvSpPr>
+            <a:spLocks noChangeArrowheads="1"/>
+          </p:cNvSpPr>
+          <p:nvPr/>
+        </p:nvSpPr>
+        <p:spPr bwMode="auto">
+          <a:xfrm>
+            <a:off x="152400" y="155448"/>
+            <a:ext cx="8833104" cy="6547104"/>
+          </a:xfrm>
+          <a:prstGeom prst="rect">
+            <a:avLst/>
+          </a:prstGeom>
+          <a:noFill/>
+          <a:ln w="9525" cap="flat" cmpd="sng" algn="ctr">
+            <a:solidFill>
+              <a:schemeClr val="accent3">
+                <a:shade val="75000"/>
+              </a:schemeClr>
+            </a:solidFill>
+            <a:prstDash val="solid"/>
+            <a:miter lim="800000"/>
+            <a:headEnd type="none" w="med" len="med"/>
+            <a:tailEnd type="none" w="med" len="med"/>
+          </a:ln>
+          <a:effectLst/>
+        </p:spPr>
+        <p:txBody>
+          <a:bodyPr vert="horz" wrap="none" lIns="91440" tIns="45720" rIns="91440" bIns="45720" anchor="ctr" compatLnSpc="1"/>
+          <a:lstStyle/>
+          <a:p>
+            <a:endParaRPr kumimoji="0" lang="en-US" dirty="0"/>
+          </a:p>
+        </p:txBody>
+      </p:sp>
+      <p:sp>
+        <p:nvSpPr>
+          <p:cNvPr id="24" name="Content Placeholder 23"/>
+          <p:cNvSpPr>
+            <a:spLocks noGrp="1"/>
+          </p:cNvSpPr>
+          <p:nvPr>
+            <p:ph sz="quarter" idx="2"/>
+          </p:nvPr>
+        </p:nvSpPr>
+        <p:spPr>
+          <a:xfrm>
+            <a:off x="301752" y="2471383"/>
+            <a:ext cx="4041648" cy="3818404"/>
+          </a:xfrm>
+        </p:spPr>
+        <p:txBody>
+          <a:bodyPr/>
+          <a:lstStyle/>
+          <a:p>
+            <a:pPr lvl="0" eaLnBrk="1" latinLnBrk="0" hangingPunct="1"/>
+            <a:r>
+              <a:rPr lang="en-US" smtClean="0"/>
+              <a:t>Click to edit Master text styles</a:t>
+            </a:r>
+          </a:p>
+          <a:p>
+            <a:pPr lvl="1" eaLnBrk="1" latinLnBrk="0" hangingPunct="1"/>
+            <a:r>
+              <a:rPr lang="en-US" smtClean="0"/>
+              <a:t>Second level</a:t>
+            </a:r>
+          </a:p>
+          <a:p>
+            <a:pPr lvl="2" eaLnBrk="1" latinLnBrk="0" hangingPunct="1"/>
+            <a:r>
+              <a:rPr lang="en-US" smtClean="0"/>
+              <a:t>Third level</a:t>
+            </a:r>
+          </a:p>
+          <a:p>
+            <a:pPr lvl="3" eaLnBrk="1" latinLnBrk="0" hangingPunct="1"/>
+            <a:r>
+              <a:rPr lang="en-US" smtClean="0"/>
+              <a:t>Fourth level</a:t>
+            </a:r>
+          </a:p>
+          <a:p>
+            <a:pPr lvl="4" eaLnBrk="1" latinLnBrk="0" hangingPunct="1"/>
+            <a:r>
+              <a:rPr lang="en-US" smtClean="0"/>
+              <a:t>Fifth level</a:t>
+            </a:r>
+            <a:endParaRPr kumimoji="0" lang="en-US"/>
+          </a:p>
+        </p:txBody>
+      </p:sp>
+      <p:sp>
+        <p:nvSpPr>
+          <p:cNvPr id="26" name="Content Placeholder 25"/>
+          <p:cNvSpPr>
+            <a:spLocks noGrp="1"/>
+          </p:cNvSpPr>
+          <p:nvPr>
+            <p:ph sz="quarter" idx="4"/>
+          </p:nvPr>
+        </p:nvSpPr>
+        <p:spPr>
+          <a:xfrm>
+            <a:off x="4800600" y="2471383"/>
+            <a:ext cx="4038600" cy="3822192"/>
+          </a:xfrm>
+        </p:spPr>
+        <p:txBody>
+          <a:bodyPr/>
+          <a:lstStyle/>
+          <a:p>
+            <a:pPr lvl="0" eaLnBrk="1" latinLnBrk="0" hangingPunct="1"/>
+            <a:r>
+              <a:rPr lang="en-US" smtClean="0"/>
+              <a:t>Click to edit Master text styles</a:t>
+            </a:r>
+          </a:p>
+          <a:p>
+            <a:pPr lvl="1" eaLnBrk="1" latinLnBrk="0" hangingPunct="1"/>
+            <a:r>
+              <a:rPr lang="en-US" smtClean="0"/>
+              <a:t>Second level</a:t>
+            </a:r>
+          </a:p>
+          <a:p>
+            <a:pPr lvl="2" eaLnBrk="1" latinLnBrk="0" hangingPunct="1"/>
+            <a:r>
+              <a:rPr lang="en-US" smtClean="0"/>
+              <a:t>Third level</a:t>
+            </a:r>
+          </a:p>
+          <a:p>
+            <a:pPr lvl="3" eaLnBrk="1" latinLnBrk="0" hangingPunct="1"/>
+            <a:r>
+              <a:rPr lang="en-US" smtClean="0"/>
+              <a:t>Fourth level</a:t>
+            </a:r>
+          </a:p>
+          <a:p>
+            <a:pPr lvl="4" eaLnBrk="1" latinLnBrk="0" hangingPunct="1"/>
+            <a:r>
+              <a:rPr lang="en-US" smtClean="0"/>
+              <a:t>Fifth level</a:t>
+            </a:r>
+            <a:endParaRPr kumimoji="0" lang="en-US"/>
+          </a:p>
+        </p:txBody>
+      </p:sp>
+      <p:sp>
+        <p:nvSpPr>
+          <p:cNvPr id="25" name="Oval 24"/>
+          <p:cNvSpPr/>
+          <p:nvPr/>
+        </p:nvSpPr>
+        <p:spPr>
+          <a:xfrm>
+            <a:off x="4267200" y="956036"/>
+            <a:ext cx="609600" cy="609600"/>
+          </a:xfrm>
+          <a:prstGeom prst="ellipse">
+            <a:avLst/>
+          </a:prstGeom>
+          <a:solidFill>
+            <a:srgbClr val="FFFFFF"/>
+          </a:solidFill>
+          <a:ln w="15875" cap="rnd" cmpd="sng" algn="ctr">
+            <a:noFill/>
+            <a:prstDash val="solid"/>
+          </a:ln>
+          <a:effectLst/>
+        </p:spPr>
+        <p:style>
+          <a:lnRef idx="3">
+            <a:schemeClr val="lt1"/>
+          </a:lnRef>
+          <a:fillRef idx="1">
+            <a:schemeClr val="accent1"/>
+          </a:fillRef>
+          <a:effectRef idx="1">
+            <a:schemeClr val="accent1"/>
+          </a:effectRef>
+          <a:fontRef idx="minor">
+            <a:schemeClr val="lt1"/>
+          </a:fontRef>
+        </p:style>
+        <p:txBody>
+          <a:bodyPr anchor="ctr"/>
+          <a:lstStyle/>
+          <a:p>
+            <a:pPr algn="ctr" eaLnBrk="1" latinLnBrk="0" hangingPunct="1"/>
+            <a:endParaRPr kumimoji="0" lang="en-US"/>
+          </a:p>
+        </p:txBody>
+      </p:sp>
+      <p:sp>
+        <p:nvSpPr>
+          <p:cNvPr id="27" name="Oval 26"/>
+          <p:cNvSpPr/>
+          <p:nvPr/>
+        </p:nvSpPr>
+        <p:spPr>
+          <a:xfrm>
+            <a:off x="4361688" y="1050524"/>
+            <a:ext cx="420624" cy="420624"/>
+          </a:xfrm>
+          <a:prstGeom prst="ellipse">
+            <a:avLst/>
+          </a:prstGeom>
+          <a:solidFill>
+            <a:srgbClr val="FFFFFF"/>
+          </a:solidFill>
+          <a:ln w="50800" cap="rnd" cmpd="dbl" algn="ctr">
+            <a:solidFill>
+              <a:schemeClr val="accent3">
+                <a:shade val="75000"/>
+              </a:schemeClr>
+            </a:solidFill>
+            <a:prstDash val="solid"/>
+          </a:ln>
+          <a:effectLst/>
+        </p:spPr>
+        <p:style>
+          <a:lnRef idx="3">
+            <a:schemeClr val="lt1"/>
+          </a:lnRef>
+          <a:fillRef idx="1">
+            <a:schemeClr val="accent1"/>
+          </a:fillRef>
+          <a:effectRef idx="1">
+            <a:schemeClr val="accent1"/>
+          </a:effectRef>
+          <a:fontRef idx="minor">
+            <a:schemeClr val="lt1"/>
+          </a:fontRef>
+        </p:style>
+        <p:txBody>
+          <a:bodyPr anchor="ctr"/>
+          <a:lstStyle/>
+          <a:p>
+            <a:pPr algn="ctr" eaLnBrk="1" latinLnBrk="0" hangingPunct="1"/>
+            <a:endParaRPr kumimoji="0" lang="en-US"/>
+          </a:p>
+        </p:txBody>
+      </p:sp>
+      <p:sp>
+        <p:nvSpPr>
           <p:cNvPr id="9" name="Slide Number Placeholder 8"/>
           <p:cNvSpPr>
             <a:spLocks noGrp="1"/>
@@ -2414,10 +3913,19 @@
             <p:ph type="sldNum" sz="quarter" idx="12"/>
           </p:nvPr>
         </p:nvSpPr>
-        <p:spPr/>
+        <p:spPr>
+          <a:xfrm>
+            <a:off x="4343400" y="1042416"/>
+            <a:ext cx="457200" cy="441325"/>
+          </a:xfrm>
+        </p:spPr>
         <p:txBody>
           <a:bodyPr/>
-          <a:lstStyle/>
+          <a:lstStyle>
+            <a:lvl1pPr algn="ctr">
+              <a:defRPr/>
+            </a:lvl1pPr>
+          </a:lstStyle>
           <a:p>
             <a:fld id="{CC4A69C8-81CC-406F-915C-D3045852239F}" type="slidenum">
               <a:rPr lang="en-US" smtClean="0"/>
@@ -2428,10 +3936,33 @@
           </a:p>
         </p:txBody>
       </p:sp>
+      <p:sp>
+        <p:nvSpPr>
+          <p:cNvPr id="23" name="Title 22"/>
+          <p:cNvSpPr>
+            <a:spLocks noGrp="1"/>
+          </p:cNvSpPr>
+          <p:nvPr>
+            <p:ph type="title"/>
+          </p:nvPr>
+        </p:nvSpPr>
+        <p:spPr/>
+        <p:txBody>
+          <a:bodyPr rtlCol="0" anchor="b" anchorCtr="0"/>
+          <a:lstStyle/>
+          <a:p>
+            <a:r>
+              <a:rPr kumimoji="0" lang="en-US" smtClean="0"/>
+              <a:t>Click to edit Master title style</a:t>
+            </a:r>
+            <a:endParaRPr kumimoji="0" lang="en-US"/>
+          </a:p>
+        </p:txBody>
+      </p:sp>
     </p:spTree>
   </p:cSld>
   <p:clrMapOvr>
-    <a:masterClrMapping/>
+    <a:overrideClrMapping bg1="lt1" tx1="dk1" bg2="lt2" tx2="dk2" accent1="accent1" accent2="accent2" accent3="accent3" accent4="accent4" accent5="accent5" accent6="accent6" hlink="hlink" folHlink="folHlink"/>
   </p:clrMapOvr>
 </p:sldLayout>
 </file>
@@ -2469,10 +4000,10 @@
           <a:lstStyle/>
           <a:p>
             <a:r>
-              <a:rPr lang="en-US" smtClean="0"/>
+              <a:rPr kumimoji="0" lang="en-US" smtClean="0"/>
               <a:t>Click to edit Master title style</a:t>
             </a:r>
-            <a:endParaRPr lang="en-US"/>
+            <a:endParaRPr kumimoji="0" lang="en-US"/>
           </a:p>
         </p:txBody>
       </p:sp>
@@ -2529,7 +4060,12 @@
             <p:ph type="sldNum" sz="quarter" idx="12"/>
           </p:nvPr>
         </p:nvSpPr>
-        <p:spPr/>
+        <p:spPr>
+          <a:xfrm>
+            <a:off x="4343400" y="1036020"/>
+            <a:ext cx="457200" cy="441325"/>
+          </a:xfrm>
+        </p:spPr>
         <p:txBody>
           <a:bodyPr/>
           <a:lstStyle/>
@@ -2552,7 +4088,7 @@
 </file>
 
 <file path=ppt/slideLayouts/slideLayout7.xml><?xml version="1.0" encoding="utf-8"?>
-<p:sldLayout xmlns:a="http://schemas.openxmlformats.org/drawingml/2006/main" xmlns:r="http://schemas.openxmlformats.org/officeDocument/2006/relationships" xmlns:p="http://schemas.openxmlformats.org/presentationml/2006/main" type="blank" preserve="1">
+<p:sldLayout xmlns:a="http://schemas.openxmlformats.org/drawingml/2006/main" xmlns:r="http://schemas.openxmlformats.org/officeDocument/2006/relationships" xmlns:p="http://schemas.openxmlformats.org/presentationml/2006/main" showMasterSp="0" type="blank" preserve="1">
   <p:cSld name="Blank">
     <p:spTree>
       <p:nvGrpSpPr>
@@ -2570,6 +4106,224 @@
       </p:grpSpPr>
       <p:sp>
         <p:nvSpPr>
+          <p:cNvPr id="7" name="Rectangle 6"/>
+          <p:cNvSpPr>
+            <a:spLocks noChangeArrowheads="1"/>
+          </p:cNvSpPr>
+          <p:nvPr/>
+        </p:nvSpPr>
+        <p:spPr bwMode="white">
+          <a:xfrm>
+            <a:off x="0" y="6705600"/>
+            <a:ext cx="9144000" cy="152400"/>
+          </a:xfrm>
+          <a:prstGeom prst="rect">
+            <a:avLst/>
+          </a:prstGeom>
+          <a:solidFill>
+            <a:srgbClr val="FFFFFF"/>
+          </a:solidFill>
+          <a:ln w="9525" cap="flat" cmpd="sng" algn="ctr">
+            <a:noFill/>
+            <a:prstDash val="solid"/>
+            <a:miter lim="800000"/>
+            <a:headEnd type="none" w="med" len="med"/>
+            <a:tailEnd type="none" w="med" len="med"/>
+          </a:ln>
+          <a:effectLst/>
+        </p:spPr>
+        <p:txBody>
+          <a:bodyPr vert="horz" wrap="none" lIns="91440" tIns="45720" rIns="91440" bIns="45720" anchor="ctr" compatLnSpc="1"/>
+          <a:lstStyle/>
+          <a:p>
+            <a:endParaRPr kumimoji="0" lang="en-US"/>
+          </a:p>
+        </p:txBody>
+      </p:sp>
+      <p:sp>
+        <p:nvSpPr>
+          <p:cNvPr id="8" name="Rectangle 7"/>
+          <p:cNvSpPr>
+            <a:spLocks noChangeArrowheads="1"/>
+          </p:cNvSpPr>
+          <p:nvPr/>
+        </p:nvSpPr>
+        <p:spPr bwMode="white">
+          <a:xfrm>
+            <a:off x="0" y="0"/>
+            <a:ext cx="9144000" cy="155448"/>
+          </a:xfrm>
+          <a:prstGeom prst="rect">
+            <a:avLst/>
+          </a:prstGeom>
+          <a:solidFill>
+            <a:srgbClr val="FFFFFF"/>
+          </a:solidFill>
+          <a:ln w="9525" cap="flat" cmpd="sng" algn="ctr">
+            <a:noFill/>
+            <a:prstDash val="solid"/>
+            <a:miter lim="800000"/>
+            <a:headEnd type="none" w="med" len="med"/>
+            <a:tailEnd type="none" w="med" len="med"/>
+          </a:ln>
+          <a:effectLst/>
+        </p:spPr>
+        <p:txBody>
+          <a:bodyPr vert="horz" wrap="none" lIns="91440" tIns="45720" rIns="91440" bIns="45720" anchor="ctr" compatLnSpc="1"/>
+          <a:lstStyle/>
+          <a:p>
+            <a:endParaRPr kumimoji="0" lang="en-US"/>
+          </a:p>
+        </p:txBody>
+      </p:sp>
+      <p:sp>
+        <p:nvSpPr>
+          <p:cNvPr id="10" name="Rectangle 9"/>
+          <p:cNvSpPr>
+            <a:spLocks noChangeArrowheads="1"/>
+          </p:cNvSpPr>
+          <p:nvPr/>
+        </p:nvSpPr>
+        <p:spPr bwMode="white">
+          <a:xfrm>
+            <a:off x="8991600" y="0"/>
+            <a:ext cx="152400" cy="6858000"/>
+          </a:xfrm>
+          <a:prstGeom prst="rect">
+            <a:avLst/>
+          </a:prstGeom>
+          <a:solidFill>
+            <a:srgbClr val="FFFFFF"/>
+          </a:solidFill>
+          <a:ln w="9525" cap="flat" cmpd="sng" algn="ctr">
+            <a:noFill/>
+            <a:prstDash val="solid"/>
+            <a:miter lim="800000"/>
+            <a:headEnd type="none" w="med" len="med"/>
+            <a:tailEnd type="none" w="med" len="med"/>
+          </a:ln>
+          <a:effectLst/>
+        </p:spPr>
+        <p:txBody>
+          <a:bodyPr vert="horz" wrap="none" lIns="91440" tIns="45720" rIns="91440" bIns="45720" anchor="ctr" compatLnSpc="1"/>
+          <a:lstStyle/>
+          <a:p>
+            <a:endParaRPr kumimoji="0" lang="en-US"/>
+          </a:p>
+        </p:txBody>
+      </p:sp>
+      <p:sp>
+        <p:nvSpPr>
+          <p:cNvPr id="9" name="Rectangle 8"/>
+          <p:cNvSpPr>
+            <a:spLocks noChangeArrowheads="1"/>
+          </p:cNvSpPr>
+          <p:nvPr/>
+        </p:nvSpPr>
+        <p:spPr bwMode="white">
+          <a:xfrm>
+            <a:off x="0" y="0"/>
+            <a:ext cx="152400" cy="6858000"/>
+          </a:xfrm>
+          <a:prstGeom prst="rect">
+            <a:avLst/>
+          </a:prstGeom>
+          <a:solidFill>
+            <a:srgbClr val="FFFFFF"/>
+          </a:solidFill>
+          <a:ln w="9525" cap="flat" cmpd="sng" algn="ctr">
+            <a:noFill/>
+            <a:prstDash val="solid"/>
+            <a:miter lim="800000"/>
+            <a:headEnd type="none" w="med" len="med"/>
+            <a:tailEnd type="none" w="med" len="med"/>
+          </a:ln>
+          <a:effectLst/>
+        </p:spPr>
+        <p:txBody>
+          <a:bodyPr vert="horz" wrap="none" lIns="91440" tIns="45720" rIns="91440" bIns="45720" anchor="ctr" compatLnSpc="1"/>
+          <a:lstStyle/>
+          <a:p>
+            <a:endParaRPr kumimoji="0" lang="en-US"/>
+          </a:p>
+        </p:txBody>
+      </p:sp>
+      <p:sp>
+        <p:nvSpPr>
+          <p:cNvPr id="5" name="Rectangle 4"/>
+          <p:cNvSpPr>
+            <a:spLocks noChangeArrowheads="1"/>
+          </p:cNvSpPr>
+          <p:nvPr/>
+        </p:nvSpPr>
+        <p:spPr bwMode="auto">
+          <a:xfrm>
+            <a:off x="146304" y="6391656"/>
+            <a:ext cx="8833104" cy="309563"/>
+          </a:xfrm>
+          <a:prstGeom prst="rect">
+            <a:avLst/>
+          </a:prstGeom>
+          <a:solidFill>
+            <a:schemeClr val="accent3"/>
+          </a:solidFill>
+          <a:ln w="9525" cap="flat" cmpd="sng" algn="ctr">
+            <a:noFill/>
+            <a:prstDash val="solid"/>
+            <a:miter lim="800000"/>
+            <a:headEnd type="none" w="med" len="med"/>
+            <a:tailEnd type="none" w="med" len="med"/>
+          </a:ln>
+          <a:effectLst/>
+        </p:spPr>
+        <p:txBody>
+          <a:bodyPr vert="horz" wrap="none" lIns="91440" tIns="45720" rIns="91440" bIns="45720" anchor="ctr" compatLnSpc="1"/>
+          <a:lstStyle/>
+          <a:p>
+            <a:endParaRPr kumimoji="0" lang="en-US"/>
+          </a:p>
+        </p:txBody>
+      </p:sp>
+      <p:sp>
+        <p:nvSpPr>
+          <p:cNvPr id="6" name="Rectangle 5"/>
+          <p:cNvSpPr>
+            <a:spLocks noChangeArrowheads="1"/>
+          </p:cNvSpPr>
+          <p:nvPr/>
+        </p:nvSpPr>
+        <p:spPr bwMode="auto">
+          <a:xfrm>
+            <a:off x="152400" y="158496"/>
+            <a:ext cx="8833104" cy="6547104"/>
+          </a:xfrm>
+          <a:prstGeom prst="rect">
+            <a:avLst/>
+          </a:prstGeom>
+          <a:noFill/>
+          <a:ln w="9525" cap="flat" cmpd="sng" algn="ctr">
+            <a:solidFill>
+              <a:schemeClr val="accent3">
+                <a:shade val="75000"/>
+              </a:schemeClr>
+            </a:solidFill>
+            <a:prstDash val="solid"/>
+            <a:miter lim="800000"/>
+            <a:headEnd type="none" w="med" len="med"/>
+            <a:tailEnd type="none" w="med" len="med"/>
+          </a:ln>
+          <a:effectLst/>
+        </p:spPr>
+        <p:txBody>
+          <a:bodyPr vert="horz" wrap="none" lIns="91440" tIns="45720" rIns="91440" bIns="45720" anchor="ctr" compatLnSpc="1"/>
+          <a:lstStyle/>
+          <a:p>
+            <a:endParaRPr kumimoji="0" lang="en-US" dirty="0"/>
+          </a:p>
+        </p:txBody>
+      </p:sp>
+      <p:sp>
+        <p:nvSpPr>
           <p:cNvPr id="2" name="Date Placeholder 1"/>
           <p:cNvSpPr>
             <a:spLocks noGrp="1"/>
@@ -2621,10 +4375,23 @@
             <p:ph type="sldNum" sz="quarter" idx="12"/>
           </p:nvPr>
         </p:nvSpPr>
-        <p:spPr/>
+        <p:spPr>
+          <a:xfrm>
+            <a:off x="4267200" y="6324600"/>
+            <a:ext cx="609600" cy="441324"/>
+          </a:xfrm>
+        </p:spPr>
         <p:txBody>
           <a:bodyPr/>
-          <a:lstStyle/>
+          <a:lstStyle>
+            <a:lvl1pPr>
+              <a:defRPr>
+                <a:solidFill>
+                  <a:srgbClr val="FFFFFF"/>
+                </a:solidFill>
+              </a:defRPr>
+            </a:lvl1pPr>
+          </a:lstStyle>
           <a:p>
             <a:fld id="{CC4A69C8-81CC-406F-915C-D3045852239F}" type="slidenum">
               <a:rPr lang="en-US" smtClean="0"/>
@@ -2644,8 +4411,13 @@
 </file>
 
 <file path=ppt/slideLayouts/slideLayout8.xml><?xml version="1.0" encoding="utf-8"?>
-<p:sldLayout xmlns:a="http://schemas.openxmlformats.org/drawingml/2006/main" xmlns:r="http://schemas.openxmlformats.org/officeDocument/2006/relationships" xmlns:p="http://schemas.openxmlformats.org/presentationml/2006/main" type="objTx" preserve="1">
+<p:sldLayout xmlns:a="http://schemas.openxmlformats.org/drawingml/2006/main" xmlns:r="http://schemas.openxmlformats.org/officeDocument/2006/relationships" xmlns:p="http://schemas.openxmlformats.org/presentationml/2006/main" showMasterSp="0" type="objTx" preserve="1">
   <p:cSld name="Content with Caption">
+    <p:bg>
+      <p:bgRef idx="1001">
+        <a:schemeClr val="bg1"/>
+      </p:bgRef>
+    </p:bg>
     <p:spTree>
       <p:nvGrpSpPr>
         <p:cNvPr id="1" name=""/>
@@ -2662,6 +4434,232 @@
       </p:grpSpPr>
       <p:sp>
         <p:nvSpPr>
+          <p:cNvPr id="19" name="Rectangle 18"/>
+          <p:cNvSpPr>
+            <a:spLocks noChangeArrowheads="1"/>
+          </p:cNvSpPr>
+          <p:nvPr/>
+        </p:nvSpPr>
+        <p:spPr bwMode="auto">
+          <a:xfrm>
+            <a:off x="152400" y="152400"/>
+            <a:ext cx="8833104" cy="304800"/>
+          </a:xfrm>
+          <a:prstGeom prst="rect">
+            <a:avLst/>
+          </a:prstGeom>
+          <a:solidFill>
+            <a:schemeClr val="accent3"/>
+          </a:solidFill>
+          <a:ln w="9525" cap="flat" cmpd="sng" algn="ctr">
+            <a:noFill/>
+            <a:prstDash val="solid"/>
+            <a:miter lim="800000"/>
+            <a:headEnd type="none" w="med" len="med"/>
+            <a:tailEnd type="none" w="med" len="med"/>
+          </a:ln>
+          <a:effectLst/>
+        </p:spPr>
+        <p:txBody>
+          <a:bodyPr vert="horz" wrap="none" lIns="91440" tIns="45720" rIns="91440" bIns="45720" anchor="ctr" compatLnSpc="1"/>
+          <a:lstStyle/>
+          <a:p>
+            <a:endParaRPr kumimoji="0" lang="en-US"/>
+          </a:p>
+        </p:txBody>
+      </p:sp>
+      <p:sp>
+        <p:nvSpPr>
+          <p:cNvPr id="15" name="Rectangle 14"/>
+          <p:cNvSpPr>
+            <a:spLocks noChangeArrowheads="1"/>
+          </p:cNvSpPr>
+          <p:nvPr/>
+        </p:nvSpPr>
+        <p:spPr bwMode="white">
+          <a:xfrm>
+            <a:off x="0" y="6705600"/>
+            <a:ext cx="9144000" cy="152400"/>
+          </a:xfrm>
+          <a:prstGeom prst="rect">
+            <a:avLst/>
+          </a:prstGeom>
+          <a:solidFill>
+            <a:srgbClr val="FFFFFF"/>
+          </a:solidFill>
+          <a:ln w="9525" cap="flat" cmpd="sng" algn="ctr">
+            <a:noFill/>
+            <a:prstDash val="solid"/>
+            <a:miter lim="800000"/>
+            <a:headEnd type="none" w="med" len="med"/>
+            <a:tailEnd type="none" w="med" len="med"/>
+          </a:ln>
+          <a:effectLst/>
+        </p:spPr>
+        <p:txBody>
+          <a:bodyPr vert="horz" wrap="none" lIns="91440" tIns="45720" rIns="91440" bIns="45720" anchor="ctr" compatLnSpc="1"/>
+          <a:lstStyle/>
+          <a:p>
+            <a:endParaRPr kumimoji="0" lang="en-US"/>
+          </a:p>
+        </p:txBody>
+      </p:sp>
+      <p:sp>
+        <p:nvSpPr>
+          <p:cNvPr id="18" name="Rectangle 17"/>
+          <p:cNvSpPr>
+            <a:spLocks noChangeArrowheads="1"/>
+          </p:cNvSpPr>
+          <p:nvPr/>
+        </p:nvSpPr>
+        <p:spPr bwMode="white">
+          <a:xfrm>
+            <a:off x="8991600" y="0"/>
+            <a:ext cx="152400" cy="6858000"/>
+          </a:xfrm>
+          <a:prstGeom prst="rect">
+            <a:avLst/>
+          </a:prstGeom>
+          <a:solidFill>
+            <a:srgbClr val="FFFFFF"/>
+          </a:solidFill>
+          <a:ln w="9525" cap="flat" cmpd="sng" algn="ctr">
+            <a:noFill/>
+            <a:prstDash val="solid"/>
+            <a:miter lim="800000"/>
+            <a:headEnd type="none" w="med" len="med"/>
+            <a:tailEnd type="none" w="med" len="med"/>
+          </a:ln>
+          <a:effectLst/>
+        </p:spPr>
+        <p:txBody>
+          <a:bodyPr vert="horz" wrap="none" lIns="91440" tIns="45720" rIns="91440" bIns="45720" anchor="ctr" compatLnSpc="1"/>
+          <a:lstStyle/>
+          <a:p>
+            <a:endParaRPr kumimoji="0" lang="en-US"/>
+          </a:p>
+        </p:txBody>
+      </p:sp>
+      <p:sp>
+        <p:nvSpPr>
+          <p:cNvPr id="16" name="Rectangle 15"/>
+          <p:cNvSpPr>
+            <a:spLocks noChangeArrowheads="1"/>
+          </p:cNvSpPr>
+          <p:nvPr/>
+        </p:nvSpPr>
+        <p:spPr bwMode="white">
+          <a:xfrm>
+            <a:off x="0" y="0"/>
+            <a:ext cx="9144000" cy="118872"/>
+          </a:xfrm>
+          <a:prstGeom prst="rect">
+            <a:avLst/>
+          </a:prstGeom>
+          <a:solidFill>
+            <a:srgbClr val="FFFFFF"/>
+          </a:solidFill>
+          <a:ln w="9525" cap="flat" cmpd="sng" algn="ctr">
+            <a:noFill/>
+            <a:prstDash val="solid"/>
+            <a:miter lim="800000"/>
+            <a:headEnd type="none" w="med" len="med"/>
+            <a:tailEnd type="none" w="med" len="med"/>
+          </a:ln>
+          <a:effectLst/>
+        </p:spPr>
+        <p:txBody>
+          <a:bodyPr vert="horz" wrap="none" lIns="91440" tIns="45720" rIns="91440" bIns="45720" anchor="ctr" compatLnSpc="1"/>
+          <a:lstStyle/>
+          <a:p>
+            <a:endParaRPr kumimoji="0" lang="en-US"/>
+          </a:p>
+        </p:txBody>
+      </p:sp>
+      <p:sp>
+        <p:nvSpPr>
+          <p:cNvPr id="17" name="Rectangle 16"/>
+          <p:cNvSpPr>
+            <a:spLocks noChangeArrowheads="1"/>
+          </p:cNvSpPr>
+          <p:nvPr/>
+        </p:nvSpPr>
+        <p:spPr bwMode="white">
+          <a:xfrm>
+            <a:off x="0" y="0"/>
+            <a:ext cx="152400" cy="6858000"/>
+          </a:xfrm>
+          <a:prstGeom prst="rect">
+            <a:avLst/>
+          </a:prstGeom>
+          <a:solidFill>
+            <a:srgbClr val="FFFFFF"/>
+          </a:solidFill>
+          <a:ln w="9525" cap="flat" cmpd="sng" algn="ctr">
+            <a:noFill/>
+            <a:prstDash val="solid"/>
+            <a:miter lim="800000"/>
+            <a:headEnd type="none" w="med" len="med"/>
+            <a:tailEnd type="none" w="med" len="med"/>
+          </a:ln>
+          <a:effectLst/>
+        </p:spPr>
+        <p:txBody>
+          <a:bodyPr vert="horz" wrap="none" lIns="91440" tIns="45720" rIns="91440" bIns="45720" anchor="ctr" compatLnSpc="1"/>
+          <a:lstStyle/>
+          <a:p>
+            <a:endParaRPr kumimoji="0" lang="en-US"/>
+          </a:p>
+        </p:txBody>
+      </p:sp>
+      <p:sp>
+        <p:nvSpPr>
+          <p:cNvPr id="13" name="Rectangle 12"/>
+          <p:cNvSpPr/>
+          <p:nvPr/>
+        </p:nvSpPr>
+        <p:spPr>
+          <a:xfrm>
+            <a:off x="152400" y="609600"/>
+            <a:ext cx="2743200" cy="5867400"/>
+          </a:xfrm>
+          <a:prstGeom prst="rect">
+            <a:avLst/>
+          </a:prstGeom>
+          <a:solidFill>
+            <a:schemeClr val="accent1"/>
+          </a:solidFill>
+          <a:ln w="15875" cap="rnd" cmpd="sng" algn="ctr">
+            <a:noFill/>
+            <a:prstDash val="solid"/>
+          </a:ln>
+          <a:effectLst/>
+        </p:spPr>
+        <p:style>
+          <a:lnRef idx="3">
+            <a:schemeClr val="lt1"/>
+          </a:lnRef>
+          <a:fillRef idx="1">
+            <a:schemeClr val="accent1"/>
+          </a:fillRef>
+          <a:effectRef idx="1">
+            <a:schemeClr val="accent1"/>
+          </a:effectRef>
+          <a:fontRef idx="minor">
+            <a:schemeClr val="lt1"/>
+          </a:fontRef>
+        </p:style>
+        <p:txBody>
+          <a:bodyPr anchor="ctr"/>
+          <a:lstStyle/>
+          <a:p>
+            <a:pPr algn="ctr" eaLnBrk="1" latinLnBrk="0" hangingPunct="1"/>
+            <a:endParaRPr kumimoji="0" lang="en-US"/>
+          </a:p>
+        </p:txBody>
+      </p:sp>
+      <p:sp>
+        <p:nvSpPr>
           <p:cNvPr id="2" name="Title 1"/>
           <p:cNvSpPr>
             <a:spLocks noGrp="1"/>
@@ -2672,173 +4670,390 @@
         </p:nvSpPr>
         <p:spPr>
           <a:xfrm>
-            <a:off x="457200" y="273050"/>
-            <a:ext cx="3008313" cy="1162050"/>
-          </a:xfrm>
-        </p:spPr>
-        <p:txBody>
-          <a:bodyPr anchor="b"/>
+            <a:off x="381000" y="914400"/>
+            <a:ext cx="2362200" cy="990600"/>
+          </a:xfrm>
+        </p:spPr>
+        <p:txBody>
+          <a:bodyPr anchor="b">
+            <a:noAutofit/>
+          </a:bodyPr>
           <a:lstStyle>
             <a:lvl1pPr algn="l">
-              <a:defRPr sz="2000" b="1"/>
+              <a:buNone/>
+              <a:defRPr sz="2200" b="1">
+                <a:solidFill>
+                  <a:srgbClr val="FFFFFF"/>
+                </a:solidFill>
+              </a:defRPr>
             </a:lvl1pPr>
           </a:lstStyle>
           <a:p>
             <a:r>
+              <a:rPr kumimoji="0" lang="en-US" smtClean="0"/>
+              <a:t>Click to edit Master title style</a:t>
+            </a:r>
+            <a:endParaRPr kumimoji="0" lang="en-US"/>
+          </a:p>
+        </p:txBody>
+      </p:sp>
+      <p:sp>
+        <p:nvSpPr>
+          <p:cNvPr id="3" name="Text Placeholder 2"/>
+          <p:cNvSpPr>
+            <a:spLocks noGrp="1"/>
+          </p:cNvSpPr>
+          <p:nvPr>
+            <p:ph type="body" idx="2"/>
+          </p:nvPr>
+        </p:nvSpPr>
+        <p:spPr>
+          <a:xfrm>
+            <a:off x="381000" y="1981200"/>
+            <a:ext cx="2362200" cy="4144963"/>
+          </a:xfrm>
+        </p:spPr>
+        <p:txBody>
+          <a:bodyPr/>
+          <a:lstStyle>
+            <a:lvl1pPr marL="0" indent="0">
+              <a:spcAft>
+                <a:spcPts val="1000"/>
+              </a:spcAft>
+              <a:buNone/>
+              <a:defRPr sz="1600">
+                <a:solidFill>
+                  <a:srgbClr val="FFFFFF"/>
+                </a:solidFill>
+              </a:defRPr>
+            </a:lvl1pPr>
+            <a:lvl2pPr>
+              <a:buNone/>
+              <a:defRPr sz="1200"/>
+            </a:lvl2pPr>
+            <a:lvl3pPr>
+              <a:buNone/>
+              <a:defRPr sz="1000"/>
+            </a:lvl3pPr>
+            <a:lvl4pPr>
+              <a:buNone/>
+              <a:defRPr sz="900"/>
+            </a:lvl4pPr>
+            <a:lvl5pPr>
+              <a:buNone/>
+              <a:defRPr sz="900"/>
+            </a:lvl5pPr>
+          </a:lstStyle>
+          <a:p>
+            <a:pPr lvl="0" eaLnBrk="1" latinLnBrk="0" hangingPunct="1"/>
+            <a:r>
+              <a:rPr kumimoji="0" lang="en-US" smtClean="0"/>
+              <a:t>Click to edit Master text styles</a:t>
+            </a:r>
+          </a:p>
+        </p:txBody>
+      </p:sp>
+      <p:sp>
+        <p:nvSpPr>
+          <p:cNvPr id="8" name="Rectangle 7"/>
+          <p:cNvSpPr>
+            <a:spLocks noChangeArrowheads="1"/>
+          </p:cNvSpPr>
+          <p:nvPr/>
+        </p:nvSpPr>
+        <p:spPr bwMode="auto">
+          <a:xfrm>
+            <a:off x="152400" y="152400"/>
+            <a:ext cx="8833104" cy="6547104"/>
+          </a:xfrm>
+          <a:prstGeom prst="rect">
+            <a:avLst/>
+          </a:prstGeom>
+          <a:noFill/>
+          <a:ln w="9525" cap="flat" cmpd="sng" algn="ctr">
+            <a:solidFill>
+              <a:schemeClr val="accent3">
+                <a:shade val="75000"/>
+              </a:schemeClr>
+            </a:solidFill>
+            <a:prstDash val="solid"/>
+            <a:miter lim="800000"/>
+            <a:headEnd type="none" w="med" len="med"/>
+            <a:tailEnd type="none" w="med" len="med"/>
+          </a:ln>
+          <a:effectLst/>
+        </p:spPr>
+        <p:txBody>
+          <a:bodyPr vert="horz" wrap="none" lIns="91440" tIns="45720" rIns="91440" bIns="45720" anchor="ctr" compatLnSpc="1"/>
+          <a:lstStyle/>
+          <a:p>
+            <a:endParaRPr kumimoji="0" lang="en-US" dirty="0"/>
+          </a:p>
+        </p:txBody>
+      </p:sp>
+      <p:sp>
+        <p:nvSpPr>
+          <p:cNvPr id="9" name="Straight Connector 8"/>
+          <p:cNvSpPr>
+            <a:spLocks noChangeShapeType="1"/>
+          </p:cNvSpPr>
+          <p:nvPr/>
+        </p:nvSpPr>
+        <p:spPr bwMode="auto">
+          <a:xfrm>
+            <a:off x="152400" y="533400"/>
+            <a:ext cx="8833104" cy="0"/>
+          </a:xfrm>
+          <a:prstGeom prst="line">
+            <a:avLst/>
+          </a:prstGeom>
+          <a:noFill/>
+          <a:ln w="11430" cap="flat" cmpd="sng" algn="ctr">
+            <a:solidFill>
+              <a:schemeClr val="accent3">
+                <a:shade val="75000"/>
+              </a:schemeClr>
+            </a:solidFill>
+            <a:prstDash val="sysDash"/>
+            <a:round/>
+            <a:headEnd type="none" w="med" len="med"/>
+            <a:tailEnd type="none" w="med" len="med"/>
+          </a:ln>
+          <a:effectLst/>
+        </p:spPr>
+        <p:txBody>
+          <a:bodyPr vert="horz" wrap="none" lIns="91440" tIns="45720" rIns="91440" bIns="45720" anchor="ctr" compatLnSpc="1"/>
+          <a:lstStyle/>
+          <a:p>
+            <a:endParaRPr kumimoji="0" lang="en-US"/>
+          </a:p>
+        </p:txBody>
+      </p:sp>
+      <p:sp>
+        <p:nvSpPr>
+          <p:cNvPr id="20" name="Content Placeholder 19"/>
+          <p:cNvSpPr>
+            <a:spLocks noGrp="1"/>
+          </p:cNvSpPr>
+          <p:nvPr>
+            <p:ph sz="quarter" idx="1"/>
+          </p:nvPr>
+        </p:nvSpPr>
+        <p:spPr>
+          <a:xfrm>
+            <a:off x="3124200" y="685800"/>
+            <a:ext cx="5638800" cy="5410200"/>
+          </a:xfrm>
+        </p:spPr>
+        <p:txBody>
+          <a:bodyPr/>
+          <a:lstStyle/>
+          <a:p>
+            <a:pPr lvl="0" eaLnBrk="1" latinLnBrk="0" hangingPunct="1"/>
+            <a:r>
               <a:rPr lang="en-US" smtClean="0"/>
-              <a:t>Click to edit Master title style</a:t>
-            </a:r>
-            <a:endParaRPr lang="en-US"/>
-          </a:p>
-        </p:txBody>
-      </p:sp>
-      <p:sp>
-        <p:nvSpPr>
-          <p:cNvPr id="3" name="Content Placeholder 2"/>
-          <p:cNvSpPr>
-            <a:spLocks noGrp="1"/>
-          </p:cNvSpPr>
-          <p:nvPr>
-            <p:ph idx="1"/>
-          </p:nvPr>
+              <a:t>Click to edit Master text styles</a:t>
+            </a:r>
+          </a:p>
+          <a:p>
+            <a:pPr lvl="1" eaLnBrk="1" latinLnBrk="0" hangingPunct="1"/>
+            <a:r>
+              <a:rPr lang="en-US" smtClean="0"/>
+              <a:t>Second level</a:t>
+            </a:r>
+          </a:p>
+          <a:p>
+            <a:pPr lvl="2" eaLnBrk="1" latinLnBrk="0" hangingPunct="1"/>
+            <a:r>
+              <a:rPr lang="en-US" smtClean="0"/>
+              <a:t>Third level</a:t>
+            </a:r>
+          </a:p>
+          <a:p>
+            <a:pPr lvl="3" eaLnBrk="1" latinLnBrk="0" hangingPunct="1"/>
+            <a:r>
+              <a:rPr lang="en-US" smtClean="0"/>
+              <a:t>Fourth level</a:t>
+            </a:r>
+          </a:p>
+          <a:p>
+            <a:pPr lvl="4" eaLnBrk="1" latinLnBrk="0" hangingPunct="1"/>
+            <a:r>
+              <a:rPr lang="en-US" smtClean="0"/>
+              <a:t>Fifth level</a:t>
+            </a:r>
+            <a:endParaRPr kumimoji="0" lang="en-US"/>
+          </a:p>
+        </p:txBody>
+      </p:sp>
+      <p:sp>
+        <p:nvSpPr>
+          <p:cNvPr id="10" name="Oval 9"/>
+          <p:cNvSpPr/>
+          <p:nvPr/>
         </p:nvSpPr>
         <p:spPr>
           <a:xfrm>
-            <a:off x="3575050" y="273050"/>
-            <a:ext cx="5111750" cy="5853113"/>
+            <a:off x="1295400" y="228600"/>
+            <a:ext cx="609600" cy="609600"/>
+          </a:xfrm>
+          <a:prstGeom prst="ellipse">
+            <a:avLst/>
+          </a:prstGeom>
+          <a:solidFill>
+            <a:srgbClr val="FFFFFF"/>
+          </a:solidFill>
+          <a:ln w="15875" cap="rnd" cmpd="sng" algn="ctr">
+            <a:noFill/>
+            <a:prstDash val="solid"/>
+          </a:ln>
+          <a:effectLst/>
+        </p:spPr>
+        <p:style>
+          <a:lnRef idx="3">
+            <a:schemeClr val="lt1"/>
+          </a:lnRef>
+          <a:fillRef idx="1">
+            <a:schemeClr val="accent1"/>
+          </a:fillRef>
+          <a:effectRef idx="1">
+            <a:schemeClr val="accent1"/>
+          </a:effectRef>
+          <a:fontRef idx="minor">
+            <a:schemeClr val="lt1"/>
+          </a:fontRef>
+        </p:style>
+        <p:txBody>
+          <a:bodyPr anchor="ctr"/>
+          <a:lstStyle/>
+          <a:p>
+            <a:pPr algn="ctr" eaLnBrk="1" latinLnBrk="0" hangingPunct="1"/>
+            <a:endParaRPr kumimoji="0" lang="en-US"/>
+          </a:p>
+        </p:txBody>
+      </p:sp>
+      <p:sp>
+        <p:nvSpPr>
+          <p:cNvPr id="11" name="Oval 10"/>
+          <p:cNvSpPr/>
+          <p:nvPr/>
+        </p:nvSpPr>
+        <p:spPr>
+          <a:xfrm>
+            <a:off x="1389888" y="323088"/>
+            <a:ext cx="420624" cy="420624"/>
+          </a:xfrm>
+          <a:prstGeom prst="ellipse">
+            <a:avLst/>
+          </a:prstGeom>
+          <a:solidFill>
+            <a:srgbClr val="FFFFFF"/>
+          </a:solidFill>
+          <a:ln w="50800" cap="rnd" cmpd="dbl" algn="ctr">
+            <a:solidFill>
+              <a:schemeClr val="accent3">
+                <a:shade val="75000"/>
+              </a:schemeClr>
+            </a:solidFill>
+            <a:prstDash val="solid"/>
+          </a:ln>
+          <a:effectLst/>
+        </p:spPr>
+        <p:style>
+          <a:lnRef idx="3">
+            <a:schemeClr val="lt1"/>
+          </a:lnRef>
+          <a:fillRef idx="1">
+            <a:schemeClr val="accent1"/>
+          </a:fillRef>
+          <a:effectRef idx="1">
+            <a:schemeClr val="accent1"/>
+          </a:effectRef>
+          <a:fontRef idx="minor">
+            <a:schemeClr val="lt1"/>
+          </a:fontRef>
+        </p:style>
+        <p:txBody>
+          <a:bodyPr anchor="ctr"/>
+          <a:lstStyle/>
+          <a:p>
+            <a:pPr algn="ctr" eaLnBrk="1" latinLnBrk="0" hangingPunct="1"/>
+            <a:endParaRPr kumimoji="0" lang="en-US"/>
+          </a:p>
+        </p:txBody>
+      </p:sp>
+      <p:sp>
+        <p:nvSpPr>
+          <p:cNvPr id="7" name="Slide Number Placeholder 6"/>
+          <p:cNvSpPr>
+            <a:spLocks noGrp="1"/>
+          </p:cNvSpPr>
+          <p:nvPr>
+            <p:ph type="sldNum" sz="quarter" idx="12"/>
+          </p:nvPr>
+        </p:nvSpPr>
+        <p:spPr>
+          <a:xfrm>
+            <a:off x="1371600" y="312738"/>
+            <a:ext cx="457200" cy="441325"/>
           </a:xfrm>
         </p:spPr>
         <p:txBody>
           <a:bodyPr/>
           <a:lstStyle>
             <a:lvl1pPr>
-              <a:defRPr sz="3200"/>
+              <a:defRPr>
+                <a:solidFill>
+                  <a:schemeClr val="accent3">
+                    <a:shade val="75000"/>
+                  </a:schemeClr>
+                </a:solidFill>
+              </a:defRPr>
             </a:lvl1pPr>
-            <a:lvl2pPr>
-              <a:defRPr sz="2800"/>
-            </a:lvl2pPr>
-            <a:lvl3pPr>
-              <a:defRPr sz="2400"/>
-            </a:lvl3pPr>
-            <a:lvl4pPr>
-              <a:defRPr sz="2000"/>
-            </a:lvl4pPr>
-            <a:lvl5pPr>
-              <a:defRPr sz="2000"/>
-            </a:lvl5pPr>
-            <a:lvl6pPr>
-              <a:defRPr sz="2000"/>
-            </a:lvl6pPr>
-            <a:lvl7pPr>
-              <a:defRPr sz="2000"/>
-            </a:lvl7pPr>
-            <a:lvl8pPr>
-              <a:defRPr sz="2000"/>
-            </a:lvl8pPr>
-            <a:lvl9pPr>
-              <a:defRPr sz="2000"/>
-            </a:lvl9pPr>
           </a:lstStyle>
           <a:p>
-            <a:pPr lvl="0"/>
-            <a:r>
+            <a:fld id="{CC4A69C8-81CC-406F-915C-D3045852239F}" type="slidenum">
               <a:rPr lang="en-US" smtClean="0"/>
-              <a:t>Click to edit Master text styles</a:t>
-            </a:r>
-          </a:p>
-          <a:p>
-            <a:pPr lvl="1"/>
-            <a:r>
-              <a:rPr lang="en-US" smtClean="0"/>
-              <a:t>Second level</a:t>
-            </a:r>
-          </a:p>
-          <a:p>
-            <a:pPr lvl="2"/>
-            <a:r>
-              <a:rPr lang="en-US" smtClean="0"/>
-              <a:t>Third level</a:t>
-            </a:r>
-          </a:p>
-          <a:p>
-            <a:pPr lvl="3"/>
-            <a:r>
-              <a:rPr lang="en-US" smtClean="0"/>
-              <a:t>Fourth level</a:t>
-            </a:r>
-          </a:p>
-          <a:p>
-            <a:pPr lvl="4"/>
-            <a:r>
-              <a:rPr lang="en-US" smtClean="0"/>
-              <a:t>Fifth level</a:t>
-            </a:r>
+              <a:pPr/>
+              <a:t>‹#›</a:t>
+            </a:fld>
             <a:endParaRPr lang="en-US"/>
           </a:p>
         </p:txBody>
       </p:sp>
       <p:sp>
         <p:nvSpPr>
-          <p:cNvPr id="4" name="Text Placeholder 3"/>
-          <p:cNvSpPr>
-            <a:spLocks noGrp="1"/>
-          </p:cNvSpPr>
-          <p:nvPr>
-            <p:ph type="body" sz="half" idx="2"/>
-          </p:nvPr>
-        </p:nvSpPr>
-        <p:spPr>
-          <a:xfrm>
-            <a:off x="457200" y="1435100"/>
-            <a:ext cx="3008313" cy="4691063"/>
-          </a:xfrm>
-        </p:spPr>
-        <p:txBody>
-          <a:bodyPr/>
-          <a:lstStyle>
-            <a:lvl1pPr marL="0" indent="0">
-              <a:buNone/>
-              <a:defRPr sz="1400"/>
-            </a:lvl1pPr>
-            <a:lvl2pPr marL="457200" indent="0">
-              <a:buNone/>
-              <a:defRPr sz="1200"/>
-            </a:lvl2pPr>
-            <a:lvl3pPr marL="914400" indent="0">
-              <a:buNone/>
-              <a:defRPr sz="1000"/>
-            </a:lvl3pPr>
-            <a:lvl4pPr marL="1371600" indent="0">
-              <a:buNone/>
-              <a:defRPr sz="900"/>
-            </a:lvl4pPr>
-            <a:lvl5pPr marL="1828800" indent="0">
-              <a:buNone/>
-              <a:defRPr sz="900"/>
-            </a:lvl5pPr>
-            <a:lvl6pPr marL="2286000" indent="0">
-              <a:buNone/>
-              <a:defRPr sz="900"/>
-            </a:lvl6pPr>
-            <a:lvl7pPr marL="2743200" indent="0">
-              <a:buNone/>
-              <a:defRPr sz="900"/>
-            </a:lvl7pPr>
-            <a:lvl8pPr marL="3200400" indent="0">
-              <a:buNone/>
-              <a:defRPr sz="900"/>
-            </a:lvl8pPr>
-            <a:lvl9pPr marL="3657600" indent="0">
-              <a:buNone/>
-              <a:defRPr sz="900"/>
-            </a:lvl9pPr>
-          </a:lstStyle>
-          <a:p>
-            <a:pPr lvl="0"/>
-            <a:r>
-              <a:rPr lang="en-US" smtClean="0"/>
-              <a:t>Click to edit Master text styles</a:t>
-            </a:r>
+          <p:cNvPr id="21" name="Rectangle 20"/>
+          <p:cNvSpPr>
+            <a:spLocks noChangeArrowheads="1"/>
+          </p:cNvSpPr>
+          <p:nvPr/>
+        </p:nvSpPr>
+        <p:spPr bwMode="auto">
+          <a:xfrm>
+            <a:off x="149352" y="6388385"/>
+            <a:ext cx="8833104" cy="309563"/>
+          </a:xfrm>
+          <a:prstGeom prst="rect">
+            <a:avLst/>
+          </a:prstGeom>
+          <a:solidFill>
+            <a:schemeClr val="accent3"/>
+          </a:solidFill>
+          <a:ln w="9525" cap="flat" cmpd="sng" algn="ctr">
+            <a:noFill/>
+            <a:prstDash val="solid"/>
+            <a:miter lim="800000"/>
+            <a:headEnd type="none" w="med" len="med"/>
+            <a:tailEnd type="none" w="med" len="med"/>
+          </a:ln>
+          <a:effectLst/>
+        </p:spPr>
+        <p:txBody>
+          <a:bodyPr vert="horz" wrap="none" lIns="91440" tIns="45720" rIns="91440" bIns="45720" anchor="ctr" compatLnSpc="1"/>
+          <a:lstStyle/>
+          <a:p>
+            <a:endParaRPr kumimoji="0" lang="en-US"/>
           </a:p>
         </p:txBody>
       </p:sp>
@@ -2876,35 +5091,16 @@
             <p:ph type="ftr" sz="quarter" idx="11"/>
           </p:nvPr>
         </p:nvSpPr>
-        <p:spPr/>
+        <p:spPr>
+          <a:xfrm>
+            <a:off x="301752" y="6410848"/>
+            <a:ext cx="3383280" cy="365760"/>
+          </a:xfrm>
+        </p:spPr>
         <p:txBody>
           <a:bodyPr/>
           <a:lstStyle/>
           <a:p>
-            <a:endParaRPr lang="en-US"/>
-          </a:p>
-        </p:txBody>
-      </p:sp>
-      <p:sp>
-        <p:nvSpPr>
-          <p:cNvPr id="7" name="Slide Number Placeholder 6"/>
-          <p:cNvSpPr>
-            <a:spLocks noGrp="1"/>
-          </p:cNvSpPr>
-          <p:nvPr>
-            <p:ph type="sldNum" sz="quarter" idx="12"/>
-          </p:nvPr>
-        </p:nvSpPr>
-        <p:spPr/>
-        <p:txBody>
-          <a:bodyPr/>
-          <a:lstStyle/>
-          <a:p>
-            <a:fld id="{CC4A69C8-81CC-406F-915C-D3045852239F}" type="slidenum">
-              <a:rPr lang="en-US" smtClean="0"/>
-              <a:pPr/>
-              <a:t>‹#›</a:t>
-            </a:fld>
             <a:endParaRPr lang="en-US"/>
           </a:p>
         </p:txBody>
@@ -2912,13 +5108,13 @@
     </p:spTree>
   </p:cSld>
   <p:clrMapOvr>
-    <a:masterClrMapping/>
+    <a:overrideClrMapping bg1="lt1" tx1="dk1" bg2="lt2" tx2="dk2" accent1="accent1" accent2="accent2" accent3="accent3" accent4="accent4" accent5="accent5" accent6="accent6" hlink="hlink" folHlink="folHlink"/>
   </p:clrMapOvr>
 </p:sldLayout>
 </file>
 
 <file path=ppt/slideLayouts/slideLayout9.xml><?xml version="1.0" encoding="utf-8"?>
-<p:sldLayout xmlns:a="http://schemas.openxmlformats.org/drawingml/2006/main" xmlns:r="http://schemas.openxmlformats.org/officeDocument/2006/relationships" xmlns:p="http://schemas.openxmlformats.org/presentationml/2006/main" type="picTx" preserve="1">
+<p:sldLayout xmlns:a="http://schemas.openxmlformats.org/drawingml/2006/main" xmlns:r="http://schemas.openxmlformats.org/officeDocument/2006/relationships" xmlns:p="http://schemas.openxmlformats.org/presentationml/2006/main" showMasterSp="0" type="picTx" preserve="1">
   <p:cSld name="Picture with Caption">
     <p:spTree>
       <p:nvGrpSpPr>
@@ -2936,6 +5132,433 @@
       </p:grpSpPr>
       <p:sp>
         <p:nvSpPr>
+          <p:cNvPr id="21" name="Straight Connector 20"/>
+          <p:cNvSpPr>
+            <a:spLocks noChangeShapeType="1"/>
+          </p:cNvSpPr>
+          <p:nvPr/>
+        </p:nvSpPr>
+        <p:spPr bwMode="auto">
+          <a:xfrm>
+            <a:off x="152400" y="533400"/>
+            <a:ext cx="8833104" cy="0"/>
+          </a:xfrm>
+          <a:prstGeom prst="line">
+            <a:avLst/>
+          </a:prstGeom>
+          <a:noFill/>
+          <a:ln w="11430" cap="flat" cmpd="sng" algn="ctr">
+            <a:solidFill>
+              <a:schemeClr val="accent3">
+                <a:shade val="75000"/>
+              </a:schemeClr>
+            </a:solidFill>
+            <a:prstDash val="sysDash"/>
+            <a:round/>
+            <a:headEnd type="none" w="med" len="med"/>
+            <a:tailEnd type="none" w="med" len="med"/>
+          </a:ln>
+          <a:effectLst/>
+        </p:spPr>
+        <p:txBody>
+          <a:bodyPr vert="horz" wrap="none" lIns="91440" tIns="45720" rIns="91440" bIns="45720" anchor="ctr" compatLnSpc="1"/>
+          <a:lstStyle/>
+          <a:p>
+            <a:endParaRPr kumimoji="0" lang="en-US"/>
+          </a:p>
+        </p:txBody>
+      </p:sp>
+      <p:sp>
+        <p:nvSpPr>
+          <p:cNvPr id="19" name="Rectangle 18"/>
+          <p:cNvSpPr>
+            <a:spLocks noChangeArrowheads="1"/>
+          </p:cNvSpPr>
+          <p:nvPr/>
+        </p:nvSpPr>
+        <p:spPr bwMode="white">
+          <a:xfrm>
+            <a:off x="0" y="6705600"/>
+            <a:ext cx="9144000" cy="152400"/>
+          </a:xfrm>
+          <a:prstGeom prst="rect">
+            <a:avLst/>
+          </a:prstGeom>
+          <a:solidFill>
+            <a:srgbClr val="FFFFFF"/>
+          </a:solidFill>
+          <a:ln w="9525" cap="flat" cmpd="sng" algn="ctr">
+            <a:noFill/>
+            <a:prstDash val="solid"/>
+            <a:miter lim="800000"/>
+            <a:headEnd type="none" w="med" len="med"/>
+            <a:tailEnd type="none" w="med" len="med"/>
+          </a:ln>
+          <a:effectLst/>
+        </p:spPr>
+        <p:txBody>
+          <a:bodyPr vert="horz" wrap="none" lIns="91440" tIns="45720" rIns="91440" bIns="45720" anchor="ctr" compatLnSpc="1"/>
+          <a:lstStyle/>
+          <a:p>
+            <a:endParaRPr kumimoji="0" lang="en-US"/>
+          </a:p>
+        </p:txBody>
+      </p:sp>
+      <p:sp>
+        <p:nvSpPr>
+          <p:cNvPr id="16" name="Rectangle 15"/>
+          <p:cNvSpPr>
+            <a:spLocks noChangeArrowheads="1"/>
+          </p:cNvSpPr>
+          <p:nvPr/>
+        </p:nvSpPr>
+        <p:spPr bwMode="white">
+          <a:xfrm>
+            <a:off x="8991600" y="0"/>
+            <a:ext cx="152400" cy="6858000"/>
+          </a:xfrm>
+          <a:prstGeom prst="rect">
+            <a:avLst/>
+          </a:prstGeom>
+          <a:solidFill>
+            <a:srgbClr val="FFFFFF"/>
+          </a:solidFill>
+          <a:ln w="9525" cap="flat" cmpd="sng" algn="ctr">
+            <a:noFill/>
+            <a:prstDash val="solid"/>
+            <a:miter lim="800000"/>
+            <a:headEnd type="none" w="med" len="med"/>
+            <a:tailEnd type="none" w="med" len="med"/>
+          </a:ln>
+          <a:effectLst/>
+        </p:spPr>
+        <p:txBody>
+          <a:bodyPr vert="horz" wrap="none" lIns="91440" tIns="45720" rIns="91440" bIns="45720" anchor="ctr" compatLnSpc="1"/>
+          <a:lstStyle/>
+          <a:p>
+            <a:endParaRPr kumimoji="0" lang="en-US"/>
+          </a:p>
+        </p:txBody>
+      </p:sp>
+      <p:sp>
+        <p:nvSpPr>
+          <p:cNvPr id="17" name="Rectangle 16"/>
+          <p:cNvSpPr>
+            <a:spLocks noChangeArrowheads="1"/>
+          </p:cNvSpPr>
+          <p:nvPr/>
+        </p:nvSpPr>
+        <p:spPr bwMode="white">
+          <a:xfrm>
+            <a:off x="0" y="0"/>
+            <a:ext cx="9144000" cy="152400"/>
+          </a:xfrm>
+          <a:prstGeom prst="rect">
+            <a:avLst/>
+          </a:prstGeom>
+          <a:solidFill>
+            <a:srgbClr val="FFFFFF"/>
+          </a:solidFill>
+          <a:ln w="9525" cap="flat" cmpd="sng" algn="ctr">
+            <a:noFill/>
+            <a:prstDash val="solid"/>
+            <a:miter lim="800000"/>
+            <a:headEnd type="none" w="med" len="med"/>
+            <a:tailEnd type="none" w="med" len="med"/>
+          </a:ln>
+          <a:effectLst/>
+        </p:spPr>
+        <p:txBody>
+          <a:bodyPr vert="horz" wrap="none" lIns="91440" tIns="45720" rIns="91440" bIns="45720" anchor="ctr" compatLnSpc="1"/>
+          <a:lstStyle/>
+          <a:p>
+            <a:endParaRPr kumimoji="0" lang="en-US"/>
+          </a:p>
+        </p:txBody>
+      </p:sp>
+      <p:sp>
+        <p:nvSpPr>
+          <p:cNvPr id="18" name="Rectangle 17"/>
+          <p:cNvSpPr>
+            <a:spLocks noChangeArrowheads="1"/>
+          </p:cNvSpPr>
+          <p:nvPr/>
+        </p:nvSpPr>
+        <p:spPr bwMode="white">
+          <a:xfrm>
+            <a:off x="0" y="0"/>
+            <a:ext cx="152400" cy="6858000"/>
+          </a:xfrm>
+          <a:prstGeom prst="rect">
+            <a:avLst/>
+          </a:prstGeom>
+          <a:solidFill>
+            <a:srgbClr val="FFFFFF"/>
+          </a:solidFill>
+          <a:ln w="9525" cap="flat" cmpd="sng" algn="ctr">
+            <a:noFill/>
+            <a:prstDash val="solid"/>
+            <a:miter lim="800000"/>
+            <a:headEnd type="none" w="med" len="med"/>
+            <a:tailEnd type="none" w="med" len="med"/>
+          </a:ln>
+          <a:effectLst/>
+        </p:spPr>
+        <p:txBody>
+          <a:bodyPr vert="horz" wrap="none" lIns="91440" tIns="45720" rIns="91440" bIns="45720" anchor="ctr" compatLnSpc="1"/>
+          <a:lstStyle/>
+          <a:p>
+            <a:endParaRPr kumimoji="0" lang="en-US" dirty="0"/>
+          </a:p>
+        </p:txBody>
+      </p:sp>
+      <p:sp>
+        <p:nvSpPr>
+          <p:cNvPr id="20" name="Rectangle 19"/>
+          <p:cNvSpPr>
+            <a:spLocks noChangeArrowheads="1"/>
+          </p:cNvSpPr>
+          <p:nvPr/>
+        </p:nvSpPr>
+        <p:spPr bwMode="auto">
+          <a:xfrm>
+            <a:off x="152400" y="152400"/>
+            <a:ext cx="8833104" cy="301752"/>
+          </a:xfrm>
+          <a:prstGeom prst="rect">
+            <a:avLst/>
+          </a:prstGeom>
+          <a:solidFill>
+            <a:schemeClr val="accent3"/>
+          </a:solidFill>
+          <a:ln w="9525" cap="flat" cmpd="sng" algn="ctr">
+            <a:noFill/>
+            <a:prstDash val="solid"/>
+            <a:miter lim="800000"/>
+            <a:headEnd type="none" w="med" len="med"/>
+            <a:tailEnd type="none" w="med" len="med"/>
+          </a:ln>
+          <a:effectLst/>
+        </p:spPr>
+        <p:txBody>
+          <a:bodyPr vert="horz" wrap="none" lIns="91440" tIns="45720" rIns="91440" bIns="45720" anchor="ctr" compatLnSpc="1"/>
+          <a:lstStyle/>
+          <a:p>
+            <a:endParaRPr kumimoji="0" lang="en-US"/>
+          </a:p>
+        </p:txBody>
+      </p:sp>
+      <p:sp>
+        <p:nvSpPr>
+          <p:cNvPr id="8" name="Rectangle 7"/>
+          <p:cNvSpPr/>
+          <p:nvPr/>
+        </p:nvSpPr>
+        <p:spPr>
+          <a:xfrm>
+            <a:off x="152400" y="609600"/>
+            <a:ext cx="2743200" cy="5867400"/>
+          </a:xfrm>
+          <a:prstGeom prst="rect">
+            <a:avLst/>
+          </a:prstGeom>
+          <a:solidFill>
+            <a:schemeClr val="accent1"/>
+          </a:solidFill>
+          <a:ln w="15875" cap="rnd" cmpd="sng" algn="ctr">
+            <a:noFill/>
+            <a:prstDash val="solid"/>
+          </a:ln>
+          <a:effectLst/>
+        </p:spPr>
+        <p:style>
+          <a:lnRef idx="3">
+            <a:schemeClr val="lt1"/>
+          </a:lnRef>
+          <a:fillRef idx="1">
+            <a:schemeClr val="accent1"/>
+          </a:fillRef>
+          <a:effectRef idx="1">
+            <a:schemeClr val="accent1"/>
+          </a:effectRef>
+          <a:fontRef idx="minor">
+            <a:schemeClr val="lt1"/>
+          </a:fontRef>
+        </p:style>
+        <p:txBody>
+          <a:bodyPr anchor="ctr"/>
+          <a:lstStyle/>
+          <a:p>
+            <a:pPr algn="ctr" eaLnBrk="1" latinLnBrk="0" hangingPunct="1"/>
+            <a:endParaRPr kumimoji="0" lang="en-US"/>
+          </a:p>
+        </p:txBody>
+      </p:sp>
+      <p:sp>
+        <p:nvSpPr>
+          <p:cNvPr id="15" name="Rectangle 14"/>
+          <p:cNvSpPr>
+            <a:spLocks noChangeArrowheads="1"/>
+          </p:cNvSpPr>
+          <p:nvPr/>
+        </p:nvSpPr>
+        <p:spPr bwMode="auto">
+          <a:xfrm>
+            <a:off x="152400" y="155448"/>
+            <a:ext cx="8833104" cy="6547104"/>
+          </a:xfrm>
+          <a:prstGeom prst="rect">
+            <a:avLst/>
+          </a:prstGeom>
+          <a:noFill/>
+          <a:ln w="9525" cap="flat" cmpd="sng" algn="ctr">
+            <a:solidFill>
+              <a:schemeClr val="accent3">
+                <a:shade val="75000"/>
+              </a:schemeClr>
+            </a:solidFill>
+            <a:prstDash val="solid"/>
+            <a:miter lim="800000"/>
+            <a:headEnd type="none" w="med" len="med"/>
+            <a:tailEnd type="none" w="med" len="med"/>
+          </a:ln>
+          <a:effectLst/>
+        </p:spPr>
+        <p:txBody>
+          <a:bodyPr vert="horz" wrap="none" lIns="91440" tIns="45720" rIns="91440" bIns="45720" anchor="ctr" compatLnSpc="1"/>
+          <a:lstStyle/>
+          <a:p>
+            <a:endParaRPr kumimoji="0" lang="en-US" dirty="0"/>
+          </a:p>
+        </p:txBody>
+      </p:sp>
+      <p:sp>
+        <p:nvSpPr>
+          <p:cNvPr id="12" name="Oval 11"/>
+          <p:cNvSpPr/>
+          <p:nvPr/>
+        </p:nvSpPr>
+        <p:spPr>
+          <a:xfrm>
+            <a:off x="1295400" y="228600"/>
+            <a:ext cx="609600" cy="609600"/>
+          </a:xfrm>
+          <a:prstGeom prst="ellipse">
+            <a:avLst/>
+          </a:prstGeom>
+          <a:solidFill>
+            <a:srgbClr val="FFFFFF"/>
+          </a:solidFill>
+          <a:ln w="15875" cap="rnd" cmpd="sng" algn="ctr">
+            <a:noFill/>
+            <a:prstDash val="solid"/>
+          </a:ln>
+          <a:effectLst/>
+        </p:spPr>
+        <p:style>
+          <a:lnRef idx="3">
+            <a:schemeClr val="lt1"/>
+          </a:lnRef>
+          <a:fillRef idx="1">
+            <a:schemeClr val="accent1"/>
+          </a:fillRef>
+          <a:effectRef idx="1">
+            <a:schemeClr val="accent1"/>
+          </a:effectRef>
+          <a:fontRef idx="minor">
+            <a:schemeClr val="lt1"/>
+          </a:fontRef>
+        </p:style>
+        <p:txBody>
+          <a:bodyPr anchor="ctr"/>
+          <a:lstStyle/>
+          <a:p>
+            <a:pPr algn="ctr" eaLnBrk="1" latinLnBrk="0" hangingPunct="1"/>
+            <a:endParaRPr kumimoji="0" lang="en-US"/>
+          </a:p>
+        </p:txBody>
+      </p:sp>
+      <p:sp>
+        <p:nvSpPr>
+          <p:cNvPr id="13" name="Oval 12"/>
+          <p:cNvSpPr/>
+          <p:nvPr/>
+        </p:nvSpPr>
+        <p:spPr>
+          <a:xfrm>
+            <a:off x="1389888" y="323088"/>
+            <a:ext cx="420624" cy="420624"/>
+          </a:xfrm>
+          <a:prstGeom prst="ellipse">
+            <a:avLst/>
+          </a:prstGeom>
+          <a:solidFill>
+            <a:srgbClr val="FFFFFF"/>
+          </a:solidFill>
+          <a:ln w="50800" cap="rnd" cmpd="dbl" algn="ctr">
+            <a:solidFill>
+              <a:schemeClr val="accent3">
+                <a:shade val="75000"/>
+              </a:schemeClr>
+            </a:solidFill>
+            <a:prstDash val="solid"/>
+          </a:ln>
+          <a:effectLst/>
+        </p:spPr>
+        <p:style>
+          <a:lnRef idx="3">
+            <a:schemeClr val="lt1"/>
+          </a:lnRef>
+          <a:fillRef idx="1">
+            <a:schemeClr val="accent1"/>
+          </a:fillRef>
+          <a:effectRef idx="1">
+            <a:schemeClr val="accent1"/>
+          </a:effectRef>
+          <a:fontRef idx="minor">
+            <a:schemeClr val="lt1"/>
+          </a:fontRef>
+        </p:style>
+        <p:txBody>
+          <a:bodyPr anchor="ctr"/>
+          <a:lstStyle/>
+          <a:p>
+            <a:pPr algn="ctr" eaLnBrk="1" latinLnBrk="0" hangingPunct="1"/>
+            <a:endParaRPr kumimoji="0" lang="en-US"/>
+          </a:p>
+        </p:txBody>
+      </p:sp>
+      <p:sp>
+        <p:nvSpPr>
+          <p:cNvPr id="7" name="Slide Number Placeholder 6"/>
+          <p:cNvSpPr>
+            <a:spLocks noGrp="1"/>
+          </p:cNvSpPr>
+          <p:nvPr>
+            <p:ph type="sldNum" sz="quarter" idx="12"/>
+          </p:nvPr>
+        </p:nvSpPr>
+        <p:spPr>
+          <a:xfrm>
+            <a:off x="1371600" y="312738"/>
+            <a:ext cx="457200" cy="441325"/>
+          </a:xfrm>
+        </p:spPr>
+        <p:txBody>
+          <a:bodyPr/>
+          <a:lstStyle/>
+          <a:p>
+            <a:fld id="{CC4A69C8-81CC-406F-915C-D3045852239F}" type="slidenum">
+              <a:rPr lang="en-US" smtClean="0"/>
+              <a:pPr/>
+              <a:t>‹#›</a:t>
+            </a:fld>
+            <a:endParaRPr lang="en-US"/>
+          </a:p>
+        </p:txBody>
+      </p:sp>
+      <p:sp>
+        <p:nvSpPr>
           <p:cNvPr id="2" name="Title 1"/>
           <p:cNvSpPr>
             <a:spLocks noGrp="1"/>
@@ -2946,23 +5569,30 @@
         </p:nvSpPr>
         <p:spPr>
           <a:xfrm>
-            <a:off x="1792288" y="4800600"/>
-            <a:ext cx="5486400" cy="566738"/>
-          </a:xfrm>
-        </p:spPr>
-        <p:txBody>
-          <a:bodyPr anchor="b"/>
+            <a:off x="3000375" y="5029200"/>
+            <a:ext cx="5867400" cy="1219200"/>
+          </a:xfrm>
+        </p:spPr>
+        <p:txBody>
+          <a:bodyPr anchor="t">
+            <a:noAutofit/>
+          </a:bodyPr>
           <a:lstStyle>
             <a:lvl1pPr algn="l">
-              <a:defRPr sz="2000" b="1"/>
+              <a:buNone/>
+              <a:defRPr sz="2400" b="1">
+                <a:solidFill>
+                  <a:schemeClr val="tx2"/>
+                </a:solidFill>
+              </a:defRPr>
             </a:lvl1pPr>
           </a:lstStyle>
           <a:p>
             <a:r>
-              <a:rPr lang="en-US" smtClean="0"/>
+              <a:rPr kumimoji="0" lang="en-US" smtClean="0"/>
               <a:t>Click to edit Master title style</a:t>
             </a:r>
-            <a:endParaRPr lang="en-US"/>
+            <a:endParaRPr kumimoji="0" lang="en-US"/>
           </a:p>
         </p:txBody>
       </p:sp>
@@ -2978,8 +5608,8 @@
         </p:nvSpPr>
         <p:spPr>
           <a:xfrm>
-            <a:off x="1792288" y="612775"/>
-            <a:ext cx="5486400" cy="4114800"/>
+            <a:off x="3000375" y="609600"/>
+            <a:ext cx="5867400" cy="4267200"/>
           </a:xfrm>
         </p:spPr>
         <p:txBody>
@@ -2989,41 +5619,13 @@
               <a:buNone/>
               <a:defRPr sz="3200"/>
             </a:lvl1pPr>
-            <a:lvl2pPr marL="457200" indent="0">
-              <a:buNone/>
-              <a:defRPr sz="2800"/>
-            </a:lvl2pPr>
-            <a:lvl3pPr marL="914400" indent="0">
-              <a:buNone/>
-              <a:defRPr sz="2400"/>
-            </a:lvl3pPr>
-            <a:lvl4pPr marL="1371600" indent="0">
-              <a:buNone/>
-              <a:defRPr sz="2000"/>
-            </a:lvl4pPr>
-            <a:lvl5pPr marL="1828800" indent="0">
-              <a:buNone/>
-              <a:defRPr sz="2000"/>
-            </a:lvl5pPr>
-            <a:lvl6pPr marL="2286000" indent="0">
-              <a:buNone/>
-              <a:defRPr sz="2000"/>
-            </a:lvl6pPr>
-            <a:lvl7pPr marL="2743200" indent="0">
-              <a:buNone/>
-              <a:defRPr sz="2000"/>
-            </a:lvl7pPr>
-            <a:lvl8pPr marL="3200400" indent="0">
-              <a:buNone/>
-              <a:defRPr sz="2000"/>
-            </a:lvl8pPr>
-            <a:lvl9pPr marL="3657600" indent="0">
-              <a:buNone/>
-              <a:defRPr sz="2000"/>
-            </a:lvl9pPr>
           </a:lstStyle>
           <a:p>
-            <a:endParaRPr lang="en-US"/>
+            <a:r>
+              <a:rPr kumimoji="0" lang="en-US" smtClean="0"/>
+              <a:t>Click icon to add picture</a:t>
+            </a:r>
+            <a:endParaRPr kumimoji="0" lang="en-US" dirty="0"/>
           </a:p>
         </p:txBody>
       </p:sp>
@@ -3039,54 +5641,42 @@
         </p:nvSpPr>
         <p:spPr>
           <a:xfrm>
-            <a:off x="1792288" y="5367338"/>
-            <a:ext cx="5486400" cy="804862"/>
+            <a:off x="381000" y="990600"/>
+            <a:ext cx="2438400" cy="5257800"/>
           </a:xfrm>
         </p:spPr>
         <p:txBody>
           <a:bodyPr/>
           <a:lstStyle>
             <a:lvl1pPr marL="0" indent="0">
+              <a:spcAft>
+                <a:spcPts val="1000"/>
+              </a:spcAft>
+              <a:buFontTx/>
               <a:buNone/>
-              <a:defRPr sz="1400"/>
+              <a:defRPr sz="1600">
+                <a:solidFill>
+                  <a:srgbClr val="FFFFFF"/>
+                </a:solidFill>
+              </a:defRPr>
             </a:lvl1pPr>
-            <a:lvl2pPr marL="457200" indent="0">
-              <a:buNone/>
+            <a:lvl2pPr>
               <a:defRPr sz="1200"/>
             </a:lvl2pPr>
-            <a:lvl3pPr marL="914400" indent="0">
-              <a:buNone/>
+            <a:lvl3pPr>
               <a:defRPr sz="1000"/>
             </a:lvl3pPr>
-            <a:lvl4pPr marL="1371600" indent="0">
-              <a:buNone/>
+            <a:lvl4pPr>
               <a:defRPr sz="900"/>
             </a:lvl4pPr>
-            <a:lvl5pPr marL="1828800" indent="0">
-              <a:buNone/>
+            <a:lvl5pPr>
               <a:defRPr sz="900"/>
             </a:lvl5pPr>
-            <a:lvl6pPr marL="2286000" indent="0">
-              <a:buNone/>
-              <a:defRPr sz="900"/>
-            </a:lvl6pPr>
-            <a:lvl7pPr marL="2743200" indent="0">
-              <a:buNone/>
-              <a:defRPr sz="900"/>
-            </a:lvl7pPr>
-            <a:lvl8pPr marL="3200400" indent="0">
-              <a:buNone/>
-              <a:defRPr sz="900"/>
-            </a:lvl8pPr>
-            <a:lvl9pPr marL="3657600" indent="0">
-              <a:buNone/>
-              <a:defRPr sz="900"/>
-            </a:lvl9pPr>
           </a:lstStyle>
           <a:p>
-            <a:pPr lvl="0"/>
-            <a:r>
-              <a:rPr lang="en-US" smtClean="0"/>
+            <a:pPr lvl="0" eaLnBrk="1" latinLnBrk="0" hangingPunct="1"/>
+            <a:r>
+              <a:rPr kumimoji="0" lang="en-US" smtClean="0"/>
               <a:t>Click to edit Master text styles</a:t>
             </a:r>
           </a:p>
@@ -3094,6 +5684,42 @@
       </p:sp>
       <p:sp>
         <p:nvSpPr>
+          <p:cNvPr id="22" name="Rectangle 21"/>
+          <p:cNvSpPr>
+            <a:spLocks noChangeArrowheads="1"/>
+          </p:cNvSpPr>
+          <p:nvPr/>
+        </p:nvSpPr>
+        <p:spPr bwMode="auto">
+          <a:xfrm>
+            <a:off x="149352" y="6388385"/>
+            <a:ext cx="8833104" cy="309563"/>
+          </a:xfrm>
+          <a:prstGeom prst="rect">
+            <a:avLst/>
+          </a:prstGeom>
+          <a:solidFill>
+            <a:schemeClr val="accent3"/>
+          </a:solidFill>
+          <a:ln w="9525" cap="flat" cmpd="sng" algn="ctr">
+            <a:noFill/>
+            <a:prstDash val="solid"/>
+            <a:miter lim="800000"/>
+            <a:headEnd type="none" w="med" len="med"/>
+            <a:tailEnd type="none" w="med" len="med"/>
+          </a:ln>
+          <a:effectLst/>
+        </p:spPr>
+        <p:txBody>
+          <a:bodyPr vert="horz" wrap="none" lIns="91440" tIns="45720" rIns="91440" bIns="45720" anchor="ctr" compatLnSpc="1"/>
+          <a:lstStyle/>
+          <a:p>
+            <a:endParaRPr kumimoji="0" lang="en-US"/>
+          </a:p>
+        </p:txBody>
+      </p:sp>
+      <p:sp>
+        <p:nvSpPr>
           <p:cNvPr id="5" name="Date Placeholder 4"/>
           <p:cNvSpPr>
             <a:spLocks noGrp="1"/>
@@ -3102,7 +5728,12 @@
             <p:ph type="dt" sz="half" idx="10"/>
           </p:nvPr>
         </p:nvSpPr>
-        <p:spPr/>
+        <p:spPr>
+          <a:xfrm>
+            <a:off x="5788152" y="6404984"/>
+            <a:ext cx="3044952" cy="365760"/>
+          </a:xfrm>
+        </p:spPr>
         <p:txBody>
           <a:bodyPr/>
           <a:lstStyle/>
@@ -3126,35 +5757,16 @@
             <p:ph type="ftr" sz="quarter" idx="11"/>
           </p:nvPr>
         </p:nvSpPr>
-        <p:spPr/>
+        <p:spPr>
+          <a:xfrm>
+            <a:off x="301752" y="6410848"/>
+            <a:ext cx="3584448" cy="365760"/>
+          </a:xfrm>
+        </p:spPr>
         <p:txBody>
           <a:bodyPr/>
           <a:lstStyle/>
           <a:p>
-            <a:endParaRPr lang="en-US"/>
-          </a:p>
-        </p:txBody>
-      </p:sp>
-      <p:sp>
-        <p:nvSpPr>
-          <p:cNvPr id="7" name="Slide Number Placeholder 6"/>
-          <p:cNvSpPr>
-            <a:spLocks noGrp="1"/>
-          </p:cNvSpPr>
-          <p:nvPr>
-            <p:ph type="sldNum" sz="quarter" idx="12"/>
-          </p:nvPr>
-        </p:nvSpPr>
-        <p:spPr/>
-        <p:txBody>
-          <a:bodyPr/>
-          <a:lstStyle/>
-          <a:p>
-            <a:fld id="{CC4A69C8-81CC-406F-915C-D3045852239F}" type="slidenum">
-              <a:rPr lang="en-US" smtClean="0"/>
-              <a:pPr/>
-              <a:t>‹#›</a:t>
-            </a:fld>
             <a:endParaRPr lang="en-US"/>
           </a:p>
         </p:txBody>
@@ -3191,127 +5803,210 @@
       </p:grpSpPr>
       <p:sp>
         <p:nvSpPr>
-          <p:cNvPr id="2" name="Title Placeholder 1"/>
-          <p:cNvSpPr>
-            <a:spLocks noGrp="1"/>
-          </p:cNvSpPr>
-          <p:nvPr>
-            <p:ph type="title"/>
+          <p:cNvPr id="17" name="Rectangle 16"/>
+          <p:cNvSpPr>
+            <a:spLocks noChangeArrowheads="1"/>
+          </p:cNvSpPr>
+          <p:nvPr/>
+        </p:nvSpPr>
+        <p:spPr bwMode="white">
+          <a:xfrm>
+            <a:off x="0" y="6705600"/>
+            <a:ext cx="9144000" cy="152400"/>
+          </a:xfrm>
+          <a:prstGeom prst="rect">
+            <a:avLst/>
+          </a:prstGeom>
+          <a:solidFill>
+            <a:srgbClr val="FFFFFF"/>
+          </a:solidFill>
+          <a:ln w="9525" cap="flat" cmpd="sng" algn="ctr">
+            <a:noFill/>
+            <a:prstDash val="solid"/>
+            <a:miter lim="800000"/>
+            <a:headEnd type="none" w="med" len="med"/>
+            <a:tailEnd type="none" w="med" len="med"/>
+          </a:ln>
+          <a:effectLst/>
+        </p:spPr>
+        <p:txBody>
+          <a:bodyPr vert="horz" wrap="none" lIns="91440" tIns="45720" rIns="91440" bIns="45720" anchor="ctr" compatLnSpc="1"/>
+          <a:lstStyle/>
+          <a:p>
+            <a:endParaRPr kumimoji="0" lang="en-US"/>
+          </a:p>
+        </p:txBody>
+      </p:sp>
+      <p:sp>
+        <p:nvSpPr>
+          <p:cNvPr id="16" name="Rectangle 15"/>
+          <p:cNvSpPr>
+            <a:spLocks noChangeArrowheads="1"/>
+          </p:cNvSpPr>
+          <p:nvPr/>
+        </p:nvSpPr>
+        <p:spPr bwMode="white">
+          <a:xfrm>
+            <a:off x="0" y="0"/>
+            <a:ext cx="9144000" cy="1393371"/>
+          </a:xfrm>
+          <a:prstGeom prst="rect">
+            <a:avLst/>
+          </a:prstGeom>
+          <a:solidFill>
+            <a:srgbClr val="FFFFFF"/>
+          </a:solidFill>
+          <a:ln w="9525" cap="flat" cmpd="sng" algn="ctr">
+            <a:noFill/>
+            <a:prstDash val="solid"/>
+            <a:miter lim="800000"/>
+            <a:headEnd type="none" w="med" len="med"/>
+            <a:tailEnd type="none" w="med" len="med"/>
+          </a:ln>
+          <a:effectLst/>
+        </p:spPr>
+        <p:txBody>
+          <a:bodyPr vert="horz" wrap="none" lIns="91440" tIns="45720" rIns="91440" bIns="45720" anchor="ctr" compatLnSpc="1"/>
+          <a:lstStyle/>
+          <a:p>
+            <a:endParaRPr kumimoji="0" lang="en-US"/>
+          </a:p>
+        </p:txBody>
+      </p:sp>
+      <p:sp>
+        <p:nvSpPr>
+          <p:cNvPr id="18" name="Rectangle 17"/>
+          <p:cNvSpPr>
+            <a:spLocks noChangeArrowheads="1"/>
+          </p:cNvSpPr>
+          <p:nvPr/>
+        </p:nvSpPr>
+        <p:spPr bwMode="white">
+          <a:xfrm>
+            <a:off x="0" y="0"/>
+            <a:ext cx="152400" cy="6858000"/>
+          </a:xfrm>
+          <a:prstGeom prst="rect">
+            <a:avLst/>
+          </a:prstGeom>
+          <a:solidFill>
+            <a:srgbClr val="FFFFFF"/>
+          </a:solidFill>
+          <a:ln w="9525" cap="flat" cmpd="sng" algn="ctr">
+            <a:noFill/>
+            <a:prstDash val="solid"/>
+            <a:miter lim="800000"/>
+            <a:headEnd type="none" w="med" len="med"/>
+            <a:tailEnd type="none" w="med" len="med"/>
+          </a:ln>
+          <a:effectLst/>
+        </p:spPr>
+        <p:txBody>
+          <a:bodyPr vert="horz" wrap="none" lIns="91440" tIns="45720" rIns="91440" bIns="45720" anchor="ctr" compatLnSpc="1"/>
+          <a:lstStyle/>
+          <a:p>
+            <a:endParaRPr kumimoji="0" lang="en-US"/>
+          </a:p>
+        </p:txBody>
+      </p:sp>
+      <p:sp>
+        <p:nvSpPr>
+          <p:cNvPr id="19" name="Rectangle 18"/>
+          <p:cNvSpPr>
+            <a:spLocks noChangeArrowheads="1"/>
+          </p:cNvSpPr>
+          <p:nvPr/>
+        </p:nvSpPr>
+        <p:spPr bwMode="white">
+          <a:xfrm>
+            <a:off x="8991600" y="0"/>
+            <a:ext cx="152400" cy="6858000"/>
+          </a:xfrm>
+          <a:prstGeom prst="rect">
+            <a:avLst/>
+          </a:prstGeom>
+          <a:solidFill>
+            <a:srgbClr val="FFFFFF"/>
+          </a:solidFill>
+          <a:ln w="9525" cap="flat" cmpd="sng" algn="ctr">
+            <a:noFill/>
+            <a:prstDash val="solid"/>
+            <a:miter lim="800000"/>
+            <a:headEnd type="none" w="med" len="med"/>
+            <a:tailEnd type="none" w="med" len="med"/>
+          </a:ln>
+          <a:effectLst/>
+        </p:spPr>
+        <p:txBody>
+          <a:bodyPr vert="horz" wrap="none" lIns="91440" tIns="45720" rIns="91440" bIns="45720" anchor="ctr" compatLnSpc="1"/>
+          <a:lstStyle/>
+          <a:p>
+            <a:endParaRPr kumimoji="0" lang="en-US"/>
+          </a:p>
+        </p:txBody>
+      </p:sp>
+      <p:sp>
+        <p:nvSpPr>
+          <p:cNvPr id="9" name="Rectangle 8"/>
+          <p:cNvSpPr>
+            <a:spLocks noChangeArrowheads="1"/>
+          </p:cNvSpPr>
+          <p:nvPr/>
+        </p:nvSpPr>
+        <p:spPr bwMode="auto">
+          <a:xfrm>
+            <a:off x="149352" y="6388385"/>
+            <a:ext cx="8833104" cy="309563"/>
+          </a:xfrm>
+          <a:prstGeom prst="rect">
+            <a:avLst/>
+          </a:prstGeom>
+          <a:solidFill>
+            <a:schemeClr val="accent3"/>
+          </a:solidFill>
+          <a:ln w="9525" cap="flat" cmpd="sng" algn="ctr">
+            <a:noFill/>
+            <a:prstDash val="solid"/>
+            <a:miter lim="800000"/>
+            <a:headEnd type="none" w="med" len="med"/>
+            <a:tailEnd type="none" w="med" len="med"/>
+          </a:ln>
+          <a:effectLst/>
+        </p:spPr>
+        <p:txBody>
+          <a:bodyPr vert="horz" wrap="none" lIns="91440" tIns="45720" rIns="91440" bIns="45720" anchor="ctr" compatLnSpc="1"/>
+          <a:lstStyle/>
+          <a:p>
+            <a:endParaRPr kumimoji="0" lang="en-US"/>
+          </a:p>
+        </p:txBody>
+      </p:sp>
+      <p:sp>
+        <p:nvSpPr>
+          <p:cNvPr id="14" name="Date Placeholder 13"/>
+          <p:cNvSpPr>
+            <a:spLocks noGrp="1"/>
+          </p:cNvSpPr>
+          <p:nvPr>
+            <p:ph type="dt" sz="half" idx="2"/>
           </p:nvPr>
         </p:nvSpPr>
         <p:spPr>
           <a:xfrm>
-            <a:off x="457200" y="274638"/>
-            <a:ext cx="8229600" cy="1143000"/>
+            <a:off x="5791200" y="6404984"/>
+            <a:ext cx="3044952" cy="365760"/>
           </a:xfrm>
           <a:prstGeom prst="rect">
             <a:avLst/>
           </a:prstGeom>
         </p:spPr>
         <p:txBody>
-          <a:bodyPr vert="horz" lIns="91440" tIns="45720" rIns="91440" bIns="45720" rtlCol="0" anchor="ctr">
-            <a:normAutofit/>
-          </a:bodyPr>
-          <a:lstStyle/>
-          <a:p>
-            <a:r>
-              <a:rPr lang="en-US" smtClean="0"/>
-              <a:t>Click to edit Master title style</a:t>
-            </a:r>
-            <a:endParaRPr lang="en-US"/>
-          </a:p>
-        </p:txBody>
-      </p:sp>
-      <p:sp>
-        <p:nvSpPr>
-          <p:cNvPr id="3" name="Text Placeholder 2"/>
-          <p:cNvSpPr>
-            <a:spLocks noGrp="1"/>
-          </p:cNvSpPr>
-          <p:nvPr>
-            <p:ph type="body" idx="1"/>
-          </p:nvPr>
-        </p:nvSpPr>
-        <p:spPr>
-          <a:xfrm>
-            <a:off x="457200" y="1600200"/>
-            <a:ext cx="8229600" cy="4525963"/>
-          </a:xfrm>
-          <a:prstGeom prst="rect">
-            <a:avLst/>
-          </a:prstGeom>
-        </p:spPr>
-        <p:txBody>
-          <a:bodyPr vert="horz" lIns="91440" tIns="45720" rIns="91440" bIns="45720" rtlCol="0">
-            <a:normAutofit/>
-          </a:bodyPr>
-          <a:lstStyle/>
-          <a:p>
-            <a:pPr lvl="0"/>
-            <a:r>
-              <a:rPr lang="en-US" smtClean="0"/>
-              <a:t>Click to edit Master text styles</a:t>
-            </a:r>
-          </a:p>
-          <a:p>
-            <a:pPr lvl="1"/>
-            <a:r>
-              <a:rPr lang="en-US" smtClean="0"/>
-              <a:t>Second level</a:t>
-            </a:r>
-          </a:p>
-          <a:p>
-            <a:pPr lvl="2"/>
-            <a:r>
-              <a:rPr lang="en-US" smtClean="0"/>
-              <a:t>Third level</a:t>
-            </a:r>
-          </a:p>
-          <a:p>
-            <a:pPr lvl="3"/>
-            <a:r>
-              <a:rPr lang="en-US" smtClean="0"/>
-              <a:t>Fourth level</a:t>
-            </a:r>
-          </a:p>
-          <a:p>
-            <a:pPr lvl="4"/>
-            <a:r>
-              <a:rPr lang="en-US" smtClean="0"/>
-              <a:t>Fifth level</a:t>
-            </a:r>
-            <a:endParaRPr lang="en-US"/>
-          </a:p>
-        </p:txBody>
-      </p:sp>
-      <p:sp>
-        <p:nvSpPr>
-          <p:cNvPr id="4" name="Date Placeholder 3"/>
-          <p:cNvSpPr>
-            <a:spLocks noGrp="1"/>
-          </p:cNvSpPr>
-          <p:nvPr>
-            <p:ph type="dt" sz="half" idx="2"/>
-          </p:nvPr>
-        </p:nvSpPr>
-        <p:spPr>
-          <a:xfrm>
-            <a:off x="457200" y="6356350"/>
-            <a:ext cx="2133600" cy="365125"/>
-          </a:xfrm>
-          <a:prstGeom prst="rect">
-            <a:avLst/>
-          </a:prstGeom>
-        </p:spPr>
-        <p:txBody>
-          <a:bodyPr vert="horz" lIns="91440" tIns="45720" rIns="91440" bIns="45720" rtlCol="0" anchor="ctr"/>
+          <a:bodyPr vert="horz"/>
           <a:lstStyle>
-            <a:lvl1pPr algn="l">
-              <a:defRPr sz="1200">
+            <a:lvl1pPr algn="r" eaLnBrk="1" latinLnBrk="0" hangingPunct="1">
+              <a:defRPr kumimoji="0" sz="1400">
                 <a:solidFill>
-                  <a:schemeClr val="tx1">
-                    <a:tint val="75000"/>
-                  </a:schemeClr>
+                  <a:srgbClr val="FFFFFF"/>
                 </a:solidFill>
               </a:defRPr>
             </a:lvl1pPr>
@@ -3328,7 +6023,7 @@
       </p:sp>
       <p:sp>
         <p:nvSpPr>
-          <p:cNvPr id="5" name="Footer Placeholder 4"/>
+          <p:cNvPr id="3" name="Footer Placeholder 2"/>
           <p:cNvSpPr>
             <a:spLocks noGrp="1"/>
           </p:cNvSpPr>
@@ -3338,22 +6033,20 @@
         </p:nvSpPr>
         <p:spPr>
           <a:xfrm>
-            <a:off x="3124200" y="6356350"/>
-            <a:ext cx="2895600" cy="365125"/>
+            <a:off x="304800" y="6410848"/>
+            <a:ext cx="3581400" cy="365760"/>
           </a:xfrm>
           <a:prstGeom prst="rect">
             <a:avLst/>
           </a:prstGeom>
         </p:spPr>
         <p:txBody>
-          <a:bodyPr vert="horz" lIns="91440" tIns="45720" rIns="91440" bIns="45720" rtlCol="0" anchor="ctr"/>
+          <a:bodyPr vert="horz"/>
           <a:lstStyle>
-            <a:lvl1pPr algn="ctr">
-              <a:defRPr sz="1200">
+            <a:lvl1pPr algn="l" eaLnBrk="1" latinLnBrk="0" hangingPunct="1">
+              <a:defRPr kumimoji="0" sz="1200">
                 <a:solidFill>
-                  <a:schemeClr val="tx1">
-                    <a:tint val="75000"/>
-                  </a:schemeClr>
+                  <a:srgbClr val="FFFFFF"/>
                 </a:solidFill>
               </a:defRPr>
             </a:lvl1pPr>
@@ -3365,7 +6058,179 @@
       </p:sp>
       <p:sp>
         <p:nvSpPr>
-          <p:cNvPr id="6" name="Slide Number Placeholder 5"/>
+          <p:cNvPr id="8" name="Rectangle 7"/>
+          <p:cNvSpPr>
+            <a:spLocks noChangeArrowheads="1"/>
+          </p:cNvSpPr>
+          <p:nvPr/>
+        </p:nvSpPr>
+        <p:spPr bwMode="auto">
+          <a:xfrm>
+            <a:off x="152400" y="155448"/>
+            <a:ext cx="8833104" cy="6547104"/>
+          </a:xfrm>
+          <a:prstGeom prst="rect">
+            <a:avLst/>
+          </a:prstGeom>
+          <a:noFill/>
+          <a:ln w="9525" cap="flat" cmpd="sng" algn="ctr">
+            <a:solidFill>
+              <a:schemeClr val="accent3">
+                <a:shade val="75000"/>
+              </a:schemeClr>
+            </a:solidFill>
+            <a:prstDash val="solid"/>
+            <a:miter lim="800000"/>
+            <a:headEnd type="none" w="med" len="med"/>
+            <a:tailEnd type="none" w="med" len="med"/>
+          </a:ln>
+          <a:effectLst/>
+        </p:spPr>
+        <p:txBody>
+          <a:bodyPr vert="horz" wrap="none" lIns="91440" tIns="45720" rIns="91440" bIns="45720" anchor="ctr" compatLnSpc="1"/>
+          <a:lstStyle/>
+          <a:p>
+            <a:endParaRPr kumimoji="0" lang="en-US" dirty="0"/>
+          </a:p>
+        </p:txBody>
+      </p:sp>
+      <p:sp>
+        <p:nvSpPr>
+          <p:cNvPr id="10" name="Straight Connector 9"/>
+          <p:cNvSpPr>
+            <a:spLocks noChangeShapeType="1"/>
+          </p:cNvSpPr>
+          <p:nvPr/>
+        </p:nvSpPr>
+        <p:spPr bwMode="auto">
+          <a:xfrm>
+            <a:off x="152400" y="1276743"/>
+            <a:ext cx="8833104" cy="0"/>
+          </a:xfrm>
+          <a:prstGeom prst="line">
+            <a:avLst/>
+          </a:prstGeom>
+          <a:noFill/>
+          <a:ln w="9525" cap="flat" cmpd="sng" algn="ctr">
+            <a:solidFill>
+              <a:schemeClr val="accent3">
+                <a:shade val="75000"/>
+              </a:schemeClr>
+            </a:solidFill>
+            <a:prstDash val="sysDash"/>
+            <a:round/>
+            <a:headEnd type="none" w="med" len="med"/>
+            <a:tailEnd type="none" w="med" len="med"/>
+          </a:ln>
+          <a:effectLst/>
+        </p:spPr>
+        <p:txBody>
+          <a:bodyPr vert="horz" wrap="none" lIns="91440" tIns="45720" rIns="91440" bIns="45720" anchor="ctr" compatLnSpc="1"/>
+          <a:lstStyle/>
+          <a:p>
+            <a:endParaRPr kumimoji="0" lang="en-US"/>
+          </a:p>
+        </p:txBody>
+      </p:sp>
+      <p:sp>
+        <p:nvSpPr>
+          <p:cNvPr id="12" name="Oval 11"/>
+          <p:cNvSpPr/>
+          <p:nvPr/>
+        </p:nvSpPr>
+        <p:spPr>
+          <a:xfrm>
+            <a:off x="4267200" y="956036"/>
+            <a:ext cx="609600" cy="609600"/>
+          </a:xfrm>
+          <a:prstGeom prst="ellipse">
+            <a:avLst/>
+          </a:prstGeom>
+          <a:solidFill>
+            <a:srgbClr val="FFFFFF"/>
+          </a:solidFill>
+          <a:ln w="15875" cap="rnd" cmpd="sng" algn="ctr">
+            <a:noFill/>
+            <a:prstDash val="solid"/>
+          </a:ln>
+          <a:effectLst/>
+        </p:spPr>
+        <p:style>
+          <a:lnRef idx="3">
+            <a:schemeClr val="lt1"/>
+          </a:lnRef>
+          <a:fillRef idx="1">
+            <a:schemeClr val="accent1"/>
+          </a:fillRef>
+          <a:effectRef idx="1">
+            <a:schemeClr val="accent1"/>
+          </a:effectRef>
+          <a:fontRef idx="minor">
+            <a:schemeClr val="lt1"/>
+          </a:fontRef>
+        </p:style>
+        <p:txBody>
+          <a:bodyPr anchor="ctr"/>
+          <a:lstStyle/>
+          <a:p>
+            <a:pPr algn="ctr" eaLnBrk="1" latinLnBrk="0" hangingPunct="1"/>
+            <a:endParaRPr kumimoji="0" lang="en-US"/>
+          </a:p>
+        </p:txBody>
+      </p:sp>
+      <p:sp>
+        <p:nvSpPr>
+          <p:cNvPr id="15" name="Oval 14"/>
+          <p:cNvSpPr/>
+          <p:nvPr/>
+        </p:nvSpPr>
+        <p:spPr>
+          <a:xfrm>
+            <a:off x="4361688" y="1050524"/>
+            <a:ext cx="420624" cy="420624"/>
+          </a:xfrm>
+          <a:prstGeom prst="ellipse">
+            <a:avLst/>
+          </a:prstGeom>
+          <a:solidFill>
+            <a:srgbClr val="FFFFFF"/>
+          </a:solidFill>
+          <a:ln w="50800" cap="rnd" cmpd="dbl" algn="ctr">
+            <a:solidFill>
+              <a:schemeClr val="accent3">
+                <a:shade val="75000"/>
+              </a:schemeClr>
+            </a:solidFill>
+            <a:prstDash val="solid"/>
+          </a:ln>
+          <a:effectLst/>
+        </p:spPr>
+        <p:style>
+          <a:lnRef idx="3">
+            <a:schemeClr val="lt1"/>
+          </a:lnRef>
+          <a:fillRef idx="1">
+            <a:schemeClr val="accent1"/>
+          </a:fillRef>
+          <a:effectRef idx="1">
+            <a:schemeClr val="accent1"/>
+          </a:effectRef>
+          <a:fontRef idx="minor">
+            <a:schemeClr val="lt1"/>
+          </a:fontRef>
+        </p:style>
+        <p:txBody>
+          <a:bodyPr anchor="ctr"/>
+          <a:lstStyle/>
+          <a:p>
+            <a:pPr algn="ctr" eaLnBrk="1" latinLnBrk="0" hangingPunct="1"/>
+            <a:endParaRPr kumimoji="0" lang="en-US"/>
+          </a:p>
+        </p:txBody>
+      </p:sp>
+      <p:sp>
+        <p:nvSpPr>
+          <p:cNvPr id="23" name="Slide Number Placeholder 22"/>
           <p:cNvSpPr>
             <a:spLocks noGrp="1"/>
           </p:cNvSpPr>
@@ -3375,21 +6240,23 @@
         </p:nvSpPr>
         <p:spPr>
           <a:xfrm>
-            <a:off x="6553200" y="6356350"/>
-            <a:ext cx="2133600" cy="365125"/>
+            <a:off x="4343400" y="1040174"/>
+            <a:ext cx="457200" cy="441325"/>
           </a:xfrm>
           <a:prstGeom prst="rect">
             <a:avLst/>
           </a:prstGeom>
         </p:spPr>
         <p:txBody>
-          <a:bodyPr vert="horz" lIns="91440" tIns="45720" rIns="91440" bIns="45720" rtlCol="0" anchor="ctr"/>
+          <a:bodyPr vert="horz" lIns="45720" rIns="45720" anchor="ctr">
+            <a:normAutofit/>
+          </a:bodyPr>
           <a:lstStyle>
-            <a:lvl1pPr algn="r">
-              <a:defRPr sz="1200">
+            <a:lvl1pPr algn="ctr" eaLnBrk="1" latinLnBrk="0" hangingPunct="1">
+              <a:defRPr kumimoji="0" sz="1600">
                 <a:solidFill>
-                  <a:schemeClr val="tx1">
-                    <a:tint val="75000"/>
+                  <a:schemeClr val="accent3">
+                    <a:shade val="75000"/>
                   </a:schemeClr>
                 </a:solidFill>
               </a:defRPr>
@@ -3405,32 +6272,129 @@
           </a:p>
         </p:txBody>
       </p:sp>
+      <p:sp>
+        <p:nvSpPr>
+          <p:cNvPr id="22" name="Title Placeholder 21"/>
+          <p:cNvSpPr>
+            <a:spLocks noGrp="1"/>
+          </p:cNvSpPr>
+          <p:nvPr>
+            <p:ph type="title"/>
+          </p:nvPr>
+        </p:nvSpPr>
+        <p:spPr>
+          <a:xfrm>
+            <a:off x="301752" y="228600"/>
+            <a:ext cx="8534400" cy="758952"/>
+          </a:xfrm>
+          <a:prstGeom prst="rect">
+            <a:avLst/>
+          </a:prstGeom>
+        </p:spPr>
+        <p:txBody>
+          <a:bodyPr vert="horz" anchor="b">
+            <a:normAutofit/>
+          </a:bodyPr>
+          <a:lstStyle/>
+          <a:p>
+            <a:r>
+              <a:rPr kumimoji="0" lang="en-US" smtClean="0"/>
+              <a:t>Click to edit Master title style</a:t>
+            </a:r>
+            <a:endParaRPr kumimoji="0" lang="en-US"/>
+          </a:p>
+        </p:txBody>
+      </p:sp>
+      <p:sp>
+        <p:nvSpPr>
+          <p:cNvPr id="13" name="Text Placeholder 12"/>
+          <p:cNvSpPr>
+            <a:spLocks noGrp="1"/>
+          </p:cNvSpPr>
+          <p:nvPr>
+            <p:ph type="body" idx="1"/>
+          </p:nvPr>
+        </p:nvSpPr>
+        <p:spPr>
+          <a:xfrm>
+            <a:off x="301752" y="1524000"/>
+            <a:ext cx="8534400" cy="4599432"/>
+          </a:xfrm>
+          <a:prstGeom prst="rect">
+            <a:avLst/>
+          </a:prstGeom>
+        </p:spPr>
+        <p:txBody>
+          <a:bodyPr vert="horz">
+            <a:normAutofit/>
+          </a:bodyPr>
+          <a:lstStyle/>
+          <a:p>
+            <a:pPr lvl="0" eaLnBrk="1" latinLnBrk="0" hangingPunct="1"/>
+            <a:r>
+              <a:rPr kumimoji="0" lang="en-US" smtClean="0"/>
+              <a:t>Click to edit Master text styles</a:t>
+            </a:r>
+          </a:p>
+          <a:p>
+            <a:pPr lvl="1" eaLnBrk="1" latinLnBrk="0" hangingPunct="1"/>
+            <a:r>
+              <a:rPr kumimoji="0" lang="en-US" smtClean="0"/>
+              <a:t>Second level</a:t>
+            </a:r>
+          </a:p>
+          <a:p>
+            <a:pPr lvl="2" eaLnBrk="1" latinLnBrk="0" hangingPunct="1"/>
+            <a:r>
+              <a:rPr kumimoji="0" lang="en-US" smtClean="0"/>
+              <a:t>Third level</a:t>
+            </a:r>
+          </a:p>
+          <a:p>
+            <a:pPr lvl="3" eaLnBrk="1" latinLnBrk="0" hangingPunct="1"/>
+            <a:r>
+              <a:rPr kumimoji="0" lang="en-US" smtClean="0"/>
+              <a:t>Fourth level</a:t>
+            </a:r>
+          </a:p>
+          <a:p>
+            <a:pPr lvl="4" eaLnBrk="1" latinLnBrk="0" hangingPunct="1"/>
+            <a:r>
+              <a:rPr kumimoji="0" lang="en-US" smtClean="0"/>
+              <a:t>Fifth level</a:t>
+            </a:r>
+            <a:endParaRPr kumimoji="0" lang="en-US"/>
+          </a:p>
+        </p:txBody>
+      </p:sp>
     </p:spTree>
   </p:cSld>
   <p:clrMap bg1="lt1" tx1="dk1" bg2="lt2" tx2="dk2" accent1="accent1" accent2="accent2" accent3="accent3" accent4="accent4" accent5="accent5" accent6="accent6" hlink="hlink" folHlink="folHlink"/>
   <p:sldLayoutIdLst>
-    <p:sldLayoutId id="2147483649" r:id="rId1"/>
-    <p:sldLayoutId id="2147483650" r:id="rId2"/>
-    <p:sldLayoutId id="2147483651" r:id="rId3"/>
-    <p:sldLayoutId id="2147483652" r:id="rId4"/>
-    <p:sldLayoutId id="2147483653" r:id="rId5"/>
-    <p:sldLayoutId id="2147483654" r:id="rId6"/>
-    <p:sldLayoutId id="2147483655" r:id="rId7"/>
-    <p:sldLayoutId id="2147483656" r:id="rId8"/>
-    <p:sldLayoutId id="2147483657" r:id="rId9"/>
-    <p:sldLayoutId id="2147483658" r:id="rId10"/>
-    <p:sldLayoutId id="2147483659" r:id="rId11"/>
+    <p:sldLayoutId id="2147483661" r:id="rId1"/>
+    <p:sldLayoutId id="2147483662" r:id="rId2"/>
+    <p:sldLayoutId id="2147483663" r:id="rId3"/>
+    <p:sldLayoutId id="2147483664" r:id="rId4"/>
+    <p:sldLayoutId id="2147483665" r:id="rId5"/>
+    <p:sldLayoutId id="2147483666" r:id="rId6"/>
+    <p:sldLayoutId id="2147483667" r:id="rId7"/>
+    <p:sldLayoutId id="2147483668" r:id="rId8"/>
+    <p:sldLayoutId id="2147483669" r:id="rId9"/>
+    <p:sldLayoutId id="2147483670" r:id="rId10"/>
+    <p:sldLayoutId id="2147483671" r:id="rId11"/>
   </p:sldLayoutIdLst>
   <p:txStyles>
     <p:titleStyle>
-      <a:lvl1pPr algn="ctr" defTabSz="914400" rtl="0" eaLnBrk="1" latinLnBrk="0" hangingPunct="1">
+      <a:lvl1pPr algn="ctr" rtl="0" eaLnBrk="1" latinLnBrk="0" hangingPunct="1">
         <a:spcBef>
           <a:spcPct val="0"/>
         </a:spcBef>
         <a:buNone/>
-        <a:defRPr sz="4400" kern="1200">
+        <a:defRPr kumimoji="0" sz="3300" kern="1200">
           <a:solidFill>
-            <a:schemeClr val="tx1"/>
+            <a:schemeClr val="accent3">
+              <a:shade val="75000"/>
+            </a:schemeClr>
           </a:solidFill>
           <a:latin typeface="+mj-lt"/>
           <a:ea typeface="+mj-ea"/>
@@ -3439,13 +6403,17 @@
       </a:lvl1pPr>
     </p:titleStyle>
     <p:bodyStyle>
-      <a:lvl1pPr marL="342900" indent="-342900" algn="l" defTabSz="914400" rtl="0" eaLnBrk="1" latinLnBrk="0" hangingPunct="1">
+      <a:lvl1pPr marL="274320" indent="-274320" algn="l" rtl="0" eaLnBrk="1" latinLnBrk="0" hangingPunct="1">
         <a:spcBef>
           <a:spcPct val="20000"/>
         </a:spcBef>
-        <a:buFont typeface="Arial" pitchFamily="34" charset="0"/>
-        <a:buChar char="•"/>
-        <a:defRPr sz="3200" kern="1200">
+        <a:buClr>
+          <a:schemeClr val="accent1"/>
+        </a:buClr>
+        <a:buSzPct val="85000"/>
+        <a:buFont typeface="Wingdings 2"/>
+        <a:buChar char=""/>
+        <a:defRPr kumimoji="0" sz="2700" kern="1200">
           <a:solidFill>
             <a:schemeClr val="tx1"/>
           </a:solidFill>
@@ -3454,28 +6422,36 @@
           <a:cs typeface="+mn-cs"/>
         </a:defRPr>
       </a:lvl1pPr>
-      <a:lvl2pPr marL="742950" indent="-285750" algn="l" defTabSz="914400" rtl="0" eaLnBrk="1" latinLnBrk="0" hangingPunct="1">
+      <a:lvl2pPr marL="548640" indent="-274320" algn="l" rtl="0" eaLnBrk="1" latinLnBrk="0" hangingPunct="1">
         <a:spcBef>
           <a:spcPct val="20000"/>
         </a:spcBef>
-        <a:buFont typeface="Arial" pitchFamily="34" charset="0"/>
-        <a:buChar char="–"/>
-        <a:defRPr sz="2800" kern="1200">
+        <a:buClr>
+          <a:schemeClr val="accent2"/>
+        </a:buClr>
+        <a:buSzPct val="70000"/>
+        <a:buFont typeface="Wingdings"/>
+        <a:buChar char=""/>
+        <a:defRPr kumimoji="0" sz="2200" kern="1200">
           <a:solidFill>
-            <a:schemeClr val="tx1"/>
+            <a:schemeClr val="tx2"/>
           </a:solidFill>
           <a:latin typeface="+mn-lt"/>
           <a:ea typeface="+mn-ea"/>
           <a:cs typeface="+mn-cs"/>
         </a:defRPr>
       </a:lvl2pPr>
-      <a:lvl3pPr marL="1143000" indent="-228600" algn="l" defTabSz="914400" rtl="0" eaLnBrk="1" latinLnBrk="0" hangingPunct="1">
+      <a:lvl3pPr marL="822960" indent="-228600" algn="l" rtl="0" eaLnBrk="1" latinLnBrk="0" hangingPunct="1">
         <a:spcBef>
           <a:spcPct val="20000"/>
         </a:spcBef>
-        <a:buFont typeface="Arial" pitchFamily="34" charset="0"/>
-        <a:buChar char="•"/>
-        <a:defRPr sz="2400" kern="1200">
+        <a:buClr>
+          <a:schemeClr val="accent3"/>
+        </a:buClr>
+        <a:buSzPct val="75000"/>
+        <a:buFont typeface="Wingdings 2"/>
+        <a:buChar char=""/>
+        <a:defRPr kumimoji="0" sz="2000" kern="1200">
           <a:solidFill>
             <a:schemeClr val="tx1"/>
           </a:solidFill>
@@ -3484,28 +6460,35 @@
           <a:cs typeface="+mn-cs"/>
         </a:defRPr>
       </a:lvl3pPr>
-      <a:lvl4pPr marL="1600200" indent="-228600" algn="l" defTabSz="914400" rtl="0" eaLnBrk="1" latinLnBrk="0" hangingPunct="1">
+      <a:lvl4pPr marL="1097280" indent="-228600" algn="l" rtl="0" eaLnBrk="1" latinLnBrk="0" hangingPunct="1">
         <a:spcBef>
           <a:spcPct val="20000"/>
         </a:spcBef>
-        <a:buFont typeface="Arial" pitchFamily="34" charset="0"/>
-        <a:buChar char="–"/>
-        <a:defRPr sz="2000" kern="1200">
+        <a:buClr>
+          <a:schemeClr val="accent4"/>
+        </a:buClr>
+        <a:buSzPct val="70000"/>
+        <a:buFont typeface="Wingdings"/>
+        <a:buChar char=""/>
+        <a:defRPr kumimoji="0" sz="2000" kern="1200">
           <a:solidFill>
-            <a:schemeClr val="tx1"/>
+            <a:schemeClr val="tx2"/>
           </a:solidFill>
           <a:latin typeface="+mn-lt"/>
           <a:ea typeface="+mn-ea"/>
           <a:cs typeface="+mn-cs"/>
         </a:defRPr>
       </a:lvl4pPr>
-      <a:lvl5pPr marL="2057400" indent="-228600" algn="l" defTabSz="914400" rtl="0" eaLnBrk="1" latinLnBrk="0" hangingPunct="1">
+      <a:lvl5pPr marL="1371600" indent="-228600" algn="l" rtl="0" eaLnBrk="1" latinLnBrk="0" hangingPunct="1">
         <a:spcBef>
           <a:spcPct val="20000"/>
         </a:spcBef>
-        <a:buFont typeface="Arial" pitchFamily="34" charset="0"/>
-        <a:buChar char="»"/>
-        <a:defRPr sz="2000" kern="1200">
+        <a:buClr>
+          <a:schemeClr val="accent5"/>
+        </a:buClr>
+        <a:buFontTx/>
+        <a:buChar char="•"/>
+        <a:defRPr kumimoji="0" sz="1800" kern="1200">
           <a:solidFill>
             <a:schemeClr val="tx1"/>
           </a:solidFill>
@@ -3514,13 +6497,17 @@
           <a:cs typeface="+mn-cs"/>
         </a:defRPr>
       </a:lvl5pPr>
-      <a:lvl6pPr marL="2514600" indent="-228600" algn="l" defTabSz="914400" rtl="0" eaLnBrk="1" latinLnBrk="0" hangingPunct="1">
+      <a:lvl6pPr marL="1645920" indent="-182880" algn="l" rtl="0" eaLnBrk="1" latinLnBrk="0" hangingPunct="1">
         <a:spcBef>
           <a:spcPct val="20000"/>
         </a:spcBef>
-        <a:buFont typeface="Arial" pitchFamily="34" charset="0"/>
-        <a:buChar char="•"/>
-        <a:defRPr sz="2000" kern="1200">
+        <a:buClr>
+          <a:schemeClr val="accent6"/>
+        </a:buClr>
+        <a:buSzPct val="80000"/>
+        <a:buFont typeface="Wingdings 2"/>
+        <a:buChar char=""/>
+        <a:defRPr kumimoji="0" sz="1800" kern="1200">
           <a:solidFill>
             <a:schemeClr val="tx1"/>
           </a:solidFill>
@@ -3529,13 +6516,18 @@
           <a:cs typeface="+mn-cs"/>
         </a:defRPr>
       </a:lvl6pPr>
-      <a:lvl7pPr marL="2971800" indent="-228600" algn="l" defTabSz="914400" rtl="0" eaLnBrk="1" latinLnBrk="0" hangingPunct="1">
+      <a:lvl7pPr marL="1920240" indent="-182880" algn="l" rtl="0" eaLnBrk="1" latinLnBrk="0" hangingPunct="1">
         <a:spcBef>
           <a:spcPct val="20000"/>
         </a:spcBef>
-        <a:buFont typeface="Arial" pitchFamily="34" charset="0"/>
+        <a:buClr>
+          <a:schemeClr val="accent1">
+            <a:shade val="75000"/>
+          </a:schemeClr>
+        </a:buClr>
+        <a:buSzPct val="90000"/>
         <a:buChar char="•"/>
-        <a:defRPr sz="2000" kern="1200">
+        <a:defRPr kumimoji="0" sz="1600" kern="1200" baseline="0">
           <a:solidFill>
             <a:schemeClr val="tx1"/>
           </a:solidFill>
@@ -3544,13 +6536,17 @@
           <a:cs typeface="+mn-cs"/>
         </a:defRPr>
       </a:lvl7pPr>
-      <a:lvl8pPr marL="3429000" indent="-228600" algn="l" defTabSz="914400" rtl="0" eaLnBrk="1" latinLnBrk="0" hangingPunct="1">
+      <a:lvl8pPr marL="2103120" indent="-182880" algn="l" rtl="0" eaLnBrk="1" latinLnBrk="0" hangingPunct="1">
         <a:spcBef>
           <a:spcPct val="20000"/>
         </a:spcBef>
-        <a:buFont typeface="Arial" pitchFamily="34" charset="0"/>
+        <a:buClr>
+          <a:schemeClr val="accent4">
+            <a:shade val="75000"/>
+          </a:schemeClr>
+        </a:buClr>
         <a:buChar char="•"/>
-        <a:defRPr sz="2000" kern="1200">
+        <a:defRPr kumimoji="0" sz="1600" kern="1200">
           <a:solidFill>
             <a:schemeClr val="tx1"/>
           </a:solidFill>
@@ -3559,13 +6555,18 @@
           <a:cs typeface="+mn-cs"/>
         </a:defRPr>
       </a:lvl8pPr>
-      <a:lvl9pPr marL="3886200" indent="-228600" algn="l" defTabSz="914400" rtl="0" eaLnBrk="1" latinLnBrk="0" hangingPunct="1">
+      <a:lvl9pPr marL="2377440" indent="-182880" algn="l" rtl="0" eaLnBrk="1" latinLnBrk="0" hangingPunct="1">
         <a:spcBef>
           <a:spcPct val="20000"/>
         </a:spcBef>
-        <a:buFont typeface="Arial" pitchFamily="34" charset="0"/>
+        <a:buClr>
+          <a:schemeClr val="accent2">
+            <a:shade val="75000"/>
+          </a:schemeClr>
+        </a:buClr>
+        <a:buSzPct val="90000"/>
         <a:buChar char="•"/>
-        <a:defRPr sz="2000" kern="1200">
+        <a:defRPr kumimoji="0" sz="1400" kern="1200" cap="all" baseline="0">
           <a:solidFill>
             <a:schemeClr val="tx1"/>
           </a:solidFill>
@@ -3576,11 +6577,8 @@
       </a:lvl9pPr>
     </p:bodyStyle>
     <p:otherStyle>
-      <a:defPPr>
-        <a:defRPr lang="en-US"/>
-      </a:defPPr>
-      <a:lvl1pPr marL="0" algn="l" defTabSz="914400" rtl="0" eaLnBrk="1" latinLnBrk="0" hangingPunct="1">
-        <a:defRPr sz="1800" kern="1200">
+      <a:lvl1pPr marL="0" algn="l" rtl="0" eaLnBrk="1" latinLnBrk="0" hangingPunct="1">
+        <a:defRPr kumimoji="0" kern="1200">
           <a:solidFill>
             <a:schemeClr val="tx1"/>
           </a:solidFill>
@@ -3589,8 +6587,8 @@
           <a:cs typeface="+mn-cs"/>
         </a:defRPr>
       </a:lvl1pPr>
-      <a:lvl2pPr marL="457200" algn="l" defTabSz="914400" rtl="0" eaLnBrk="1" latinLnBrk="0" hangingPunct="1">
-        <a:defRPr sz="1800" kern="1200">
+      <a:lvl2pPr marL="457200" algn="l" rtl="0" eaLnBrk="1" latinLnBrk="0" hangingPunct="1">
+        <a:defRPr kumimoji="0" kern="1200">
           <a:solidFill>
             <a:schemeClr val="tx1"/>
           </a:solidFill>
@@ -3599,8 +6597,8 @@
           <a:cs typeface="+mn-cs"/>
         </a:defRPr>
       </a:lvl2pPr>
-      <a:lvl3pPr marL="914400" algn="l" defTabSz="914400" rtl="0" eaLnBrk="1" latinLnBrk="0" hangingPunct="1">
-        <a:defRPr sz="1800" kern="1200">
+      <a:lvl3pPr marL="914400" algn="l" rtl="0" eaLnBrk="1" latinLnBrk="0" hangingPunct="1">
+        <a:defRPr kumimoji="0" kern="1200">
           <a:solidFill>
             <a:schemeClr val="tx1"/>
           </a:solidFill>
@@ -3609,8 +6607,8 @@
           <a:cs typeface="+mn-cs"/>
         </a:defRPr>
       </a:lvl3pPr>
-      <a:lvl4pPr marL="1371600" algn="l" defTabSz="914400" rtl="0" eaLnBrk="1" latinLnBrk="0" hangingPunct="1">
-        <a:defRPr sz="1800" kern="1200">
+      <a:lvl4pPr marL="1371600" algn="l" rtl="0" eaLnBrk="1" latinLnBrk="0" hangingPunct="1">
+        <a:defRPr kumimoji="0" kern="1200">
           <a:solidFill>
             <a:schemeClr val="tx1"/>
           </a:solidFill>
@@ -3619,8 +6617,8 @@
           <a:cs typeface="+mn-cs"/>
         </a:defRPr>
       </a:lvl4pPr>
-      <a:lvl5pPr marL="1828800" algn="l" defTabSz="914400" rtl="0" eaLnBrk="1" latinLnBrk="0" hangingPunct="1">
-        <a:defRPr sz="1800" kern="1200">
+      <a:lvl5pPr marL="1828800" algn="l" rtl="0" eaLnBrk="1" latinLnBrk="0" hangingPunct="1">
+        <a:defRPr kumimoji="0" kern="1200">
           <a:solidFill>
             <a:schemeClr val="tx1"/>
           </a:solidFill>
@@ -3629,8 +6627,8 @@
           <a:cs typeface="+mn-cs"/>
         </a:defRPr>
       </a:lvl5pPr>
-      <a:lvl6pPr marL="2286000" algn="l" defTabSz="914400" rtl="0" eaLnBrk="1" latinLnBrk="0" hangingPunct="1">
-        <a:defRPr sz="1800" kern="1200">
+      <a:lvl6pPr marL="2286000" algn="l" rtl="0" eaLnBrk="1" latinLnBrk="0" hangingPunct="1">
+        <a:defRPr kumimoji="0" kern="1200">
           <a:solidFill>
             <a:schemeClr val="tx1"/>
           </a:solidFill>
@@ -3639,8 +6637,8 @@
           <a:cs typeface="+mn-cs"/>
         </a:defRPr>
       </a:lvl6pPr>
-      <a:lvl7pPr marL="2743200" algn="l" defTabSz="914400" rtl="0" eaLnBrk="1" latinLnBrk="0" hangingPunct="1">
-        <a:defRPr sz="1800" kern="1200">
+      <a:lvl7pPr marL="2743200" algn="l" rtl="0" eaLnBrk="1" latinLnBrk="0" hangingPunct="1">
+        <a:defRPr kumimoji="0" kern="1200">
           <a:solidFill>
             <a:schemeClr val="tx1"/>
           </a:solidFill>
@@ -3649,8 +6647,8 @@
           <a:cs typeface="+mn-cs"/>
         </a:defRPr>
       </a:lvl7pPr>
-      <a:lvl8pPr marL="3200400" algn="l" defTabSz="914400" rtl="0" eaLnBrk="1" latinLnBrk="0" hangingPunct="1">
-        <a:defRPr sz="1800" kern="1200">
+      <a:lvl8pPr marL="3200400" algn="l" rtl="0" eaLnBrk="1" latinLnBrk="0" hangingPunct="1">
+        <a:defRPr kumimoji="0" kern="1200">
           <a:solidFill>
             <a:schemeClr val="tx1"/>
           </a:solidFill>
@@ -3659,8 +6657,8 @@
           <a:cs typeface="+mn-cs"/>
         </a:defRPr>
       </a:lvl8pPr>
-      <a:lvl9pPr marL="3657600" algn="l" defTabSz="914400" rtl="0" eaLnBrk="1" latinLnBrk="0" hangingPunct="1">
-        <a:defRPr sz="1800" kern="1200">
+      <a:lvl9pPr marL="3657600" algn="l" rtl="0" eaLnBrk="1" latinLnBrk="0" hangingPunct="1">
+        <a:defRPr kumimoji="0" kern="1200">
           <a:solidFill>
             <a:schemeClr val="tx1"/>
           </a:solidFill>
@@ -3693,6 +6691,25 @@
       </p:grpSpPr>
       <p:sp>
         <p:nvSpPr>
+          <p:cNvPr id="3" name="Subtitle 2"/>
+          <p:cNvSpPr>
+            <a:spLocks noGrp="1"/>
+          </p:cNvSpPr>
+          <p:nvPr>
+            <p:ph type="subTitle" idx="1"/>
+          </p:nvPr>
+        </p:nvSpPr>
+        <p:spPr/>
+        <p:txBody>
+          <a:bodyPr/>
+          <a:lstStyle/>
+          <a:p>
+            <a:endParaRPr lang="en-US" dirty="0"/>
+          </a:p>
+        </p:txBody>
+      </p:sp>
+      <p:sp>
+        <p:nvSpPr>
           <p:cNvPr id="2" name="Title 1"/>
           <p:cNvSpPr>
             <a:spLocks noGrp="1"/>
@@ -3714,25 +6731,6 @@
               <a:rPr lang="en-US" dirty="0" smtClean="0"/>
               <a:t>IMP</a:t>
             </a:r>
-            <a:endParaRPr lang="en-US" dirty="0"/>
-          </a:p>
-        </p:txBody>
-      </p:sp>
-      <p:sp>
-        <p:nvSpPr>
-          <p:cNvPr id="3" name="Subtitle 2"/>
-          <p:cNvSpPr>
-            <a:spLocks noGrp="1"/>
-          </p:cNvSpPr>
-          <p:nvPr>
-            <p:ph type="subTitle" idx="1"/>
-          </p:nvPr>
-        </p:nvSpPr>
-        <p:spPr/>
-        <p:txBody>
-          <a:bodyPr/>
-          <a:lstStyle/>
-          <a:p>
             <a:endParaRPr lang="en-US" dirty="0"/>
           </a:p>
         </p:txBody>
@@ -3779,8 +6777,8 @@
         </p:blipFill>
         <p:spPr bwMode="auto">
           <a:xfrm>
-            <a:off x="6705600" y="0"/>
-            <a:ext cx="1828800" cy="1828800"/>
+            <a:off x="1371600" y="228600"/>
+            <a:ext cx="990600" cy="990600"/>
           </a:xfrm>
           <a:prstGeom prst="rect">
             <a:avLst/>
@@ -3804,7 +6802,12 @@
             <p:ph type="title"/>
           </p:nvPr>
         </p:nvSpPr>
-        <p:spPr/>
+        <p:spPr>
+          <a:xfrm>
+            <a:off x="304800" y="228600"/>
+            <a:ext cx="8534400" cy="758952"/>
+          </a:xfrm>
+        </p:spPr>
         <p:txBody>
           <a:bodyPr>
             <a:normAutofit/>
@@ -3826,7 +6829,7 @@
             <a:spLocks noGrp="1"/>
           </p:cNvSpPr>
           <p:nvPr>
-            <p:ph idx="1"/>
+            <p:ph sz="quarter" idx="1"/>
           </p:nvPr>
         </p:nvSpPr>
         <p:spPr/>
@@ -3907,7 +6910,7 @@
             <a:spLocks noGrp="1"/>
           </p:cNvSpPr>
           <p:nvPr>
-            <p:ph idx="1"/>
+            <p:ph sz="quarter" idx="1"/>
           </p:nvPr>
         </p:nvSpPr>
         <p:spPr/>
@@ -3996,7 +6999,7 @@
             <a:spLocks noGrp="1"/>
           </p:cNvSpPr>
           <p:nvPr>
-            <p:ph idx="1"/>
+            <p:ph sz="quarter" idx="1"/>
           </p:nvPr>
         </p:nvSpPr>
         <p:spPr>
@@ -4051,8 +7054,8 @@
         </p:nvSpPr>
         <p:spPr>
           <a:xfrm>
-            <a:off x="6172200" y="6248400"/>
-            <a:ext cx="2743200" cy="307777"/>
+            <a:off x="5791200" y="6324600"/>
+            <a:ext cx="3048000" cy="307777"/>
           </a:xfrm>
           <a:prstGeom prst="rect">
             <a:avLst/>
@@ -4090,7 +7093,7 @@
         </p:blipFill>
         <p:spPr bwMode="auto">
           <a:xfrm>
-            <a:off x="4724400" y="1676400"/>
+            <a:off x="5029200" y="1752600"/>
             <a:ext cx="3505200" cy="3505200"/>
           </a:xfrm>
           <a:prstGeom prst="rect">
@@ -4132,12 +7135,12 @@
       </p:grpSpPr>
       <p:sp>
         <p:nvSpPr>
-          <p:cNvPr id="2" name="Title 1"/>
-          <p:cNvSpPr>
-            <a:spLocks noGrp="1"/>
-          </p:cNvSpPr>
-          <p:nvPr>
-            <p:ph type="title"/>
+          <p:cNvPr id="4" name="Text Placeholder 3"/>
+          <p:cNvSpPr>
+            <a:spLocks noGrp="1"/>
+          </p:cNvSpPr>
+          <p:nvPr>
+            <p:ph type="body" idx="1"/>
           </p:nvPr>
         </p:nvSpPr>
         <p:spPr/>
@@ -4147,7 +7150,7 @@
           <a:p>
             <a:r>
               <a:rPr lang="en-US" dirty="0" smtClean="0"/>
-              <a:t>Mutual/Index Fund</a:t>
+              <a:t>Advantages</a:t>
             </a:r>
             <a:endParaRPr lang="en-US" dirty="0"/>
           </a:p>
@@ -4155,12 +7158,12 @@
       </p:sp>
       <p:sp>
         <p:nvSpPr>
-          <p:cNvPr id="4" name="Text Placeholder 3"/>
-          <p:cNvSpPr>
-            <a:spLocks noGrp="1"/>
-          </p:cNvSpPr>
-          <p:nvPr>
-            <p:ph type="body" idx="1"/>
+          <p:cNvPr id="5" name="Text Placeholder 4"/>
+          <p:cNvSpPr>
+            <a:spLocks noGrp="1"/>
+          </p:cNvSpPr>
+          <p:nvPr>
+            <p:ph type="body" sz="half" idx="3"/>
           </p:nvPr>
         </p:nvSpPr>
         <p:spPr/>
@@ -4170,7 +7173,7 @@
           <a:p>
             <a:r>
               <a:rPr lang="en-US" dirty="0" smtClean="0"/>
-              <a:t>Advantages</a:t>
+              <a:t>Disadvantages</a:t>
             </a:r>
             <a:endParaRPr lang="en-US" dirty="0"/>
           </a:p>
@@ -4183,7 +7186,7 @@
             <a:spLocks noGrp="1"/>
           </p:cNvSpPr>
           <p:nvPr>
-            <p:ph sz="half" idx="2"/>
+            <p:ph sz="quarter" idx="2"/>
           </p:nvPr>
         </p:nvSpPr>
         <p:spPr/>
@@ -4228,41 +7231,18 @@
       </p:sp>
       <p:sp>
         <p:nvSpPr>
-          <p:cNvPr id="5" name="Text Placeholder 4"/>
-          <p:cNvSpPr>
-            <a:spLocks noGrp="1"/>
-          </p:cNvSpPr>
-          <p:nvPr>
-            <p:ph type="body" sz="quarter" idx="3"/>
+          <p:cNvPr id="6" name="Content Placeholder 5"/>
+          <p:cNvSpPr>
+            <a:spLocks noGrp="1"/>
+          </p:cNvSpPr>
+          <p:nvPr>
+            <p:ph sz="quarter" idx="4"/>
           </p:nvPr>
         </p:nvSpPr>
         <p:spPr/>
         <p:txBody>
-          <a:bodyPr/>
-          <a:lstStyle/>
-          <a:p>
-            <a:r>
-              <a:rPr lang="en-US" dirty="0" smtClean="0"/>
-              <a:t>Disadvantages</a:t>
-            </a:r>
-            <a:endParaRPr lang="en-US" dirty="0"/>
-          </a:p>
-        </p:txBody>
-      </p:sp>
-      <p:sp>
-        <p:nvSpPr>
-          <p:cNvPr id="6" name="Content Placeholder 5"/>
-          <p:cNvSpPr>
-            <a:spLocks noGrp="1"/>
-          </p:cNvSpPr>
-          <p:nvPr>
-            <p:ph sz="quarter" idx="4"/>
-          </p:nvPr>
-        </p:nvSpPr>
-        <p:spPr/>
-        <p:txBody>
           <a:bodyPr>
-            <a:normAutofit fontScale="92500"/>
+            <a:normAutofit fontScale="77500" lnSpcReduction="20000"/>
           </a:bodyPr>
           <a:lstStyle/>
           <a:p>
@@ -4307,6 +7287,29 @@
             <a:r>
               <a:rPr lang="en-US" dirty="0" smtClean="0"/>
               <a:t> to control where his money is invested</a:t>
+            </a:r>
+            <a:endParaRPr lang="en-US" dirty="0"/>
+          </a:p>
+        </p:txBody>
+      </p:sp>
+      <p:sp>
+        <p:nvSpPr>
+          <p:cNvPr id="2" name="Title 1"/>
+          <p:cNvSpPr>
+            <a:spLocks noGrp="1"/>
+          </p:cNvSpPr>
+          <p:nvPr>
+            <p:ph type="title"/>
+          </p:nvPr>
+        </p:nvSpPr>
+        <p:spPr/>
+        <p:txBody>
+          <a:bodyPr/>
+          <a:lstStyle/>
+          <a:p>
+            <a:r>
+              <a:rPr lang="en-US" dirty="0" smtClean="0"/>
+              <a:t>Mutual/Index Fund</a:t>
             </a:r>
             <a:endParaRPr lang="en-US" dirty="0"/>
           </a:p>
@@ -4401,8 +7404,8 @@
         </p:blipFill>
         <p:spPr bwMode="auto">
           <a:xfrm>
-            <a:off x="7162800" y="381000"/>
-            <a:ext cx="1619250" cy="1619250"/>
+            <a:off x="7467600" y="228600"/>
+            <a:ext cx="990600" cy="990600"/>
           </a:xfrm>
           <a:prstGeom prst="rect">
             <a:avLst/>
@@ -4443,6 +7446,154 @@
       </p:grpSpPr>
       <p:sp>
         <p:nvSpPr>
+          <p:cNvPr id="4" name="Text Placeholder 3"/>
+          <p:cNvSpPr>
+            <a:spLocks noGrp="1"/>
+          </p:cNvSpPr>
+          <p:nvPr>
+            <p:ph type="body" idx="1"/>
+          </p:nvPr>
+        </p:nvSpPr>
+        <p:spPr/>
+        <p:txBody>
+          <a:bodyPr/>
+          <a:lstStyle/>
+          <a:p>
+            <a:r>
+              <a:rPr lang="en-US" dirty="0" smtClean="0"/>
+              <a:t>Advantages</a:t>
+            </a:r>
+            <a:endParaRPr lang="en-US" dirty="0"/>
+          </a:p>
+        </p:txBody>
+      </p:sp>
+      <p:sp>
+        <p:nvSpPr>
+          <p:cNvPr id="5" name="Text Placeholder 4"/>
+          <p:cNvSpPr>
+            <a:spLocks noGrp="1"/>
+          </p:cNvSpPr>
+          <p:nvPr>
+            <p:ph type="body" sz="half" idx="3"/>
+          </p:nvPr>
+        </p:nvSpPr>
+        <p:spPr/>
+        <p:txBody>
+          <a:bodyPr/>
+          <a:lstStyle/>
+          <a:p>
+            <a:r>
+              <a:rPr lang="en-US" dirty="0" smtClean="0"/>
+              <a:t>Disadvantages</a:t>
+            </a:r>
+            <a:endParaRPr lang="en-US" dirty="0"/>
+          </a:p>
+        </p:txBody>
+      </p:sp>
+      <p:sp>
+        <p:nvSpPr>
+          <p:cNvPr id="3" name="Content Placeholder 2"/>
+          <p:cNvSpPr>
+            <a:spLocks noGrp="1"/>
+          </p:cNvSpPr>
+          <p:nvPr>
+            <p:ph sz="quarter" idx="2"/>
+          </p:nvPr>
+        </p:nvSpPr>
+        <p:spPr/>
+        <p:txBody>
+          <a:bodyPr>
+            <a:normAutofit fontScale="85000" lnSpcReduction="10000"/>
+          </a:bodyPr>
+          <a:lstStyle/>
+          <a:p>
+            <a:r>
+              <a:rPr lang="en-US" dirty="0" smtClean="0"/>
+              <a:t>Relatively safe, and </a:t>
+            </a:r>
+            <a:r>
+              <a:rPr lang="en-US" dirty="0" smtClean="0"/>
+              <a:t>John’s </a:t>
+            </a:r>
+            <a:r>
+              <a:rPr lang="en-US" dirty="0" smtClean="0"/>
+              <a:t>portfolio be able to beat the returns of slow-but-safe large funds.</a:t>
+            </a:r>
+          </a:p>
+          <a:p>
+            <a:r>
+              <a:rPr lang="en-US" dirty="0" smtClean="0"/>
+              <a:t>Easy: </a:t>
+            </a:r>
+            <a:r>
+              <a:rPr lang="en-US" dirty="0" smtClean="0"/>
+              <a:t>John </a:t>
+            </a:r>
+            <a:r>
+              <a:rPr lang="en-US" dirty="0" smtClean="0"/>
+              <a:t>pays his broker to worry about his investments, although </a:t>
+            </a:r>
+            <a:r>
+              <a:rPr lang="en-US" dirty="0" smtClean="0"/>
+              <a:t>John has </a:t>
+            </a:r>
+            <a:r>
+              <a:rPr lang="en-US" dirty="0" err="1" smtClean="0"/>
+              <a:t>IMProved</a:t>
+            </a:r>
+            <a:r>
+              <a:rPr lang="en-US" dirty="0" smtClean="0"/>
+              <a:t> control over his portfolio, more so than with a fund.</a:t>
+            </a:r>
+            <a:endParaRPr lang="en-US" dirty="0" smtClean="0"/>
+          </a:p>
+        </p:txBody>
+      </p:sp>
+      <p:sp>
+        <p:nvSpPr>
+          <p:cNvPr id="6" name="Content Placeholder 5"/>
+          <p:cNvSpPr>
+            <a:spLocks noGrp="1"/>
+          </p:cNvSpPr>
+          <p:nvPr>
+            <p:ph sz="quarter" idx="4"/>
+          </p:nvPr>
+        </p:nvSpPr>
+        <p:spPr/>
+        <p:txBody>
+          <a:bodyPr/>
+          <a:lstStyle/>
+          <a:p>
+            <a:r>
+              <a:rPr lang="en-US" dirty="0" smtClean="0"/>
+              <a:t>John doesn’t have much </a:t>
+            </a:r>
+            <a:r>
+              <a:rPr lang="en-US" dirty="0" smtClean="0"/>
+              <a:t>direct control of his portfolio.</a:t>
+            </a:r>
+          </a:p>
+          <a:p>
+            <a:r>
+              <a:rPr lang="en-US" dirty="0" smtClean="0"/>
+              <a:t>Professional brokers make their money from somewhere: </a:t>
+            </a:r>
+            <a:r>
+              <a:rPr lang="en-US" dirty="0" smtClean="0"/>
+              <a:t>John’s </a:t>
+            </a:r>
+            <a:r>
+              <a:rPr lang="en-US" dirty="0" smtClean="0"/>
+              <a:t>profit and pocket.</a:t>
+            </a:r>
+          </a:p>
+          <a:p>
+            <a:endParaRPr lang="en-US" dirty="0"/>
+          </a:p>
+        </p:txBody>
+      </p:sp>
+      <p:sp>
+        <p:nvSpPr>
           <p:cNvPr id="2" name="Title 1"/>
           <p:cNvSpPr>
             <a:spLocks noGrp="1"/>
@@ -4468,161 +7619,13 @@
       </p:sp>
       <p:sp>
         <p:nvSpPr>
-          <p:cNvPr id="4" name="Text Placeholder 3"/>
-          <p:cNvSpPr>
-            <a:spLocks noGrp="1"/>
-          </p:cNvSpPr>
-          <p:nvPr>
-            <p:ph type="body" idx="1"/>
-          </p:nvPr>
-        </p:nvSpPr>
-        <p:spPr/>
-        <p:txBody>
-          <a:bodyPr/>
-          <a:lstStyle/>
-          <a:p>
-            <a:r>
-              <a:rPr lang="en-US" dirty="0" smtClean="0"/>
-              <a:t>Advantages</a:t>
-            </a:r>
-            <a:endParaRPr lang="en-US" dirty="0"/>
-          </a:p>
-        </p:txBody>
-      </p:sp>
-      <p:sp>
-        <p:nvSpPr>
-          <p:cNvPr id="3" name="Content Placeholder 2"/>
-          <p:cNvSpPr>
-            <a:spLocks noGrp="1"/>
-          </p:cNvSpPr>
-          <p:nvPr>
-            <p:ph sz="half" idx="2"/>
-          </p:nvPr>
-        </p:nvSpPr>
-        <p:spPr/>
-        <p:txBody>
-          <a:bodyPr>
-            <a:normAutofit/>
-          </a:bodyPr>
-          <a:lstStyle/>
-          <a:p>
-            <a:r>
-              <a:rPr lang="en-US" dirty="0" smtClean="0"/>
-              <a:t>Relatively safe, and </a:t>
-            </a:r>
-            <a:r>
-              <a:rPr lang="en-US" dirty="0" smtClean="0"/>
-              <a:t>John’s </a:t>
-            </a:r>
-            <a:r>
-              <a:rPr lang="en-US" dirty="0" smtClean="0"/>
-              <a:t>portfolio be able to beat the returns of slow-but-safe large funds.</a:t>
-            </a:r>
-          </a:p>
-          <a:p>
-            <a:r>
-              <a:rPr lang="en-US" dirty="0" smtClean="0"/>
-              <a:t>Easy: </a:t>
-            </a:r>
-            <a:r>
-              <a:rPr lang="en-US" dirty="0" smtClean="0"/>
-              <a:t>John </a:t>
-            </a:r>
-            <a:r>
-              <a:rPr lang="en-US" dirty="0" smtClean="0"/>
-              <a:t>pays his broker to worry about his investments, although </a:t>
-            </a:r>
-            <a:r>
-              <a:rPr lang="en-US" dirty="0" smtClean="0"/>
-              <a:t>John has </a:t>
-            </a:r>
-            <a:r>
-              <a:rPr lang="en-US" dirty="0" err="1" smtClean="0"/>
-              <a:t>IMProved</a:t>
-            </a:r>
-            <a:r>
-              <a:rPr lang="en-US" dirty="0" smtClean="0"/>
-              <a:t> control over his portfolio, more so than with a fund.</a:t>
-            </a:r>
-            <a:endParaRPr lang="en-US" dirty="0" smtClean="0"/>
-          </a:p>
-        </p:txBody>
-      </p:sp>
-      <p:sp>
-        <p:nvSpPr>
-          <p:cNvPr id="5" name="Text Placeholder 4"/>
-          <p:cNvSpPr>
-            <a:spLocks noGrp="1"/>
-          </p:cNvSpPr>
-          <p:nvPr>
-            <p:ph type="body" sz="quarter" idx="3"/>
-          </p:nvPr>
-        </p:nvSpPr>
-        <p:spPr/>
-        <p:txBody>
-          <a:bodyPr/>
-          <a:lstStyle/>
-          <a:p>
-            <a:r>
-              <a:rPr lang="en-US" dirty="0" smtClean="0"/>
-              <a:t>Disadvantages</a:t>
-            </a:r>
-            <a:endParaRPr lang="en-US" dirty="0"/>
-          </a:p>
-        </p:txBody>
-      </p:sp>
-      <p:sp>
-        <p:nvSpPr>
-          <p:cNvPr id="6" name="Content Placeholder 5"/>
-          <p:cNvSpPr>
-            <a:spLocks noGrp="1"/>
-          </p:cNvSpPr>
-          <p:nvPr>
-            <p:ph sz="quarter" idx="4"/>
-          </p:nvPr>
-        </p:nvSpPr>
-        <p:spPr/>
-        <p:txBody>
-          <a:bodyPr/>
-          <a:lstStyle/>
-          <a:p>
-            <a:r>
-              <a:rPr lang="en-US" dirty="0" smtClean="0"/>
-              <a:t>John doesn’t have much </a:t>
-            </a:r>
-            <a:r>
-              <a:rPr lang="en-US" dirty="0" smtClean="0"/>
-              <a:t>direct control of his portfolio.</a:t>
-            </a:r>
-          </a:p>
-          <a:p>
-            <a:r>
-              <a:rPr lang="en-US" dirty="0" smtClean="0"/>
-              <a:t>Professional brokers make their money from somewhere: </a:t>
-            </a:r>
-            <a:r>
-              <a:rPr lang="en-US" dirty="0" smtClean="0"/>
-              <a:t>John’s </a:t>
-            </a:r>
-            <a:r>
-              <a:rPr lang="en-US" dirty="0" smtClean="0"/>
-              <a:t>profit and pocket.</a:t>
-            </a:r>
-          </a:p>
-          <a:p>
-            <a:endParaRPr lang="en-US" dirty="0"/>
-          </a:p>
-        </p:txBody>
-      </p:sp>
-      <p:sp>
-        <p:nvSpPr>
           <p:cNvPr id="7" name="TextBox 6"/>
           <p:cNvSpPr txBox="1"/>
           <p:nvPr/>
         </p:nvSpPr>
         <p:spPr>
           <a:xfrm>
-            <a:off x="4419600" y="6096000"/>
+            <a:off x="5486400" y="990600"/>
             <a:ext cx="3352800" cy="338554"/>
           </a:xfrm>
           <a:prstGeom prst="rect">
@@ -4703,8 +7706,8 @@
         </p:blipFill>
         <p:spPr bwMode="auto">
           <a:xfrm>
-            <a:off x="6934200" y="4648200"/>
-            <a:ext cx="1752600" cy="1869440"/>
+            <a:off x="3810000" y="5476240"/>
+            <a:ext cx="1295400" cy="1381760"/>
           </a:xfrm>
           <a:prstGeom prst="rect">
             <a:avLst/>
@@ -4745,12 +7748,12 @@
       </p:grpSpPr>
       <p:sp>
         <p:nvSpPr>
-          <p:cNvPr id="2" name="Title 1"/>
-          <p:cNvSpPr>
-            <a:spLocks noGrp="1"/>
-          </p:cNvSpPr>
-          <p:nvPr>
-            <p:ph type="title"/>
+          <p:cNvPr id="3" name="Text Placeholder 2"/>
+          <p:cNvSpPr>
+            <a:spLocks noGrp="1"/>
+          </p:cNvSpPr>
+          <p:nvPr>
+            <p:ph type="body" idx="1"/>
           </p:nvPr>
         </p:nvSpPr>
         <p:spPr/>
@@ -4760,7 +7763,7 @@
           <a:p>
             <a:r>
               <a:rPr lang="en-US" dirty="0" smtClean="0"/>
-              <a:t>Online Brokerage (E*TRADE)</a:t>
+              <a:t>Advantages</a:t>
             </a:r>
             <a:endParaRPr lang="en-US" dirty="0"/>
           </a:p>
@@ -4768,12 +7771,12 @@
       </p:sp>
       <p:sp>
         <p:nvSpPr>
-          <p:cNvPr id="3" name="Text Placeholder 2"/>
-          <p:cNvSpPr>
-            <a:spLocks noGrp="1"/>
-          </p:cNvSpPr>
-          <p:nvPr>
-            <p:ph type="body" idx="1"/>
+          <p:cNvPr id="5" name="Text Placeholder 4"/>
+          <p:cNvSpPr>
+            <a:spLocks noGrp="1"/>
+          </p:cNvSpPr>
+          <p:nvPr>
+            <p:ph type="body" sz="half" idx="3"/>
           </p:nvPr>
         </p:nvSpPr>
         <p:spPr/>
@@ -4783,7 +7786,7 @@
           <a:p>
             <a:r>
               <a:rPr lang="en-US" dirty="0" smtClean="0"/>
-              <a:t>Advantages</a:t>
+              <a:t>Disadvantages</a:t>
             </a:r>
             <a:endParaRPr lang="en-US" dirty="0"/>
           </a:p>
@@ -4796,12 +7799,14 @@
             <a:spLocks noGrp="1"/>
           </p:cNvSpPr>
           <p:nvPr>
-            <p:ph sz="half" idx="2"/>
+            <p:ph sz="quarter" idx="2"/>
           </p:nvPr>
         </p:nvSpPr>
         <p:spPr/>
         <p:txBody>
-          <a:bodyPr/>
+          <a:bodyPr>
+            <a:normAutofit lnSpcReduction="10000"/>
+          </a:bodyPr>
           <a:lstStyle/>
           <a:p>
             <a:r>
@@ -4828,41 +7833,18 @@
       </p:sp>
       <p:sp>
         <p:nvSpPr>
-          <p:cNvPr id="5" name="Text Placeholder 4"/>
-          <p:cNvSpPr>
-            <a:spLocks noGrp="1"/>
-          </p:cNvSpPr>
-          <p:nvPr>
-            <p:ph type="body" sz="quarter" idx="3"/>
+          <p:cNvPr id="6" name="Content Placeholder 5"/>
+          <p:cNvSpPr>
+            <a:spLocks noGrp="1"/>
+          </p:cNvSpPr>
+          <p:nvPr>
+            <p:ph sz="quarter" idx="4"/>
           </p:nvPr>
         </p:nvSpPr>
         <p:spPr/>
         <p:txBody>
-          <a:bodyPr/>
-          <a:lstStyle/>
-          <a:p>
-            <a:r>
-              <a:rPr lang="en-US" dirty="0" smtClean="0"/>
-              <a:t>Disadvantages</a:t>
-            </a:r>
-            <a:endParaRPr lang="en-US" dirty="0"/>
-          </a:p>
-        </p:txBody>
-      </p:sp>
-      <p:sp>
-        <p:nvSpPr>
-          <p:cNvPr id="6" name="Content Placeholder 5"/>
-          <p:cNvSpPr>
-            <a:spLocks noGrp="1"/>
-          </p:cNvSpPr>
-          <p:nvPr>
-            <p:ph sz="quarter" idx="4"/>
-          </p:nvPr>
-        </p:nvSpPr>
-        <p:spPr/>
-        <p:txBody>
           <a:bodyPr>
-            <a:normAutofit fontScale="92500" lnSpcReduction="10000"/>
+            <a:normAutofit fontScale="77500" lnSpcReduction="20000"/>
           </a:bodyPr>
           <a:lstStyle/>
           <a:p>
@@ -4921,6 +7903,29 @@
             <a:endParaRPr lang="en-US" dirty="0" smtClean="0"/>
           </a:p>
           <a:p>
+            <a:endParaRPr lang="en-US" dirty="0"/>
+          </a:p>
+        </p:txBody>
+      </p:sp>
+      <p:sp>
+        <p:nvSpPr>
+          <p:cNvPr id="2" name="Title 1"/>
+          <p:cNvSpPr>
+            <a:spLocks noGrp="1"/>
+          </p:cNvSpPr>
+          <p:nvPr>
+            <p:ph type="title"/>
+          </p:nvPr>
+        </p:nvSpPr>
+        <p:spPr/>
+        <p:txBody>
+          <a:bodyPr/>
+          <a:lstStyle/>
+          <a:p>
+            <a:r>
+              <a:rPr lang="en-US" dirty="0" smtClean="0"/>
+              <a:t>Online Brokerage (E*TRADE)</a:t>
+            </a:r>
             <a:endParaRPr lang="en-US" dirty="0"/>
           </a:p>
         </p:txBody>
@@ -4933,7 +7938,7 @@
         </p:nvSpPr>
         <p:spPr>
           <a:xfrm>
-            <a:off x="1371600" y="5638800"/>
+            <a:off x="1752600" y="5867400"/>
             <a:ext cx="3276600" cy="338554"/>
           </a:xfrm>
           <a:prstGeom prst="rect">
@@ -5019,7 +8024,7 @@
             <a:spLocks noGrp="1"/>
           </p:cNvSpPr>
           <p:nvPr>
-            <p:ph idx="1"/>
+            <p:ph sz="quarter" idx="1"/>
           </p:nvPr>
         </p:nvSpPr>
         <p:spPr/>
@@ -5169,7 +8174,7 @@
         </p:blipFill>
         <p:spPr bwMode="auto">
           <a:xfrm>
-            <a:off x="6858000" y="4495800"/>
+            <a:off x="6858000" y="4343400"/>
             <a:ext cx="1162050" cy="1971675"/>
           </a:xfrm>
           <a:prstGeom prst="rect">
@@ -5211,6 +8216,33 @@
       </p:grpSpPr>
       <p:sp>
         <p:nvSpPr>
+          <p:cNvPr id="7" name="Subtitle 6"/>
+          <p:cNvSpPr>
+            <a:spLocks noGrp="1"/>
+          </p:cNvSpPr>
+          <p:nvPr>
+            <p:ph type="subTitle" idx="1"/>
+          </p:nvPr>
+        </p:nvSpPr>
+        <p:spPr/>
+        <p:txBody>
+          <a:bodyPr/>
+          <a:lstStyle/>
+          <a:p>
+            <a:r>
+              <a:rPr lang="en-US" dirty="0" smtClean="0"/>
+              <a:t>Got </a:t>
+            </a:r>
+            <a:r>
+              <a:rPr lang="en-US" dirty="0" smtClean="0"/>
+              <a:t>IMP?</a:t>
+            </a:r>
+            <a:endParaRPr lang="en-US" dirty="0"/>
+          </a:p>
+        </p:txBody>
+      </p:sp>
+      <p:sp>
+        <p:nvSpPr>
           <p:cNvPr id="6" name="Title 5"/>
           <p:cNvSpPr>
             <a:spLocks noGrp="1"/>
@@ -5235,33 +8267,6 @@
             <a:r>
               <a:rPr lang="en-US" dirty="0" smtClean="0"/>
               <a:t>for Market Prediction</a:t>
-            </a:r>
-            <a:endParaRPr lang="en-US" dirty="0"/>
-          </a:p>
-        </p:txBody>
-      </p:sp>
-      <p:sp>
-        <p:nvSpPr>
-          <p:cNvPr id="7" name="Subtitle 6"/>
-          <p:cNvSpPr>
-            <a:spLocks noGrp="1"/>
-          </p:cNvSpPr>
-          <p:nvPr>
-            <p:ph type="subTitle" idx="1"/>
-          </p:nvPr>
-        </p:nvSpPr>
-        <p:spPr/>
-        <p:txBody>
-          <a:bodyPr/>
-          <a:lstStyle/>
-          <a:p>
-            <a:r>
-              <a:rPr lang="en-US" dirty="0" smtClean="0"/>
-              <a:t>Got </a:t>
-            </a:r>
-            <a:r>
-              <a:rPr lang="en-US" dirty="0" smtClean="0"/>
-              <a:t>IMP?</a:t>
             </a:r>
             <a:endParaRPr lang="en-US" dirty="0"/>
           </a:p>
@@ -5311,8 +8316,8 @@
         </p:blipFill>
         <p:spPr bwMode="auto">
           <a:xfrm>
-            <a:off x="6934200" y="2362200"/>
-            <a:ext cx="2098059" cy="2686050"/>
+            <a:off x="7086600" y="2362200"/>
+            <a:ext cx="1945659" cy="2686050"/>
           </a:xfrm>
           <a:prstGeom prst="rect">
             <a:avLst/>
@@ -5357,18 +8362,18 @@
             <a:spLocks noGrp="1"/>
           </p:cNvSpPr>
           <p:nvPr>
-            <p:ph idx="1"/>
+            <p:ph sz="quarter" idx="1"/>
           </p:nvPr>
         </p:nvSpPr>
         <p:spPr>
           <a:xfrm>
             <a:off x="457200" y="1600200"/>
-            <a:ext cx="6858000" cy="4525963"/>
+            <a:ext cx="6781800" cy="4525963"/>
           </a:xfrm>
         </p:spPr>
         <p:txBody>
           <a:bodyPr>
-            <a:normAutofit fontScale="92500"/>
+            <a:normAutofit/>
           </a:bodyPr>
           <a:lstStyle/>
           <a:p>
@@ -5463,7 +8468,7 @@
             <a:spLocks noGrp="1"/>
           </p:cNvSpPr>
           <p:nvPr>
-            <p:ph idx="1"/>
+            <p:ph sz="quarter" idx="1"/>
           </p:nvPr>
         </p:nvSpPr>
         <p:spPr/>
@@ -5501,9 +8506,9 @@
 </file>
 
 <file path=ppt/theme/theme1.xml><?xml version="1.0" encoding="utf-8"?>
-<a:theme xmlns:a="http://schemas.openxmlformats.org/drawingml/2006/main" name="Office Theme">
+<a:theme xmlns:a="http://schemas.openxmlformats.org/drawingml/2006/main" name="Civic">
   <a:themeElements>
-    <a:clrScheme name="Office">
+    <a:clrScheme name="Civic">
       <a:dk1>
         <a:sysClr val="windowText" lastClr="000000"/>
       </a:dk1>
@@ -5511,44 +8516,78 @@
         <a:sysClr val="window" lastClr="FFFFFF"/>
       </a:lt1>
       <a:dk2>
-        <a:srgbClr val="1F497D"/>
+        <a:srgbClr val="646B86"/>
       </a:dk2>
       <a:lt2>
-        <a:srgbClr val="EEECE1"/>
+        <a:srgbClr val="C5D1D7"/>
       </a:lt2>
       <a:accent1>
-        <a:srgbClr val="4F81BD"/>
+        <a:srgbClr val="D16349"/>
       </a:accent1>
       <a:accent2>
-        <a:srgbClr val="C0504D"/>
+        <a:srgbClr val="CCB400"/>
       </a:accent2>
       <a:accent3>
-        <a:srgbClr val="9BBB59"/>
+        <a:srgbClr val="8CADAE"/>
       </a:accent3>
       <a:accent4>
-        <a:srgbClr val="8064A2"/>
+        <a:srgbClr val="8C7B70"/>
       </a:accent4>
       <a:accent5>
-        <a:srgbClr val="4BACC6"/>
+        <a:srgbClr val="8FB08C"/>
       </a:accent5>
       <a:accent6>
-        <a:srgbClr val="F79646"/>
+        <a:srgbClr val="D19049"/>
       </a:accent6>
       <a:hlink>
-        <a:srgbClr val="0000FF"/>
+        <a:srgbClr val="00A3D6"/>
       </a:hlink>
       <a:folHlink>
-        <a:srgbClr val="800080"/>
+        <a:srgbClr val="694F07"/>
       </a:folHlink>
     </a:clrScheme>
-    <a:fontScheme name="Office">
+    <a:fontScheme name="Civic">
       <a:majorFont>
-        <a:latin typeface="Calibri"/>
+        <a:latin typeface="Georgia"/>
         <a:ea typeface=""/>
         <a:cs typeface=""/>
         <a:font script="Jpan" typeface="ＭＳ Ｐゴシック"/>
-        <a:font script="Hang" typeface="맑은 고딕"/>
-        <a:font script="Hans" typeface="宋体"/>
+        <a:font script="Hang" typeface="돋움"/>
+        <a:font script="Hans" typeface="方正舒体"/>
+        <a:font script="Hant" typeface="微軟正黑體"/>
+        <a:font script="Arab" typeface="Arial"/>
+        <a:font script="Hebr" typeface="Arial"/>
+        <a:font script="Thai" typeface="Cordia New"/>
+        <a:font script="Ethi" typeface="Nyala"/>
+        <a:font script="Beng" typeface="Vrinda"/>
+        <a:font script="Gujr" typeface="Shruti"/>
+        <a:font script="Khmr" typeface="DaunPenh"/>
+        <a:font script="Knda" typeface="Tunga"/>
+        <a:font script="Guru" typeface="Raavi"/>
+        <a:font script="Cans" typeface="Euphemia"/>
+        <a:font script="Cher" typeface="Plantagenet Cherokee"/>
+        <a:font script="Yiii" typeface="Microsoft Yi Baiti"/>
+        <a:font script="Tibt" typeface="Microsoft Himalaya"/>
+        <a:font script="Thaa" typeface="MV Boli"/>
+        <a:font script="Deva" typeface="Mangal"/>
+        <a:font script="Telu" typeface="Gautami"/>
+        <a:font script="Taml" typeface="Latha"/>
+        <a:font script="Syrc" typeface="Estrangelo Edessa"/>
+        <a:font script="Orya" typeface="Kalinga"/>
+        <a:font script="Mlym" typeface="Kartika"/>
+        <a:font script="Laoo" typeface="DokChampa"/>
+        <a:font script="Sinh" typeface="Iskoola Pota"/>
+        <a:font script="Mong" typeface="Mongolian Baiti"/>
+        <a:font script="Viet" typeface="Arial"/>
+        <a:font script="Uigh" typeface="Microsoft Uighur"/>
+      </a:majorFont>
+      <a:minorFont>
+        <a:latin typeface="Georgia"/>
+        <a:ea typeface=""/>
+        <a:cs typeface=""/>
+        <a:font script="Jpan" typeface="ＭＳ Ｐ明朝"/>
+        <a:font script="Hang" typeface="바탕"/>
+        <a:font script="Hans" typeface="方正舒体"/>
         <a:font script="Hant" typeface="新細明體"/>
         <a:font script="Arab" typeface="Times New Roman"/>
         <a:font script="Hebr" typeface="Times New Roman"/>
@@ -5575,111 +8614,38 @@
         <a:font script="Mong" typeface="Mongolian Baiti"/>
         <a:font script="Viet" typeface="Times New Roman"/>
         <a:font script="Uigh" typeface="Microsoft Uighur"/>
-      </a:majorFont>
-      <a:minorFont>
-        <a:latin typeface="Calibri"/>
-        <a:ea typeface=""/>
-        <a:cs typeface=""/>
-        <a:font script="Jpan" typeface="ＭＳ Ｐゴシック"/>
-        <a:font script="Hang" typeface="맑은 고딕"/>
-        <a:font script="Hans" typeface="宋体"/>
-        <a:font script="Hant" typeface="新細明體"/>
-        <a:font script="Arab" typeface="Arial"/>
-        <a:font script="Hebr" typeface="Arial"/>
-        <a:font script="Thai" typeface="Cordia New"/>
-        <a:font script="Ethi" typeface="Nyala"/>
-        <a:font script="Beng" typeface="Vrinda"/>
-        <a:font script="Gujr" typeface="Shruti"/>
-        <a:font script="Khmr" typeface="DaunPenh"/>
-        <a:font script="Knda" typeface="Tunga"/>
-        <a:font script="Guru" typeface="Raavi"/>
-        <a:font script="Cans" typeface="Euphemia"/>
-        <a:font script="Cher" typeface="Plantagenet Cherokee"/>
-        <a:font script="Yiii" typeface="Microsoft Yi Baiti"/>
-        <a:font script="Tibt" typeface="Microsoft Himalaya"/>
-        <a:font script="Thaa" typeface="MV Boli"/>
-        <a:font script="Deva" typeface="Mangal"/>
-        <a:font script="Telu" typeface="Gautami"/>
-        <a:font script="Taml" typeface="Latha"/>
-        <a:font script="Syrc" typeface="Estrangelo Edessa"/>
-        <a:font script="Orya" typeface="Kalinga"/>
-        <a:font script="Mlym" typeface="Kartika"/>
-        <a:font script="Laoo" typeface="DokChampa"/>
-        <a:font script="Sinh" typeface="Iskoola Pota"/>
-        <a:font script="Mong" typeface="Mongolian Baiti"/>
-        <a:font script="Viet" typeface="Arial"/>
-        <a:font script="Uigh" typeface="Microsoft Uighur"/>
       </a:minorFont>
     </a:fontScheme>
-    <a:fmtScheme name="Office">
+    <a:fmtScheme name="Civic">
       <a:fillStyleLst>
         <a:solidFill>
           <a:schemeClr val="phClr"/>
         </a:solidFill>
-        <a:gradFill rotWithShape="1">
-          <a:gsLst>
-            <a:gs pos="0">
-              <a:schemeClr val="phClr">
-                <a:tint val="50000"/>
-                <a:satMod val="300000"/>
-              </a:schemeClr>
-            </a:gs>
-            <a:gs pos="35000">
-              <a:schemeClr val="phClr">
-                <a:tint val="37000"/>
-                <a:satMod val="300000"/>
-              </a:schemeClr>
-            </a:gs>
-            <a:gs pos="100000">
-              <a:schemeClr val="phClr">
-                <a:tint val="15000"/>
-                <a:satMod val="350000"/>
-              </a:schemeClr>
-            </a:gs>
-          </a:gsLst>
-          <a:lin ang="16200000" scaled="1"/>
-        </a:gradFill>
-        <a:gradFill rotWithShape="1">
-          <a:gsLst>
-            <a:gs pos="0">
-              <a:schemeClr val="phClr">
-                <a:shade val="51000"/>
-                <a:satMod val="130000"/>
-              </a:schemeClr>
-            </a:gs>
-            <a:gs pos="80000">
-              <a:schemeClr val="phClr">
-                <a:shade val="93000"/>
-                <a:satMod val="130000"/>
-              </a:schemeClr>
-            </a:gs>
-            <a:gs pos="100000">
-              <a:schemeClr val="phClr">
-                <a:shade val="94000"/>
-                <a:satMod val="135000"/>
-              </a:schemeClr>
-            </a:gs>
-          </a:gsLst>
-          <a:lin ang="16200000" scaled="0"/>
-        </a:gradFill>
+        <a:solidFill>
+          <a:schemeClr val="phClr">
+            <a:tint val="45000"/>
+          </a:schemeClr>
+        </a:solidFill>
+        <a:solidFill>
+          <a:schemeClr val="phClr">
+            <a:tint val="95000"/>
+          </a:schemeClr>
+        </a:solidFill>
       </a:fillStyleLst>
       <a:lnStyleLst>
         <a:ln w="9525" cap="flat" cmpd="sng" algn="ctr">
-          <a:solidFill>
-            <a:schemeClr val="phClr">
-              <a:shade val="95000"/>
-              <a:satMod val="105000"/>
-            </a:schemeClr>
-          </a:solidFill>
-          <a:prstDash val="solid"/>
-        </a:ln>
-        <a:ln w="25400" cap="flat" cmpd="sng" algn="ctr">
           <a:solidFill>
             <a:schemeClr val="phClr"/>
           </a:solidFill>
           <a:prstDash val="solid"/>
         </a:ln>
-        <a:ln w="38100" cap="flat" cmpd="sng" algn="ctr">
+        <a:ln w="11429" cap="flat" cmpd="sng" algn="ctr">
+          <a:solidFill>
+            <a:schemeClr val="phClr"/>
+          </a:solidFill>
+          <a:prstDash val="sysDash"/>
+        </a:ln>
+        <a:ln w="20000" cap="flat" cmpd="sng" algn="ctr">
           <a:solidFill>
             <a:schemeClr val="phClr"/>
           </a:solidFill>
@@ -5689,16 +8655,7 @@
       <a:effectStyleLst>
         <a:effectStyle>
           <a:effectLst>
-            <a:outerShdw blurRad="40000" dist="20000" dir="5400000" rotWithShape="0">
-              <a:srgbClr val="000000">
-                <a:alpha val="38000"/>
-              </a:srgbClr>
-            </a:outerShdw>
-          </a:effectLst>
-        </a:effectStyle>
-        <a:effectStyle>
-          <a:effectLst>
-            <a:outerShdw blurRad="40000" dist="23000" dir="5400000" rotWithShape="0">
+            <a:outerShdw blurRad="50800" dist="25400" dir="5400000" rotWithShape="0">
               <a:srgbClr val="000000">
                 <a:alpha val="35000"/>
               </a:srgbClr>
@@ -5707,22 +8664,51 @@
         </a:effectStyle>
         <a:effectStyle>
           <a:effectLst>
-            <a:outerShdw blurRad="40000" dist="23000" dir="5400000" rotWithShape="0">
+            <a:outerShdw blurRad="50800" dist="25400" dir="5400000" rotWithShape="0">
               <a:srgbClr val="000000">
-                <a:alpha val="35000"/>
+                <a:alpha val="45000"/>
               </a:srgbClr>
             </a:outerShdw>
           </a:effectLst>
           <a:scene3d>
-            <a:camera prst="orthographicFront">
+            <a:camera prst="orthographicFront" fov="0">
               <a:rot lat="0" lon="0" rev="0"/>
             </a:camera>
             <a:lightRig rig="threePt" dir="t">
-              <a:rot lat="0" lon="0" rev="1200000"/>
+              <a:rot lat="0" lon="0" rev="0"/>
             </a:lightRig>
           </a:scene3d>
-          <a:sp3d>
-            <a:bevelT w="63500" h="25400"/>
+          <a:sp3d contourW="9525" prstMaterial="matte">
+            <a:bevelT w="0" h="0"/>
+            <a:contourClr>
+              <a:schemeClr val="phClr">
+                <a:shade val="70000"/>
+                <a:satMod val="105000"/>
+              </a:schemeClr>
+            </a:contourClr>
+          </a:sp3d>
+        </a:effectStyle>
+        <a:effectStyle>
+          <a:effectLst>
+            <a:outerShdw blurRad="50800" dist="25400" dir="5400000" rotWithShape="0">
+              <a:srgbClr val="000000">
+                <a:alpha val="45000"/>
+              </a:srgbClr>
+            </a:outerShdw>
+          </a:effectLst>
+          <a:scene3d>
+            <a:camera prst="orthographicFront" fov="0">
+              <a:rot lat="0" lon="0" rev="0"/>
+            </a:camera>
+            <a:lightRig rig="soft" dir="b">
+              <a:rot lat="0" lon="0" rev="0"/>
+            </a:lightRig>
+          </a:scene3d>
+          <a:sp3d prstMaterial="dkEdge">
+            <a:bevelT w="63500" h="63500" prst="cross"/>
+            <a:contourClr>
+              <a:schemeClr val="phClr"/>
+            </a:contourClr>
           </a:sp3d>
         </a:effectStyle>
       </a:effectStyleLst>
@@ -5730,51 +8716,34 @@
         <a:solidFill>
           <a:schemeClr val="phClr"/>
         </a:solidFill>
-        <a:gradFill rotWithShape="1">
-          <a:gsLst>
-            <a:gs pos="0">
+        <a:blipFill>
+          <a:blip xmlns:r="http://schemas.openxmlformats.org/officeDocument/2006/relationships" r:embed="rId1">
+            <a:duotone>
               <a:schemeClr val="phClr">
-                <a:tint val="40000"/>
-                <a:satMod val="350000"/>
+                <a:shade val="70000"/>
+                <a:satMod val="115000"/>
               </a:schemeClr>
-            </a:gs>
-            <a:gs pos="40000">
               <a:schemeClr val="phClr">
-                <a:tint val="45000"/>
-                <a:shade val="99000"/>
-                <a:satMod val="350000"/>
+                <a:tint val="85000"/>
               </a:schemeClr>
-            </a:gs>
-            <a:gs pos="100000">
+            </a:duotone>
+          </a:blip>
+          <a:tile tx="0" ty="0" sx="85000" sy="85000" flip="none" algn="tl"/>
+        </a:blipFill>
+        <a:blipFill>
+          <a:blip xmlns:r="http://schemas.openxmlformats.org/officeDocument/2006/relationships" r:embed="rId2">
+            <a:duotone>
               <a:schemeClr val="phClr">
-                <a:shade val="20000"/>
-                <a:satMod val="255000"/>
+                <a:shade val="65000"/>
+                <a:satMod val="115000"/>
               </a:schemeClr>
-            </a:gs>
-          </a:gsLst>
-          <a:path path="circle">
-            <a:fillToRect l="50000" t="-80000" r="50000" b="180000"/>
-          </a:path>
-        </a:gradFill>
-        <a:gradFill rotWithShape="1">
-          <a:gsLst>
-            <a:gs pos="0">
               <a:schemeClr val="phClr">
-                <a:tint val="80000"/>
-                <a:satMod val="300000"/>
+                <a:tint val="85000"/>
               </a:schemeClr>
-            </a:gs>
-            <a:gs pos="100000">
-              <a:schemeClr val="phClr">
-                <a:shade val="30000"/>
-                <a:satMod val="200000"/>
-              </a:schemeClr>
-            </a:gs>
-          </a:gsLst>
-          <a:path path="circle">
-            <a:fillToRect l="50000" t="50000" r="50000" b="50000"/>
-          </a:path>
-        </a:gradFill>
+            </a:duotone>
+          </a:blip>
+          <a:tile tx="0" ty="0" sx="65000" sy="65000" flip="none" algn="tl"/>
+        </a:blipFill>
       </a:bgFillStyleLst>
     </a:fmtScheme>
   </a:themeElements>
